--- a/docs/diagrams/src/HealthGatewayArchitecture.pptx
+++ b/docs/diagrams/src/HealthGatewayArchitecture.pptx
@@ -5,14 +5,15 @@
     <p:sldMasterId id="2147483648" r:id="rId1"/>
   </p:sldMasterIdLst>
   <p:notesMasterIdLst>
-    <p:notesMasterId r:id="rId7"/>
+    <p:notesMasterId r:id="rId8"/>
   </p:notesMasterIdLst>
   <p:sldIdLst>
     <p:sldId id="256" r:id="rId2"/>
     <p:sldId id="260" r:id="rId3"/>
-    <p:sldId id="257" r:id="rId4"/>
-    <p:sldId id="258" r:id="rId5"/>
-    <p:sldId id="259" r:id="rId6"/>
+    <p:sldId id="261" r:id="rId4"/>
+    <p:sldId id="257" r:id="rId5"/>
+    <p:sldId id="258" r:id="rId6"/>
+    <p:sldId id="259" r:id="rId7"/>
   </p:sldIdLst>
   <p:sldSz cx="12192000" cy="6858000"/>
   <p:notesSz cx="6858000" cy="9144000"/>
@@ -121,7 +122,7 @@
 
 <file path=ppt/commentAuthors.xml><?xml version="1.0" encoding="utf-8"?>
 <p:cmAuthorLst xmlns:a="http://schemas.openxmlformats.org/drawingml/2006/main" xmlns:r="http://schemas.openxmlformats.org/officeDocument/2006/relationships" xmlns:p="http://schemas.openxmlformats.org/presentationml/2006/main">
-  <p:cmAuthor id="1" name="Head, Brad" initials="HB" lastIdx="2" clrIdx="0">
+  <p:cmAuthor id="1" name="Head, Brad" initials="HB" lastIdx="3" clrIdx="0">
     <p:extLst>
       <p:ext uri="{19B8F6BF-5375-455C-9EA6-DF929625EA0E}">
         <p15:presenceInfo xmlns:p15="http://schemas.microsoft.com/office/powerpoint/2012/main" userId="S::brad.head@quartech.com::53fc9a95-15f3-43ad-9e31-ab001aee87c1" providerId="AD"/>
@@ -147,6 +148,17 @@
     <p:extLst>
       <p:ext uri="{C676402C-5697-4E1C-873F-D02D1690AC5C}">
         <p15:threadingInfo xmlns:p15="http://schemas.microsoft.com/office/powerpoint/2012/main" timeZoneBias="480"/>
+      </p:ext>
+    </p:extLst>
+  </p:cm>
+  <p:cm authorId="1" dt="2022-05-20T10:29:28.596" idx="3">
+    <p:pos x="10" y="146"/>
+    <p:text>Version as of 2022-05-20</p:text>
+    <p:extLst>
+      <p:ext uri="{C676402C-5697-4E1C-873F-D02D1690AC5C}">
+        <p15:threadingInfo xmlns:p15="http://schemas.microsoft.com/office/powerpoint/2012/main" timeZoneBias="420">
+          <p15:parentCm authorId="1" idx="2"/>
+        </p15:threadingInfo>
       </p:ext>
     </p:extLst>
   </p:cm>
@@ -249,7 +261,7 @@
           <a:p>
             <a:fld id="{C032B994-ECD7-1947-AC00-BF42F83DCEC3}" type="datetimeFigureOut">
               <a:rPr lang="en-US" smtClean="0"/>
-              <a:t>1/12/21</a:t>
+              <a:t>5/20/22</a:t>
             </a:fld>
             <a:endParaRPr lang="en-US"/>
           </a:p>
@@ -600,6 +612,90 @@
 </p:notes>
 </file>
 
+<file path=ppt/notesSlides/notesSlide2.xml><?xml version="1.0" encoding="utf-8"?>
+<p:notes xmlns:a="http://schemas.openxmlformats.org/drawingml/2006/main" xmlns:r="http://schemas.openxmlformats.org/officeDocument/2006/relationships" xmlns:p="http://schemas.openxmlformats.org/presentationml/2006/main">
+  <p:cSld>
+    <p:spTree>
+      <p:nvGrpSpPr>
+        <p:cNvPr id="1" name=""/>
+        <p:cNvGrpSpPr/>
+        <p:nvPr/>
+      </p:nvGrpSpPr>
+      <p:grpSpPr>
+        <a:xfrm>
+          <a:off x="0" y="0"/>
+          <a:ext cx="0" cy="0"/>
+          <a:chOff x="0" y="0"/>
+          <a:chExt cx="0" cy="0"/>
+        </a:xfrm>
+      </p:grpSpPr>
+      <p:sp>
+        <p:nvSpPr>
+          <p:cNvPr id="2" name="Slide Image Placeholder 1"/>
+          <p:cNvSpPr>
+            <a:spLocks noGrp="1" noRot="1" noChangeAspect="1"/>
+          </p:cNvSpPr>
+          <p:nvPr>
+            <p:ph type="sldImg"/>
+          </p:nvPr>
+        </p:nvSpPr>
+        <p:spPr/>
+      </p:sp>
+      <p:sp>
+        <p:nvSpPr>
+          <p:cNvPr id="3" name="Notes Placeholder 2"/>
+          <p:cNvSpPr>
+            <a:spLocks noGrp="1"/>
+          </p:cNvSpPr>
+          <p:nvPr>
+            <p:ph type="body" idx="1"/>
+          </p:nvPr>
+        </p:nvSpPr>
+        <p:spPr/>
+        <p:txBody>
+          <a:bodyPr/>
+          <a:lstStyle/>
+          <a:p>
+            <a:endParaRPr lang="en-US" dirty="0"/>
+          </a:p>
+        </p:txBody>
+      </p:sp>
+      <p:sp>
+        <p:nvSpPr>
+          <p:cNvPr id="4" name="Slide Number Placeholder 3"/>
+          <p:cNvSpPr>
+            <a:spLocks noGrp="1"/>
+          </p:cNvSpPr>
+          <p:nvPr>
+            <p:ph type="sldNum" sz="quarter" idx="5"/>
+          </p:nvPr>
+        </p:nvSpPr>
+        <p:spPr/>
+        <p:txBody>
+          <a:bodyPr/>
+          <a:lstStyle/>
+          <a:p>
+            <a:fld id="{0D0CBCD1-3AF2-804C-96E9-3A2A171265EA}" type="slidenum">
+              <a:rPr lang="en-US" smtClean="0"/>
+              <a:t>3</a:t>
+            </a:fld>
+            <a:endParaRPr lang="en-US"/>
+          </a:p>
+        </p:txBody>
+      </p:sp>
+    </p:spTree>
+    <p:extLst>
+      <p:ext uri="{BB962C8B-B14F-4D97-AF65-F5344CB8AC3E}">
+        <p14:creationId xmlns:p14="http://schemas.microsoft.com/office/powerpoint/2010/main" val="3403595466"/>
+      </p:ext>
+    </p:extLst>
+  </p:cSld>
+  <p:clrMapOvr>
+    <a:masterClrMapping/>
+  </p:clrMapOvr>
+</p:notes>
+</file>
+
 <file path=ppt/slideLayouts/slideLayout1.xml><?xml version="1.0" encoding="utf-8"?>
 <p:sldLayout xmlns:a="http://schemas.openxmlformats.org/drawingml/2006/main" xmlns:r="http://schemas.openxmlformats.org/officeDocument/2006/relationships" xmlns:p="http://schemas.openxmlformats.org/presentationml/2006/main" type="title" preserve="1">
   <p:cSld name="Title Slide">
@@ -747,7 +843,7 @@
           <a:p>
             <a:fld id="{593315F8-CBB8-EF4E-81A8-A2F93D2F06F6}" type="datetimeFigureOut">
               <a:rPr lang="en-US" smtClean="0"/>
-              <a:t>1/12/21</a:t>
+              <a:t>5/20/22</a:t>
             </a:fld>
             <a:endParaRPr lang="en-US"/>
           </a:p>
@@ -945,7 +1041,7 @@
           <a:p>
             <a:fld id="{593315F8-CBB8-EF4E-81A8-A2F93D2F06F6}" type="datetimeFigureOut">
               <a:rPr lang="en-US" smtClean="0"/>
-              <a:t>1/12/21</a:t>
+              <a:t>5/20/22</a:t>
             </a:fld>
             <a:endParaRPr lang="en-US"/>
           </a:p>
@@ -1153,7 +1249,7 @@
           <a:p>
             <a:fld id="{593315F8-CBB8-EF4E-81A8-A2F93D2F06F6}" type="datetimeFigureOut">
               <a:rPr lang="en-US" smtClean="0"/>
-              <a:t>1/12/21</a:t>
+              <a:t>5/20/22</a:t>
             </a:fld>
             <a:endParaRPr lang="en-US"/>
           </a:p>
@@ -1351,7 +1447,7 @@
           <a:p>
             <a:fld id="{593315F8-CBB8-EF4E-81A8-A2F93D2F06F6}" type="datetimeFigureOut">
               <a:rPr lang="en-US" smtClean="0"/>
-              <a:t>1/12/21</a:t>
+              <a:t>5/20/22</a:t>
             </a:fld>
             <a:endParaRPr lang="en-US"/>
           </a:p>
@@ -1626,7 +1722,7 @@
           <a:p>
             <a:fld id="{593315F8-CBB8-EF4E-81A8-A2F93D2F06F6}" type="datetimeFigureOut">
               <a:rPr lang="en-US" smtClean="0"/>
-              <a:t>1/12/21</a:t>
+              <a:t>5/20/22</a:t>
             </a:fld>
             <a:endParaRPr lang="en-US"/>
           </a:p>
@@ -1891,7 +1987,7 @@
           <a:p>
             <a:fld id="{593315F8-CBB8-EF4E-81A8-A2F93D2F06F6}" type="datetimeFigureOut">
               <a:rPr lang="en-US" smtClean="0"/>
-              <a:t>1/12/21</a:t>
+              <a:t>5/20/22</a:t>
             </a:fld>
             <a:endParaRPr lang="en-US"/>
           </a:p>
@@ -2303,7 +2399,7 @@
           <a:p>
             <a:fld id="{593315F8-CBB8-EF4E-81A8-A2F93D2F06F6}" type="datetimeFigureOut">
               <a:rPr lang="en-US" smtClean="0"/>
-              <a:t>1/12/21</a:t>
+              <a:t>5/20/22</a:t>
             </a:fld>
             <a:endParaRPr lang="en-US"/>
           </a:p>
@@ -2444,7 +2540,7 @@
           <a:p>
             <a:fld id="{593315F8-CBB8-EF4E-81A8-A2F93D2F06F6}" type="datetimeFigureOut">
               <a:rPr lang="en-US" smtClean="0"/>
-              <a:t>1/12/21</a:t>
+              <a:t>5/20/22</a:t>
             </a:fld>
             <a:endParaRPr lang="en-US"/>
           </a:p>
@@ -2557,7 +2653,7 @@
           <a:p>
             <a:fld id="{593315F8-CBB8-EF4E-81A8-A2F93D2F06F6}" type="datetimeFigureOut">
               <a:rPr lang="en-US" smtClean="0"/>
-              <a:t>1/12/21</a:t>
+              <a:t>5/20/22</a:t>
             </a:fld>
             <a:endParaRPr lang="en-US"/>
           </a:p>
@@ -2868,7 +2964,7 @@
           <a:p>
             <a:fld id="{593315F8-CBB8-EF4E-81A8-A2F93D2F06F6}" type="datetimeFigureOut">
               <a:rPr lang="en-US" smtClean="0"/>
-              <a:t>1/12/21</a:t>
+              <a:t>5/20/22</a:t>
             </a:fld>
             <a:endParaRPr lang="en-US"/>
           </a:p>
@@ -3156,7 +3252,7 @@
           <a:p>
             <a:fld id="{593315F8-CBB8-EF4E-81A8-A2F93D2F06F6}" type="datetimeFigureOut">
               <a:rPr lang="en-US" smtClean="0"/>
-              <a:t>1/12/21</a:t>
+              <a:t>5/20/22</a:t>
             </a:fld>
             <a:endParaRPr lang="en-US"/>
           </a:p>
@@ -3397,7 +3493,7 @@
           <a:p>
             <a:fld id="{593315F8-CBB8-EF4E-81A8-A2F93D2F06F6}" type="datetimeFigureOut">
               <a:rPr lang="en-US" smtClean="0"/>
-              <a:t>1/12/21</a:t>
+              <a:t>5/20/22</a:t>
             </a:fld>
             <a:endParaRPr lang="en-US"/>
           </a:p>
@@ -3902,6 +3998,6147 @@
       </p:grpSpPr>
       <p:sp>
         <p:nvSpPr>
+          <p:cNvPr id="100" name="Rounded Rectangle 99">
+            <a:extLst>
+              <a:ext uri="{FF2B5EF4-FFF2-40B4-BE49-F238E27FC236}">
+                <a16:creationId xmlns:a16="http://schemas.microsoft.com/office/drawing/2014/main" id="{57F6BFA6-4EAB-9918-37D8-5C994D6B8696}"/>
+              </a:ext>
+            </a:extLst>
+          </p:cNvPr>
+          <p:cNvSpPr/>
+          <p:nvPr/>
+        </p:nvSpPr>
+        <p:spPr>
+          <a:xfrm>
+            <a:off x="123728" y="347987"/>
+            <a:ext cx="11931104" cy="1593860"/>
+          </a:xfrm>
+          <a:prstGeom prst="roundRect">
+            <a:avLst>
+              <a:gd name="adj" fmla="val 8263"/>
+            </a:avLst>
+          </a:prstGeom>
+          <a:solidFill>
+            <a:schemeClr val="accent6">
+              <a:lumMod val="20000"/>
+              <a:lumOff val="80000"/>
+            </a:schemeClr>
+          </a:solidFill>
+          <a:ln>
+            <a:noFill/>
+          </a:ln>
+        </p:spPr>
+        <p:style>
+          <a:lnRef idx="2">
+            <a:schemeClr val="accent1">
+              <a:shade val="50000"/>
+            </a:schemeClr>
+          </a:lnRef>
+          <a:fillRef idx="1">
+            <a:schemeClr val="accent1"/>
+          </a:fillRef>
+          <a:effectRef idx="0">
+            <a:schemeClr val="accent1"/>
+          </a:effectRef>
+          <a:fontRef idx="minor">
+            <a:schemeClr val="lt1"/>
+          </a:fontRef>
+        </p:style>
+        <p:txBody>
+          <a:bodyPr rtlCol="0" anchor="t"/>
+          <a:lstStyle/>
+          <a:p>
+            <a:pPr algn="ctr"/>
+            <a:r>
+              <a:rPr lang="en-US" sz="1200" dirty="0">
+                <a:solidFill>
+                  <a:schemeClr val="tx1">
+                    <a:lumMod val="50000"/>
+                    <a:lumOff val="50000"/>
+                  </a:schemeClr>
+                </a:solidFill>
+              </a:rPr>
+              <a:t>Health Gateway Client Applications</a:t>
+            </a:r>
+          </a:p>
+          <a:p>
+            <a:pPr algn="ctr"/>
+            <a:endParaRPr lang="en-US" sz="1200" dirty="0">
+              <a:solidFill>
+                <a:schemeClr val="tx1">
+                  <a:lumMod val="50000"/>
+                  <a:lumOff val="50000"/>
+                </a:schemeClr>
+              </a:solidFill>
+            </a:endParaRPr>
+          </a:p>
+        </p:txBody>
+      </p:sp>
+      <p:sp>
+        <p:nvSpPr>
+          <p:cNvPr id="103" name="Rounded Rectangle 102">
+            <a:extLst>
+              <a:ext uri="{FF2B5EF4-FFF2-40B4-BE49-F238E27FC236}">
+                <a16:creationId xmlns:a16="http://schemas.microsoft.com/office/drawing/2014/main" id="{EBC31554-88B5-0641-B6B0-D5127858D2E1}"/>
+              </a:ext>
+            </a:extLst>
+          </p:cNvPr>
+          <p:cNvSpPr/>
+          <p:nvPr/>
+        </p:nvSpPr>
+        <p:spPr>
+          <a:xfrm>
+            <a:off x="110289" y="3981743"/>
+            <a:ext cx="11944543" cy="1041498"/>
+          </a:xfrm>
+          <a:prstGeom prst="roundRect">
+            <a:avLst>
+              <a:gd name="adj" fmla="val 6147"/>
+            </a:avLst>
+          </a:prstGeom>
+          <a:solidFill>
+            <a:schemeClr val="bg2">
+              <a:lumMod val="90000"/>
+            </a:schemeClr>
+          </a:solidFill>
+          <a:ln>
+            <a:noFill/>
+          </a:ln>
+        </p:spPr>
+        <p:style>
+          <a:lnRef idx="2">
+            <a:schemeClr val="accent1">
+              <a:shade val="50000"/>
+            </a:schemeClr>
+          </a:lnRef>
+          <a:fillRef idx="1">
+            <a:schemeClr val="accent1"/>
+          </a:fillRef>
+          <a:effectRef idx="0">
+            <a:schemeClr val="accent1"/>
+          </a:effectRef>
+          <a:fontRef idx="minor">
+            <a:schemeClr val="lt1"/>
+          </a:fontRef>
+        </p:style>
+        <p:txBody>
+          <a:bodyPr rtlCol="0" anchor="b"/>
+          <a:lstStyle/>
+          <a:p>
+            <a:endParaRPr lang="en-US" sz="1200" dirty="0">
+              <a:solidFill>
+                <a:schemeClr val="tx1">
+                  <a:lumMod val="50000"/>
+                  <a:lumOff val="50000"/>
+                </a:schemeClr>
+              </a:solidFill>
+            </a:endParaRPr>
+          </a:p>
+          <a:p>
+            <a:endParaRPr lang="en-US" sz="1200" dirty="0">
+              <a:solidFill>
+                <a:schemeClr val="tx1">
+                  <a:lumMod val="50000"/>
+                  <a:lumOff val="50000"/>
+                </a:schemeClr>
+              </a:solidFill>
+            </a:endParaRPr>
+          </a:p>
+        </p:txBody>
+      </p:sp>
+      <p:sp>
+        <p:nvSpPr>
+          <p:cNvPr id="237" name="Rectangle 236">
+            <a:extLst>
+              <a:ext uri="{FF2B5EF4-FFF2-40B4-BE49-F238E27FC236}">
+                <a16:creationId xmlns:a16="http://schemas.microsoft.com/office/drawing/2014/main" id="{388CCCE5-957C-6B46-9E89-5AE002F8BDB1}"/>
+              </a:ext>
+            </a:extLst>
+          </p:cNvPr>
+          <p:cNvSpPr/>
+          <p:nvPr/>
+        </p:nvSpPr>
+        <p:spPr>
+          <a:xfrm>
+            <a:off x="3932539" y="647750"/>
+            <a:ext cx="2463618" cy="1167271"/>
+          </a:xfrm>
+          <a:prstGeom prst="rect">
+            <a:avLst/>
+          </a:prstGeom>
+          <a:solidFill>
+            <a:schemeClr val="accent2">
+              <a:lumMod val="60000"/>
+              <a:lumOff val="40000"/>
+            </a:schemeClr>
+          </a:solidFill>
+          <a:ln>
+            <a:noFill/>
+          </a:ln>
+        </p:spPr>
+        <p:style>
+          <a:lnRef idx="2">
+            <a:schemeClr val="accent1">
+              <a:shade val="50000"/>
+            </a:schemeClr>
+          </a:lnRef>
+          <a:fillRef idx="1">
+            <a:schemeClr val="accent1"/>
+          </a:fillRef>
+          <a:effectRef idx="0">
+            <a:schemeClr val="accent1"/>
+          </a:effectRef>
+          <a:fontRef idx="minor">
+            <a:schemeClr val="lt1"/>
+          </a:fontRef>
+        </p:style>
+        <p:txBody>
+          <a:bodyPr rtlCol="0" anchor="t"/>
+          <a:lstStyle/>
+          <a:p>
+            <a:pPr algn="ctr"/>
+            <a:r>
+              <a:rPr lang="en-US" sz="1200" dirty="0">
+                <a:solidFill>
+                  <a:schemeClr val="bg2">
+                    <a:lumMod val="25000"/>
+                  </a:schemeClr>
+                </a:solidFill>
+              </a:rPr>
+              <a:t>Health Gateway Admin</a:t>
+            </a:r>
+          </a:p>
+        </p:txBody>
+      </p:sp>
+      <p:sp>
+        <p:nvSpPr>
+          <p:cNvPr id="17" name="Rounded Rectangle 16">
+            <a:extLst>
+              <a:ext uri="{FF2B5EF4-FFF2-40B4-BE49-F238E27FC236}">
+                <a16:creationId xmlns:a16="http://schemas.microsoft.com/office/drawing/2014/main" id="{D93C9704-C88E-D047-8741-292919B41D69}"/>
+              </a:ext>
+            </a:extLst>
+          </p:cNvPr>
+          <p:cNvSpPr/>
+          <p:nvPr/>
+        </p:nvSpPr>
+        <p:spPr>
+          <a:xfrm>
+            <a:off x="1679474" y="5279672"/>
+            <a:ext cx="10375358" cy="1279410"/>
+          </a:xfrm>
+          <a:prstGeom prst="roundRect">
+            <a:avLst>
+              <a:gd name="adj" fmla="val 3715"/>
+            </a:avLst>
+          </a:prstGeom>
+          <a:solidFill>
+            <a:schemeClr val="accent1">
+              <a:lumMod val="20000"/>
+              <a:lumOff val="80000"/>
+            </a:schemeClr>
+          </a:solidFill>
+          <a:ln>
+            <a:noFill/>
+          </a:ln>
+        </p:spPr>
+        <p:style>
+          <a:lnRef idx="2">
+            <a:schemeClr val="accent1">
+              <a:shade val="50000"/>
+            </a:schemeClr>
+          </a:lnRef>
+          <a:fillRef idx="1">
+            <a:schemeClr val="accent1"/>
+          </a:fillRef>
+          <a:effectRef idx="0">
+            <a:schemeClr val="accent1"/>
+          </a:effectRef>
+          <a:fontRef idx="minor">
+            <a:schemeClr val="lt1"/>
+          </a:fontRef>
+        </p:style>
+        <p:txBody>
+          <a:bodyPr rtlCol="0" anchor="ctr"/>
+          <a:lstStyle/>
+          <a:p>
+            <a:pPr algn="ctr"/>
+            <a:endParaRPr lang="en-US" sz="1200" dirty="0"/>
+          </a:p>
+          <a:p>
+            <a:pPr algn="ctr"/>
+            <a:endParaRPr lang="en-US" sz="1200" dirty="0"/>
+          </a:p>
+          <a:p>
+            <a:pPr algn="ctr"/>
+            <a:endParaRPr lang="en-US" sz="1200" dirty="0"/>
+          </a:p>
+          <a:p>
+            <a:pPr algn="ctr"/>
+            <a:endParaRPr lang="en-US" sz="1200" dirty="0">
+              <a:solidFill>
+                <a:schemeClr val="tx1">
+                  <a:lumMod val="50000"/>
+                  <a:lumOff val="50000"/>
+                </a:schemeClr>
+              </a:solidFill>
+            </a:endParaRPr>
+          </a:p>
+          <a:p>
+            <a:pPr algn="ctr"/>
+            <a:endParaRPr lang="en-US" sz="1200" dirty="0">
+              <a:solidFill>
+                <a:schemeClr val="tx1">
+                  <a:lumMod val="50000"/>
+                  <a:lumOff val="50000"/>
+                </a:schemeClr>
+              </a:solidFill>
+            </a:endParaRPr>
+          </a:p>
+          <a:p>
+            <a:pPr algn="ctr"/>
+            <a:endParaRPr lang="en-US" sz="1200" dirty="0">
+              <a:solidFill>
+                <a:schemeClr val="tx1">
+                  <a:lumMod val="50000"/>
+                  <a:lumOff val="50000"/>
+                </a:schemeClr>
+              </a:solidFill>
+            </a:endParaRPr>
+          </a:p>
+          <a:p>
+            <a:pPr algn="ctr"/>
+            <a:endParaRPr lang="en-US" sz="1200" dirty="0">
+              <a:solidFill>
+                <a:schemeClr val="tx1">
+                  <a:lumMod val="50000"/>
+                  <a:lumOff val="50000"/>
+                </a:schemeClr>
+              </a:solidFill>
+            </a:endParaRPr>
+          </a:p>
+          <a:p>
+            <a:pPr algn="ctr"/>
+            <a:endParaRPr lang="en-US" sz="1200" dirty="0">
+              <a:solidFill>
+                <a:schemeClr val="tx1">
+                  <a:lumMod val="50000"/>
+                  <a:lumOff val="50000"/>
+                </a:schemeClr>
+              </a:solidFill>
+            </a:endParaRPr>
+          </a:p>
+          <a:p>
+            <a:pPr algn="ctr"/>
+            <a:r>
+              <a:rPr lang="en-US" sz="1200" dirty="0">
+                <a:solidFill>
+                  <a:schemeClr val="tx1">
+                    <a:lumMod val="50000"/>
+                    <a:lumOff val="50000"/>
+                  </a:schemeClr>
+                </a:solidFill>
+              </a:rPr>
+              <a:t>Health Sector Backend Services</a:t>
+            </a:r>
+          </a:p>
+        </p:txBody>
+      </p:sp>
+      <p:sp>
+        <p:nvSpPr>
+          <p:cNvPr id="15" name="Rounded Rectangle 14">
+            <a:extLst>
+              <a:ext uri="{FF2B5EF4-FFF2-40B4-BE49-F238E27FC236}">
+                <a16:creationId xmlns:a16="http://schemas.microsoft.com/office/drawing/2014/main" id="{4B897BB7-605E-A040-B685-DC66E0DBED9F}"/>
+              </a:ext>
+            </a:extLst>
+          </p:cNvPr>
+          <p:cNvSpPr/>
+          <p:nvPr/>
+        </p:nvSpPr>
+        <p:spPr>
+          <a:xfrm>
+            <a:off x="2963638" y="4074414"/>
+            <a:ext cx="8971046" cy="826980"/>
+          </a:xfrm>
+          <a:prstGeom prst="roundRect">
+            <a:avLst>
+              <a:gd name="adj" fmla="val 2603"/>
+            </a:avLst>
+          </a:prstGeom>
+          <a:solidFill>
+            <a:schemeClr val="bg2"/>
+          </a:solidFill>
+          <a:ln>
+            <a:noFill/>
+          </a:ln>
+        </p:spPr>
+        <p:style>
+          <a:lnRef idx="2">
+            <a:schemeClr val="accent1">
+              <a:shade val="50000"/>
+            </a:schemeClr>
+          </a:lnRef>
+          <a:fillRef idx="1">
+            <a:schemeClr val="accent1"/>
+          </a:fillRef>
+          <a:effectRef idx="0">
+            <a:schemeClr val="accent1"/>
+          </a:effectRef>
+          <a:fontRef idx="minor">
+            <a:schemeClr val="lt1"/>
+          </a:fontRef>
+        </p:style>
+        <p:txBody>
+          <a:bodyPr rtlCol="0" anchor="t"/>
+          <a:lstStyle/>
+          <a:p>
+            <a:pPr algn="ctr"/>
+            <a:r>
+              <a:rPr lang="en-US" sz="1200" dirty="0">
+                <a:solidFill>
+                  <a:schemeClr val="accent1">
+                    <a:lumMod val="50000"/>
+                  </a:schemeClr>
+                </a:solidFill>
+              </a:rPr>
+              <a:t>     Health Gateway Protected Resource APIs (Protected via OAuth2 and fronted with Kong)</a:t>
+            </a:r>
+            <a:endParaRPr lang="en-US" sz="1200" dirty="0">
+              <a:solidFill>
+                <a:schemeClr val="tx1">
+                  <a:lumMod val="50000"/>
+                  <a:lumOff val="50000"/>
+                </a:schemeClr>
+              </a:solidFill>
+            </a:endParaRPr>
+          </a:p>
+        </p:txBody>
+      </p:sp>
+      <p:sp>
+        <p:nvSpPr>
+          <p:cNvPr id="9" name="Rectangle 8">
+            <a:extLst>
+              <a:ext uri="{FF2B5EF4-FFF2-40B4-BE49-F238E27FC236}">
+                <a16:creationId xmlns:a16="http://schemas.microsoft.com/office/drawing/2014/main" id="{B8594361-771B-0241-82E8-13258F798599}"/>
+              </a:ext>
+            </a:extLst>
+          </p:cNvPr>
+          <p:cNvSpPr/>
+          <p:nvPr/>
+        </p:nvSpPr>
+        <p:spPr>
+          <a:xfrm>
+            <a:off x="9987118" y="2569410"/>
+            <a:ext cx="1946074" cy="443657"/>
+          </a:xfrm>
+          <a:prstGeom prst="rect">
+            <a:avLst/>
+          </a:prstGeom>
+          <a:solidFill>
+            <a:srgbClr val="C00000"/>
+          </a:solidFill>
+          <a:ln>
+            <a:noFill/>
+          </a:ln>
+        </p:spPr>
+        <p:style>
+          <a:lnRef idx="2">
+            <a:schemeClr val="accent6">
+              <a:shade val="50000"/>
+            </a:schemeClr>
+          </a:lnRef>
+          <a:fillRef idx="1">
+            <a:schemeClr val="accent6"/>
+          </a:fillRef>
+          <a:effectRef idx="0">
+            <a:schemeClr val="accent6"/>
+          </a:effectRef>
+          <a:fontRef idx="minor">
+            <a:schemeClr val="lt1"/>
+          </a:fontRef>
+        </p:style>
+        <p:txBody>
+          <a:bodyPr rtlCol="0" anchor="ctr"/>
+          <a:lstStyle/>
+          <a:p>
+            <a:pPr algn="ctr"/>
+            <a:r>
+              <a:rPr lang="en-US" sz="1200" dirty="0"/>
+              <a:t>RedHat SSO (</a:t>
+            </a:r>
+            <a:r>
+              <a:rPr lang="en-US" sz="1200" dirty="0" err="1"/>
+              <a:t>Keycloak</a:t>
+            </a:r>
+            <a:r>
+              <a:rPr lang="en-US" sz="1200" dirty="0"/>
+              <a:t>)</a:t>
+            </a:r>
+            <a:br>
+              <a:rPr lang="en-US" sz="1200" dirty="0"/>
+            </a:br>
+            <a:r>
+              <a:rPr lang="en-US" sz="1200" dirty="0"/>
+              <a:t>https://</a:t>
+            </a:r>
+            <a:r>
+              <a:rPr lang="en-US" sz="1200" dirty="0" err="1"/>
+              <a:t>oidc.gov.bc.ca</a:t>
+            </a:r>
+            <a:endParaRPr lang="en-US" sz="1200" dirty="0"/>
+          </a:p>
+        </p:txBody>
+      </p:sp>
+      <p:sp>
+        <p:nvSpPr>
+          <p:cNvPr id="10" name="Rectangle 9">
+            <a:extLst>
+              <a:ext uri="{FF2B5EF4-FFF2-40B4-BE49-F238E27FC236}">
+                <a16:creationId xmlns:a16="http://schemas.microsoft.com/office/drawing/2014/main" id="{38F6EA51-7FC7-7D45-BF70-7F5EFA24A836}"/>
+              </a:ext>
+            </a:extLst>
+          </p:cNvPr>
+          <p:cNvSpPr/>
+          <p:nvPr/>
+        </p:nvSpPr>
+        <p:spPr>
+          <a:xfrm>
+            <a:off x="9988610" y="3328306"/>
+            <a:ext cx="1946074" cy="522035"/>
+          </a:xfrm>
+          <a:prstGeom prst="rect">
+            <a:avLst/>
+          </a:prstGeom>
+          <a:solidFill>
+            <a:schemeClr val="accent5"/>
+          </a:solidFill>
+          <a:ln>
+            <a:noFill/>
+          </a:ln>
+        </p:spPr>
+        <p:style>
+          <a:lnRef idx="2">
+            <a:schemeClr val="accent1">
+              <a:shade val="50000"/>
+            </a:schemeClr>
+          </a:lnRef>
+          <a:fillRef idx="1">
+            <a:schemeClr val="accent1"/>
+          </a:fillRef>
+          <a:effectRef idx="0">
+            <a:schemeClr val="accent1"/>
+          </a:effectRef>
+          <a:fontRef idx="minor">
+            <a:schemeClr val="lt1"/>
+          </a:fontRef>
+        </p:style>
+        <p:txBody>
+          <a:bodyPr rtlCol="0" anchor="ctr"/>
+          <a:lstStyle/>
+          <a:p>
+            <a:pPr algn="ctr"/>
+            <a:r>
+              <a:rPr lang="en-US" sz="1200" dirty="0"/>
+              <a:t>BCSC IAS</a:t>
+            </a:r>
+          </a:p>
+          <a:p>
+            <a:pPr algn="ctr"/>
+            <a:r>
+              <a:rPr lang="en-US" sz="1200" dirty="0"/>
+              <a:t>https://</a:t>
+            </a:r>
+            <a:r>
+              <a:rPr lang="en-US" sz="1200" dirty="0" err="1"/>
+              <a:t>id.gov.bc.ca</a:t>
+            </a:r>
+            <a:endParaRPr lang="en-US" sz="1200" dirty="0"/>
+          </a:p>
+        </p:txBody>
+      </p:sp>
+      <p:sp>
+        <p:nvSpPr>
+          <p:cNvPr id="11" name="Rectangle 10">
+            <a:extLst>
+              <a:ext uri="{FF2B5EF4-FFF2-40B4-BE49-F238E27FC236}">
+                <a16:creationId xmlns:a16="http://schemas.microsoft.com/office/drawing/2014/main" id="{F09E1194-5581-544B-B151-1698C3381FAA}"/>
+              </a:ext>
+            </a:extLst>
+          </p:cNvPr>
+          <p:cNvSpPr/>
+          <p:nvPr/>
+        </p:nvSpPr>
+        <p:spPr>
+          <a:xfrm>
+            <a:off x="7293819" y="4387047"/>
+            <a:ext cx="1090329" cy="412392"/>
+          </a:xfrm>
+          <a:prstGeom prst="rect">
+            <a:avLst/>
+          </a:prstGeom>
+          <a:solidFill>
+            <a:schemeClr val="accent2">
+              <a:lumMod val="75000"/>
+            </a:schemeClr>
+          </a:solidFill>
+          <a:ln>
+            <a:noFill/>
+          </a:ln>
+        </p:spPr>
+        <p:style>
+          <a:lnRef idx="2">
+            <a:schemeClr val="accent1">
+              <a:shade val="50000"/>
+            </a:schemeClr>
+          </a:lnRef>
+          <a:fillRef idx="1">
+            <a:schemeClr val="accent1"/>
+          </a:fillRef>
+          <a:effectRef idx="0">
+            <a:schemeClr val="accent1"/>
+          </a:effectRef>
+          <a:fontRef idx="minor">
+            <a:schemeClr val="lt1"/>
+          </a:fontRef>
+        </p:style>
+        <p:txBody>
+          <a:bodyPr rtlCol="0" anchor="ctr"/>
+          <a:lstStyle/>
+          <a:p>
+            <a:pPr algn="ctr"/>
+            <a:r>
+              <a:rPr lang="en-US" sz="1200" dirty="0"/>
+              <a:t>Patient API</a:t>
+            </a:r>
+            <a:br>
+              <a:rPr lang="en-US" sz="1200" dirty="0"/>
+            </a:br>
+            <a:r>
+              <a:rPr lang="en-US" sz="1200" dirty="0"/>
+              <a:t>(HDID ~ PHN)</a:t>
+            </a:r>
+          </a:p>
+        </p:txBody>
+      </p:sp>
+      <p:sp>
+        <p:nvSpPr>
+          <p:cNvPr id="12" name="Rectangle 11">
+            <a:extLst>
+              <a:ext uri="{FF2B5EF4-FFF2-40B4-BE49-F238E27FC236}">
+                <a16:creationId xmlns:a16="http://schemas.microsoft.com/office/drawing/2014/main" id="{DD961D37-7E92-A74A-8292-884F1C00EC40}"/>
+              </a:ext>
+            </a:extLst>
+          </p:cNvPr>
+          <p:cNvSpPr/>
+          <p:nvPr/>
+        </p:nvSpPr>
+        <p:spPr>
+          <a:xfrm>
+            <a:off x="5412480" y="4371407"/>
+            <a:ext cx="808727" cy="412392"/>
+          </a:xfrm>
+          <a:prstGeom prst="rect">
+            <a:avLst/>
+          </a:prstGeom>
+          <a:solidFill>
+            <a:schemeClr val="accent2">
+              <a:lumMod val="75000"/>
+            </a:schemeClr>
+          </a:solidFill>
+          <a:ln>
+            <a:noFill/>
+          </a:ln>
+        </p:spPr>
+        <p:style>
+          <a:lnRef idx="2">
+            <a:schemeClr val="accent1">
+              <a:shade val="50000"/>
+            </a:schemeClr>
+          </a:lnRef>
+          <a:fillRef idx="1">
+            <a:schemeClr val="accent1"/>
+          </a:fillRef>
+          <a:effectRef idx="0">
+            <a:schemeClr val="accent1"/>
+          </a:effectRef>
+          <a:fontRef idx="minor">
+            <a:schemeClr val="lt1"/>
+          </a:fontRef>
+        </p:style>
+        <p:txBody>
+          <a:bodyPr rtlCol="0" anchor="ctr"/>
+          <a:lstStyle/>
+          <a:p>
+            <a:pPr algn="ctr"/>
+            <a:r>
+              <a:rPr lang="en-US" sz="1200" dirty="0"/>
+              <a:t>Lab API</a:t>
+            </a:r>
+          </a:p>
+        </p:txBody>
+      </p:sp>
+      <p:sp>
+        <p:nvSpPr>
+          <p:cNvPr id="13" name="Rectangle 12">
+            <a:extLst>
+              <a:ext uri="{FF2B5EF4-FFF2-40B4-BE49-F238E27FC236}">
+                <a16:creationId xmlns:a16="http://schemas.microsoft.com/office/drawing/2014/main" id="{2D282927-7569-974D-B031-0D23BDE6B78F}"/>
+              </a:ext>
+            </a:extLst>
+          </p:cNvPr>
+          <p:cNvSpPr/>
+          <p:nvPr/>
+        </p:nvSpPr>
+        <p:spPr>
+          <a:xfrm>
+            <a:off x="9740052" y="4387047"/>
+            <a:ext cx="1242136" cy="378279"/>
+          </a:xfrm>
+          <a:prstGeom prst="rect">
+            <a:avLst/>
+          </a:prstGeom>
+          <a:solidFill>
+            <a:schemeClr val="accent2">
+              <a:lumMod val="75000"/>
+            </a:schemeClr>
+          </a:solidFill>
+          <a:ln>
+            <a:noFill/>
+          </a:ln>
+        </p:spPr>
+        <p:style>
+          <a:lnRef idx="2">
+            <a:schemeClr val="accent1">
+              <a:shade val="50000"/>
+            </a:schemeClr>
+          </a:lnRef>
+          <a:fillRef idx="1">
+            <a:schemeClr val="accent1"/>
+          </a:fillRef>
+          <a:effectRef idx="0">
+            <a:schemeClr val="accent1"/>
+          </a:effectRef>
+          <a:fontRef idx="minor">
+            <a:schemeClr val="lt1"/>
+          </a:fontRef>
+        </p:style>
+        <p:txBody>
+          <a:bodyPr rtlCol="0" anchor="ctr"/>
+          <a:lstStyle/>
+          <a:p>
+            <a:pPr algn="ctr"/>
+            <a:r>
+              <a:rPr lang="en-US" sz="1200" dirty="0"/>
+              <a:t>Medications API</a:t>
+            </a:r>
+          </a:p>
+        </p:txBody>
+      </p:sp>
+      <p:sp>
+        <p:nvSpPr>
+          <p:cNvPr id="14" name="Rectangle 13">
+            <a:extLst>
+              <a:ext uri="{FF2B5EF4-FFF2-40B4-BE49-F238E27FC236}">
+                <a16:creationId xmlns:a16="http://schemas.microsoft.com/office/drawing/2014/main" id="{3968702B-D1CA-BD41-96F7-1C4BE166FFFF}"/>
+              </a:ext>
+            </a:extLst>
+          </p:cNvPr>
+          <p:cNvSpPr/>
+          <p:nvPr/>
+        </p:nvSpPr>
+        <p:spPr>
+          <a:xfrm>
+            <a:off x="3088242" y="4371209"/>
+            <a:ext cx="1060252" cy="404666"/>
+          </a:xfrm>
+          <a:prstGeom prst="rect">
+            <a:avLst/>
+          </a:prstGeom>
+          <a:solidFill>
+            <a:schemeClr val="accent2">
+              <a:lumMod val="75000"/>
+            </a:schemeClr>
+          </a:solidFill>
+          <a:ln>
+            <a:noFill/>
+          </a:ln>
+        </p:spPr>
+        <p:style>
+          <a:lnRef idx="2">
+            <a:schemeClr val="accent1">
+              <a:shade val="50000"/>
+            </a:schemeClr>
+          </a:lnRef>
+          <a:fillRef idx="1">
+            <a:schemeClr val="accent1"/>
+          </a:fillRef>
+          <a:effectRef idx="0">
+            <a:schemeClr val="accent1"/>
+          </a:effectRef>
+          <a:fontRef idx="minor">
+            <a:schemeClr val="lt1"/>
+          </a:fontRef>
+        </p:style>
+        <p:txBody>
+          <a:bodyPr rtlCol="0" anchor="ctr"/>
+          <a:lstStyle/>
+          <a:p>
+            <a:pPr algn="ctr"/>
+            <a:r>
+              <a:rPr lang="en-US" sz="1200" dirty="0" err="1"/>
+              <a:t>Immz</a:t>
+            </a:r>
+            <a:r>
+              <a:rPr lang="en-US" sz="1200" dirty="0"/>
+              <a:t> API</a:t>
+            </a:r>
+          </a:p>
+        </p:txBody>
+      </p:sp>
+      <p:sp>
+        <p:nvSpPr>
+          <p:cNvPr id="8" name="Rectangle 7">
+            <a:extLst>
+              <a:ext uri="{FF2B5EF4-FFF2-40B4-BE49-F238E27FC236}">
+                <a16:creationId xmlns:a16="http://schemas.microsoft.com/office/drawing/2014/main" id="{64EE761B-1433-A240-BC85-16C309AD33A4}"/>
+              </a:ext>
+            </a:extLst>
+          </p:cNvPr>
+          <p:cNvSpPr/>
+          <p:nvPr/>
+        </p:nvSpPr>
+        <p:spPr>
+          <a:xfrm>
+            <a:off x="2809547" y="6002433"/>
+            <a:ext cx="1153316" cy="432532"/>
+          </a:xfrm>
+          <a:prstGeom prst="rect">
+            <a:avLst/>
+          </a:prstGeom>
+          <a:solidFill>
+            <a:schemeClr val="accent5">
+              <a:lumMod val="50000"/>
+            </a:schemeClr>
+          </a:solidFill>
+        </p:spPr>
+        <p:style>
+          <a:lnRef idx="2">
+            <a:schemeClr val="accent1">
+              <a:shade val="50000"/>
+            </a:schemeClr>
+          </a:lnRef>
+          <a:fillRef idx="1">
+            <a:schemeClr val="accent1"/>
+          </a:fillRef>
+          <a:effectRef idx="0">
+            <a:schemeClr val="accent1"/>
+          </a:effectRef>
+          <a:fontRef idx="minor">
+            <a:schemeClr val="lt1"/>
+          </a:fontRef>
+        </p:style>
+        <p:txBody>
+          <a:bodyPr rtlCol="0" anchor="ctr"/>
+          <a:lstStyle/>
+          <a:p>
+            <a:pPr algn="ctr"/>
+            <a:r>
+              <a:rPr lang="en-US" sz="1200" dirty="0"/>
+              <a:t>Immunizations</a:t>
+            </a:r>
+            <a:br>
+              <a:rPr lang="en-US" sz="1200" dirty="0"/>
+            </a:br>
+            <a:r>
+              <a:rPr lang="en-US" sz="1200" dirty="0"/>
+              <a:t>(Panorama)</a:t>
+            </a:r>
+          </a:p>
+        </p:txBody>
+      </p:sp>
+      <p:sp>
+        <p:nvSpPr>
+          <p:cNvPr id="6" name="Rectangle 5">
+            <a:extLst>
+              <a:ext uri="{FF2B5EF4-FFF2-40B4-BE49-F238E27FC236}">
+                <a16:creationId xmlns:a16="http://schemas.microsoft.com/office/drawing/2014/main" id="{290789BF-9BD4-A44C-AFEA-A66095AB377F}"/>
+              </a:ext>
+            </a:extLst>
+          </p:cNvPr>
+          <p:cNvSpPr/>
+          <p:nvPr/>
+        </p:nvSpPr>
+        <p:spPr>
+          <a:xfrm>
+            <a:off x="1780193" y="6007759"/>
+            <a:ext cx="968502" cy="432533"/>
+          </a:xfrm>
+          <a:prstGeom prst="rect">
+            <a:avLst/>
+          </a:prstGeom>
+          <a:solidFill>
+            <a:schemeClr val="accent5">
+              <a:lumMod val="50000"/>
+            </a:schemeClr>
+          </a:solidFill>
+        </p:spPr>
+        <p:style>
+          <a:lnRef idx="2">
+            <a:schemeClr val="accent1">
+              <a:shade val="50000"/>
+            </a:schemeClr>
+          </a:lnRef>
+          <a:fillRef idx="1">
+            <a:schemeClr val="accent1"/>
+          </a:fillRef>
+          <a:effectRef idx="0">
+            <a:schemeClr val="accent1"/>
+          </a:effectRef>
+          <a:fontRef idx="minor">
+            <a:schemeClr val="lt1"/>
+          </a:fontRef>
+        </p:style>
+        <p:txBody>
+          <a:bodyPr rtlCol="0" anchor="ctr"/>
+          <a:lstStyle/>
+          <a:p>
+            <a:pPr algn="ctr"/>
+            <a:r>
+              <a:rPr lang="en-US" sz="1200" dirty="0"/>
+              <a:t>COVID Lab Results</a:t>
+            </a:r>
+          </a:p>
+        </p:txBody>
+      </p:sp>
+      <p:sp>
+        <p:nvSpPr>
+          <p:cNvPr id="7" name="Rectangle 6">
+            <a:extLst>
+              <a:ext uri="{FF2B5EF4-FFF2-40B4-BE49-F238E27FC236}">
+                <a16:creationId xmlns:a16="http://schemas.microsoft.com/office/drawing/2014/main" id="{EED64B6E-76B9-7A43-9013-12E272BE4613}"/>
+              </a:ext>
+            </a:extLst>
+          </p:cNvPr>
+          <p:cNvSpPr/>
+          <p:nvPr/>
+        </p:nvSpPr>
+        <p:spPr>
+          <a:xfrm>
+            <a:off x="10206997" y="5992555"/>
+            <a:ext cx="910762" cy="441968"/>
+          </a:xfrm>
+          <a:prstGeom prst="rect">
+            <a:avLst/>
+          </a:prstGeom>
+        </p:spPr>
+        <p:style>
+          <a:lnRef idx="2">
+            <a:schemeClr val="accent1">
+              <a:shade val="50000"/>
+            </a:schemeClr>
+          </a:lnRef>
+          <a:fillRef idx="1">
+            <a:schemeClr val="accent1"/>
+          </a:fillRef>
+          <a:effectRef idx="0">
+            <a:schemeClr val="accent1"/>
+          </a:effectRef>
+          <a:fontRef idx="minor">
+            <a:schemeClr val="lt1"/>
+          </a:fontRef>
+        </p:style>
+        <p:txBody>
+          <a:bodyPr rtlCol="0" anchor="ctr"/>
+          <a:lstStyle/>
+          <a:p>
+            <a:pPr algn="ctr"/>
+            <a:r>
+              <a:rPr lang="en-US" sz="1200" dirty="0"/>
+              <a:t>Pharmanet</a:t>
+            </a:r>
+          </a:p>
+        </p:txBody>
+      </p:sp>
+      <p:grpSp>
+        <p:nvGrpSpPr>
+          <p:cNvPr id="25" name="Group 24">
+            <a:extLst>
+              <a:ext uri="{FF2B5EF4-FFF2-40B4-BE49-F238E27FC236}">
+                <a16:creationId xmlns:a16="http://schemas.microsoft.com/office/drawing/2014/main" id="{00F4CA05-AC50-BA42-8EE4-81BB121DB014}"/>
+              </a:ext>
+            </a:extLst>
+          </p:cNvPr>
+          <p:cNvGrpSpPr/>
+          <p:nvPr/>
+        </p:nvGrpSpPr>
+        <p:grpSpPr>
+          <a:xfrm rot="10800000">
+            <a:off x="10960587" y="5077959"/>
+            <a:ext cx="190502" cy="500062"/>
+            <a:chOff x="9739311" y="4986338"/>
+            <a:chExt cx="190502" cy="500062"/>
+          </a:xfrm>
+        </p:grpSpPr>
+        <p:sp>
+          <p:nvSpPr>
+            <p:cNvPr id="26" name="Oval 25">
+              <a:extLst>
+                <a:ext uri="{FF2B5EF4-FFF2-40B4-BE49-F238E27FC236}">
+                  <a16:creationId xmlns:a16="http://schemas.microsoft.com/office/drawing/2014/main" id="{90942F17-A86D-C147-8064-8156FB1FA632}"/>
+                </a:ext>
+              </a:extLst>
+            </p:cNvPr>
+            <p:cNvSpPr/>
+            <p:nvPr/>
+          </p:nvSpPr>
+          <p:spPr>
+            <a:xfrm>
+              <a:off x="9739311" y="5300663"/>
+              <a:ext cx="190502" cy="185737"/>
+            </a:xfrm>
+            <a:prstGeom prst="ellipse">
+              <a:avLst/>
+            </a:prstGeom>
+            <a:solidFill>
+              <a:schemeClr val="bg1"/>
+            </a:solidFill>
+            <a:ln w="28575">
+              <a:solidFill>
+                <a:schemeClr val="bg2">
+                  <a:lumMod val="10000"/>
+                </a:schemeClr>
+              </a:solidFill>
+            </a:ln>
+          </p:spPr>
+          <p:style>
+            <a:lnRef idx="2">
+              <a:schemeClr val="accent1">
+                <a:shade val="50000"/>
+              </a:schemeClr>
+            </a:lnRef>
+            <a:fillRef idx="1">
+              <a:schemeClr val="accent1"/>
+            </a:fillRef>
+            <a:effectRef idx="0">
+              <a:schemeClr val="accent1"/>
+            </a:effectRef>
+            <a:fontRef idx="minor">
+              <a:schemeClr val="lt1"/>
+            </a:fontRef>
+          </p:style>
+          <p:txBody>
+            <a:bodyPr rtlCol="0" anchor="ctr"/>
+            <a:lstStyle/>
+            <a:p>
+              <a:pPr algn="ctr"/>
+              <a:endParaRPr lang="en-US" sz="1200"/>
+            </a:p>
+          </p:txBody>
+        </p:sp>
+        <p:cxnSp>
+          <p:nvCxnSpPr>
+            <p:cNvPr id="27" name="Straight Connector 26">
+              <a:extLst>
+                <a:ext uri="{FF2B5EF4-FFF2-40B4-BE49-F238E27FC236}">
+                  <a16:creationId xmlns:a16="http://schemas.microsoft.com/office/drawing/2014/main" id="{E35D224A-D88D-A048-BD95-6C47E6010F77}"/>
+                </a:ext>
+              </a:extLst>
+            </p:cNvPr>
+            <p:cNvCxnSpPr>
+              <a:endCxn id="26" idx="0"/>
+            </p:cNvCxnSpPr>
+            <p:nvPr/>
+          </p:nvCxnSpPr>
+          <p:spPr>
+            <a:xfrm>
+              <a:off x="9834562" y="4986338"/>
+              <a:ext cx="0" cy="314325"/>
+            </a:xfrm>
+            <a:prstGeom prst="line">
+              <a:avLst/>
+            </a:prstGeom>
+            <a:ln w="28575">
+              <a:solidFill>
+                <a:schemeClr val="tx1"/>
+              </a:solidFill>
+            </a:ln>
+          </p:spPr>
+          <p:style>
+            <a:lnRef idx="1">
+              <a:schemeClr val="accent1"/>
+            </a:lnRef>
+            <a:fillRef idx="0">
+              <a:schemeClr val="accent1"/>
+            </a:fillRef>
+            <a:effectRef idx="0">
+              <a:schemeClr val="accent1"/>
+            </a:effectRef>
+            <a:fontRef idx="minor">
+              <a:schemeClr val="tx1"/>
+            </a:fontRef>
+          </p:style>
+        </p:cxnSp>
+      </p:grpSp>
+      <p:grpSp>
+        <p:nvGrpSpPr>
+          <p:cNvPr id="31" name="Group 30">
+            <a:extLst>
+              <a:ext uri="{FF2B5EF4-FFF2-40B4-BE49-F238E27FC236}">
+                <a16:creationId xmlns:a16="http://schemas.microsoft.com/office/drawing/2014/main" id="{5FB58A6C-396C-2842-A4EA-A95675251560}"/>
+              </a:ext>
+            </a:extLst>
+          </p:cNvPr>
+          <p:cNvGrpSpPr/>
+          <p:nvPr/>
+        </p:nvGrpSpPr>
+        <p:grpSpPr>
+          <a:xfrm rot="10800000">
+            <a:off x="11351291" y="5066160"/>
+            <a:ext cx="190502" cy="500062"/>
+            <a:chOff x="9748172" y="4769565"/>
+            <a:chExt cx="190502" cy="500062"/>
+          </a:xfrm>
+        </p:grpSpPr>
+        <p:sp>
+          <p:nvSpPr>
+            <p:cNvPr id="32" name="Oval 31">
+              <a:extLst>
+                <a:ext uri="{FF2B5EF4-FFF2-40B4-BE49-F238E27FC236}">
+                  <a16:creationId xmlns:a16="http://schemas.microsoft.com/office/drawing/2014/main" id="{F32FF5FD-7A0E-154D-9A8A-C211D468B232}"/>
+                </a:ext>
+              </a:extLst>
+            </p:cNvPr>
+            <p:cNvSpPr/>
+            <p:nvPr/>
+          </p:nvSpPr>
+          <p:spPr>
+            <a:xfrm>
+              <a:off x="9748172" y="5083890"/>
+              <a:ext cx="190502" cy="185737"/>
+            </a:xfrm>
+            <a:prstGeom prst="ellipse">
+              <a:avLst/>
+            </a:prstGeom>
+            <a:solidFill>
+              <a:schemeClr val="bg1"/>
+            </a:solidFill>
+            <a:ln w="28575">
+              <a:solidFill>
+                <a:schemeClr val="bg2">
+                  <a:lumMod val="10000"/>
+                </a:schemeClr>
+              </a:solidFill>
+            </a:ln>
+          </p:spPr>
+          <p:style>
+            <a:lnRef idx="2">
+              <a:schemeClr val="accent1">
+                <a:shade val="50000"/>
+              </a:schemeClr>
+            </a:lnRef>
+            <a:fillRef idx="1">
+              <a:schemeClr val="accent1"/>
+            </a:fillRef>
+            <a:effectRef idx="0">
+              <a:schemeClr val="accent1"/>
+            </a:effectRef>
+            <a:fontRef idx="minor">
+              <a:schemeClr val="lt1"/>
+            </a:fontRef>
+          </p:style>
+          <p:txBody>
+            <a:bodyPr rtlCol="0" anchor="ctr"/>
+            <a:lstStyle/>
+            <a:p>
+              <a:pPr algn="ctr"/>
+              <a:endParaRPr lang="en-US" sz="1200"/>
+            </a:p>
+          </p:txBody>
+        </p:sp>
+        <p:cxnSp>
+          <p:nvCxnSpPr>
+            <p:cNvPr id="33" name="Straight Connector 32">
+              <a:extLst>
+                <a:ext uri="{FF2B5EF4-FFF2-40B4-BE49-F238E27FC236}">
+                  <a16:creationId xmlns:a16="http://schemas.microsoft.com/office/drawing/2014/main" id="{26E14298-D92B-7C4C-BEE4-717F833D97F9}"/>
+                </a:ext>
+              </a:extLst>
+            </p:cNvPr>
+            <p:cNvCxnSpPr>
+              <a:endCxn id="32" idx="0"/>
+            </p:cNvCxnSpPr>
+            <p:nvPr/>
+          </p:nvCxnSpPr>
+          <p:spPr>
+            <a:xfrm>
+              <a:off x="9843423" y="4769565"/>
+              <a:ext cx="0" cy="314325"/>
+            </a:xfrm>
+            <a:prstGeom prst="line">
+              <a:avLst/>
+            </a:prstGeom>
+            <a:ln w="28575">
+              <a:solidFill>
+                <a:schemeClr val="tx1"/>
+              </a:solidFill>
+            </a:ln>
+          </p:spPr>
+          <p:style>
+            <a:lnRef idx="1">
+              <a:schemeClr val="accent1"/>
+            </a:lnRef>
+            <a:fillRef idx="0">
+              <a:schemeClr val="accent1"/>
+            </a:fillRef>
+            <a:effectRef idx="0">
+              <a:schemeClr val="accent1"/>
+            </a:effectRef>
+            <a:fontRef idx="minor">
+              <a:schemeClr val="tx1"/>
+            </a:fontRef>
+          </p:style>
+        </p:cxnSp>
+      </p:grpSp>
+      <p:grpSp>
+        <p:nvGrpSpPr>
+          <p:cNvPr id="40" name="Group 39">
+            <a:extLst>
+              <a:ext uri="{FF2B5EF4-FFF2-40B4-BE49-F238E27FC236}">
+                <a16:creationId xmlns:a16="http://schemas.microsoft.com/office/drawing/2014/main" id="{1C2E72EA-7B42-C041-8E65-499B1949A60C}"/>
+              </a:ext>
+            </a:extLst>
+          </p:cNvPr>
+          <p:cNvGrpSpPr/>
+          <p:nvPr/>
+        </p:nvGrpSpPr>
+        <p:grpSpPr>
+          <a:xfrm rot="10800000">
+            <a:off x="8868044" y="5111831"/>
+            <a:ext cx="190502" cy="883898"/>
+            <a:chOff x="9098986" y="4676601"/>
+            <a:chExt cx="190502" cy="883898"/>
+          </a:xfrm>
+        </p:grpSpPr>
+        <p:sp>
+          <p:nvSpPr>
+            <p:cNvPr id="41" name="Oval 40">
+              <a:extLst>
+                <a:ext uri="{FF2B5EF4-FFF2-40B4-BE49-F238E27FC236}">
+                  <a16:creationId xmlns:a16="http://schemas.microsoft.com/office/drawing/2014/main" id="{6BE1210C-F15E-044E-9885-B9980E502B89}"/>
+                </a:ext>
+              </a:extLst>
+            </p:cNvPr>
+            <p:cNvSpPr/>
+            <p:nvPr/>
+          </p:nvSpPr>
+          <p:spPr>
+            <a:xfrm>
+              <a:off x="9098986" y="5374762"/>
+              <a:ext cx="190502" cy="185737"/>
+            </a:xfrm>
+            <a:prstGeom prst="ellipse">
+              <a:avLst/>
+            </a:prstGeom>
+            <a:solidFill>
+              <a:schemeClr val="bg1"/>
+            </a:solidFill>
+            <a:ln w="28575">
+              <a:solidFill>
+                <a:schemeClr val="bg2">
+                  <a:lumMod val="25000"/>
+                </a:schemeClr>
+              </a:solidFill>
+            </a:ln>
+          </p:spPr>
+          <p:style>
+            <a:lnRef idx="2">
+              <a:schemeClr val="accent1">
+                <a:shade val="50000"/>
+              </a:schemeClr>
+            </a:lnRef>
+            <a:fillRef idx="1">
+              <a:schemeClr val="accent1"/>
+            </a:fillRef>
+            <a:effectRef idx="0">
+              <a:schemeClr val="accent1"/>
+            </a:effectRef>
+            <a:fontRef idx="minor">
+              <a:schemeClr val="lt1"/>
+            </a:fontRef>
+          </p:style>
+          <p:txBody>
+            <a:bodyPr rtlCol="0" anchor="ctr"/>
+            <a:lstStyle/>
+            <a:p>
+              <a:pPr algn="ctr"/>
+              <a:endParaRPr lang="en-US" sz="1200" dirty="0"/>
+            </a:p>
+          </p:txBody>
+        </p:sp>
+        <p:cxnSp>
+          <p:nvCxnSpPr>
+            <p:cNvPr id="42" name="Straight Connector 41">
+              <a:extLst>
+                <a:ext uri="{FF2B5EF4-FFF2-40B4-BE49-F238E27FC236}">
+                  <a16:creationId xmlns:a16="http://schemas.microsoft.com/office/drawing/2014/main" id="{148AA00B-1071-1E45-B91F-23906AFE4E63}"/>
+                </a:ext>
+              </a:extLst>
+            </p:cNvPr>
+            <p:cNvCxnSpPr>
+              <a:cxnSpLocks/>
+              <a:endCxn id="41" idx="0"/>
+            </p:cNvCxnSpPr>
+            <p:nvPr/>
+          </p:nvCxnSpPr>
+          <p:spPr>
+            <a:xfrm rot="10800000" flipV="1">
+              <a:off x="9194237" y="4676601"/>
+              <a:ext cx="13588" cy="698161"/>
+            </a:xfrm>
+            <a:prstGeom prst="line">
+              <a:avLst/>
+            </a:prstGeom>
+            <a:ln w="28575">
+              <a:solidFill>
+                <a:schemeClr val="bg2">
+                  <a:lumMod val="25000"/>
+                </a:schemeClr>
+              </a:solidFill>
+            </a:ln>
+          </p:spPr>
+          <p:style>
+            <a:lnRef idx="1">
+              <a:schemeClr val="accent1"/>
+            </a:lnRef>
+            <a:fillRef idx="0">
+              <a:schemeClr val="accent1"/>
+            </a:fillRef>
+            <a:effectRef idx="0">
+              <a:schemeClr val="accent1"/>
+            </a:effectRef>
+            <a:fontRef idx="minor">
+              <a:schemeClr val="tx1"/>
+            </a:fontRef>
+          </p:style>
+        </p:cxnSp>
+      </p:grpSp>
+      <p:cxnSp>
+        <p:nvCxnSpPr>
+          <p:cNvPr id="60" name="Elbow Connector 59">
+            <a:extLst>
+              <a:ext uri="{FF2B5EF4-FFF2-40B4-BE49-F238E27FC236}">
+                <a16:creationId xmlns:a16="http://schemas.microsoft.com/office/drawing/2014/main" id="{593A02BC-B19A-EE45-AB64-6E1D62562C27}"/>
+              </a:ext>
+            </a:extLst>
+          </p:cNvPr>
+          <p:cNvCxnSpPr>
+            <a:cxnSpLocks/>
+            <a:stCxn id="9" idx="2"/>
+            <a:endCxn id="10" idx="0"/>
+          </p:cNvCxnSpPr>
+          <p:nvPr/>
+        </p:nvCxnSpPr>
+        <p:spPr>
+          <a:xfrm rot="16200000" flipH="1">
+            <a:off x="10803282" y="3169940"/>
+            <a:ext cx="315239" cy="1492"/>
+          </a:xfrm>
+          <a:prstGeom prst="bentConnector3">
+            <a:avLst>
+              <a:gd name="adj1" fmla="val 50000"/>
+            </a:avLst>
+          </a:prstGeom>
+          <a:ln w="38100">
+            <a:solidFill>
+              <a:schemeClr val="tx2">
+                <a:lumMod val="50000"/>
+              </a:schemeClr>
+            </a:solidFill>
+            <a:tailEnd type="triangle"/>
+          </a:ln>
+        </p:spPr>
+        <p:style>
+          <a:lnRef idx="2">
+            <a:schemeClr val="dk1"/>
+          </a:lnRef>
+          <a:fillRef idx="0">
+            <a:schemeClr val="dk1"/>
+          </a:fillRef>
+          <a:effectRef idx="1">
+            <a:schemeClr val="dk1"/>
+          </a:effectRef>
+          <a:fontRef idx="minor">
+            <a:schemeClr val="tx1"/>
+          </a:fontRef>
+        </p:style>
+      </p:cxnSp>
+      <p:sp>
+        <p:nvSpPr>
+          <p:cNvPr id="64" name="TextBox 63">
+            <a:extLst>
+              <a:ext uri="{FF2B5EF4-FFF2-40B4-BE49-F238E27FC236}">
+                <a16:creationId xmlns:a16="http://schemas.microsoft.com/office/drawing/2014/main" id="{A12A974D-23EB-DF45-AD12-AE1F2C929245}"/>
+              </a:ext>
+            </a:extLst>
+          </p:cNvPr>
+          <p:cNvSpPr txBox="1"/>
+          <p:nvPr/>
+        </p:nvSpPr>
+        <p:spPr>
+          <a:xfrm>
+            <a:off x="11057005" y="3040842"/>
+            <a:ext cx="1018099" cy="276999"/>
+          </a:xfrm>
+          <a:prstGeom prst="rect">
+            <a:avLst/>
+          </a:prstGeom>
+          <a:noFill/>
+        </p:spPr>
+        <p:txBody>
+          <a:bodyPr wrap="none" rtlCol="0">
+            <a:spAutoFit/>
+          </a:bodyPr>
+          <a:lstStyle/>
+          <a:p>
+            <a:r>
+              <a:rPr lang="en-US" sz="1200" dirty="0">
+                <a:solidFill>
+                  <a:schemeClr val="accent1">
+                    <a:lumMod val="50000"/>
+                  </a:schemeClr>
+                </a:solidFill>
+              </a:rPr>
+              <a:t>OAuth2 OIDC</a:t>
+            </a:r>
+          </a:p>
+        </p:txBody>
+      </p:sp>
+      <p:sp>
+        <p:nvSpPr>
+          <p:cNvPr id="84" name="Rectangle 83">
+            <a:extLst>
+              <a:ext uri="{FF2B5EF4-FFF2-40B4-BE49-F238E27FC236}">
+                <a16:creationId xmlns:a16="http://schemas.microsoft.com/office/drawing/2014/main" id="{28FF93F8-EBCA-704F-A9AB-CCC785EC0232}"/>
+              </a:ext>
+            </a:extLst>
+          </p:cNvPr>
+          <p:cNvSpPr/>
+          <p:nvPr/>
+        </p:nvSpPr>
+        <p:spPr>
+          <a:xfrm>
+            <a:off x="11193942" y="6002199"/>
+            <a:ext cx="648536" cy="441968"/>
+          </a:xfrm>
+          <a:prstGeom prst="rect">
+            <a:avLst/>
+          </a:prstGeom>
+        </p:spPr>
+        <p:style>
+          <a:lnRef idx="2">
+            <a:schemeClr val="accent1">
+              <a:shade val="50000"/>
+            </a:schemeClr>
+          </a:lnRef>
+          <a:fillRef idx="1">
+            <a:schemeClr val="accent1"/>
+          </a:fillRef>
+          <a:effectRef idx="0">
+            <a:schemeClr val="accent1"/>
+          </a:effectRef>
+          <a:fontRef idx="minor">
+            <a:schemeClr val="lt1"/>
+          </a:fontRef>
+        </p:style>
+        <p:txBody>
+          <a:bodyPr rtlCol="0" anchor="ctr"/>
+          <a:lstStyle/>
+          <a:p>
+            <a:pPr algn="ctr"/>
+            <a:r>
+              <a:rPr lang="en-US" sz="1200" dirty="0"/>
+              <a:t>MSP</a:t>
+            </a:r>
+          </a:p>
+        </p:txBody>
+      </p:sp>
+      <p:sp>
+        <p:nvSpPr>
+          <p:cNvPr id="93" name="Rectangle 92">
+            <a:extLst>
+              <a:ext uri="{FF2B5EF4-FFF2-40B4-BE49-F238E27FC236}">
+                <a16:creationId xmlns:a16="http://schemas.microsoft.com/office/drawing/2014/main" id="{8CF309AE-8F6F-6842-BCC6-9393C4257D22}"/>
+              </a:ext>
+            </a:extLst>
+          </p:cNvPr>
+          <p:cNvSpPr/>
+          <p:nvPr/>
+        </p:nvSpPr>
+        <p:spPr>
+          <a:xfrm>
+            <a:off x="5284523" y="6002201"/>
+            <a:ext cx="1193420" cy="441966"/>
+          </a:xfrm>
+          <a:prstGeom prst="rect">
+            <a:avLst/>
+          </a:prstGeom>
+          <a:solidFill>
+            <a:schemeClr val="accent5">
+              <a:lumMod val="50000"/>
+            </a:schemeClr>
+          </a:solidFill>
+        </p:spPr>
+        <p:style>
+          <a:lnRef idx="2">
+            <a:schemeClr val="accent1">
+              <a:shade val="50000"/>
+            </a:schemeClr>
+          </a:lnRef>
+          <a:fillRef idx="1">
+            <a:schemeClr val="accent1"/>
+          </a:fillRef>
+          <a:effectRef idx="0">
+            <a:schemeClr val="accent1"/>
+          </a:effectRef>
+          <a:fontRef idx="minor">
+            <a:schemeClr val="lt1"/>
+          </a:fontRef>
+        </p:style>
+        <p:txBody>
+          <a:bodyPr rtlCol="0" anchor="ctr"/>
+          <a:lstStyle/>
+          <a:p>
+            <a:pPr algn="ctr"/>
+            <a:r>
+              <a:rPr lang="en-US" sz="1200" dirty="0"/>
+              <a:t>Laboratory</a:t>
+            </a:r>
+            <a:br>
+              <a:rPr lang="en-US" sz="1200" dirty="0"/>
+            </a:br>
+            <a:r>
+              <a:rPr lang="en-US" sz="1200" dirty="0"/>
+              <a:t> (</a:t>
+            </a:r>
+            <a:r>
+              <a:rPr lang="en-US" sz="1200" dirty="0" err="1"/>
+              <a:t>PLiS</a:t>
+            </a:r>
+            <a:r>
+              <a:rPr lang="en-US" sz="1200" dirty="0"/>
+              <a:t>)</a:t>
+            </a:r>
+          </a:p>
+        </p:txBody>
+      </p:sp>
+      <p:sp>
+        <p:nvSpPr>
+          <p:cNvPr id="114" name="Rectangle 113">
+            <a:extLst>
+              <a:ext uri="{FF2B5EF4-FFF2-40B4-BE49-F238E27FC236}">
+                <a16:creationId xmlns:a16="http://schemas.microsoft.com/office/drawing/2014/main" id="{C70B751D-1F9D-D040-B483-039A9FD4560E}"/>
+              </a:ext>
+            </a:extLst>
+          </p:cNvPr>
+          <p:cNvSpPr/>
+          <p:nvPr/>
+        </p:nvSpPr>
+        <p:spPr>
+          <a:xfrm>
+            <a:off x="4049151" y="1270083"/>
+            <a:ext cx="982098" cy="276999"/>
+          </a:xfrm>
+          <a:prstGeom prst="rect">
+            <a:avLst/>
+          </a:prstGeom>
+          <a:solidFill>
+            <a:schemeClr val="accent1">
+              <a:lumMod val="60000"/>
+              <a:lumOff val="40000"/>
+            </a:schemeClr>
+          </a:solidFill>
+          <a:ln>
+            <a:noFill/>
+          </a:ln>
+        </p:spPr>
+        <p:style>
+          <a:lnRef idx="2">
+            <a:schemeClr val="accent1">
+              <a:shade val="50000"/>
+            </a:schemeClr>
+          </a:lnRef>
+          <a:fillRef idx="1">
+            <a:schemeClr val="accent1"/>
+          </a:fillRef>
+          <a:effectRef idx="0">
+            <a:schemeClr val="accent1"/>
+          </a:effectRef>
+          <a:fontRef idx="minor">
+            <a:schemeClr val="lt1"/>
+          </a:fontRef>
+        </p:style>
+        <p:txBody>
+          <a:bodyPr rtlCol="0" anchor="ctr"/>
+          <a:lstStyle/>
+          <a:p>
+            <a:pPr algn="ctr"/>
+            <a:r>
+              <a:rPr lang="en-US" sz="1200" dirty="0"/>
+              <a:t>Admin Web</a:t>
+            </a:r>
+          </a:p>
+        </p:txBody>
+      </p:sp>
+      <p:sp>
+        <p:nvSpPr>
+          <p:cNvPr id="115" name="Rectangle 114">
+            <a:extLst>
+              <a:ext uri="{FF2B5EF4-FFF2-40B4-BE49-F238E27FC236}">
+                <a16:creationId xmlns:a16="http://schemas.microsoft.com/office/drawing/2014/main" id="{DE789409-7350-2B4C-9EC6-B4B6A288909C}"/>
+              </a:ext>
+            </a:extLst>
+          </p:cNvPr>
+          <p:cNvSpPr/>
+          <p:nvPr/>
+        </p:nvSpPr>
+        <p:spPr>
+          <a:xfrm>
+            <a:off x="5078888" y="898192"/>
+            <a:ext cx="1227320" cy="294899"/>
+          </a:xfrm>
+          <a:prstGeom prst="rect">
+            <a:avLst/>
+          </a:prstGeom>
+          <a:solidFill>
+            <a:schemeClr val="accent1">
+              <a:lumMod val="60000"/>
+              <a:lumOff val="40000"/>
+            </a:schemeClr>
+          </a:solidFill>
+          <a:ln>
+            <a:noFill/>
+          </a:ln>
+        </p:spPr>
+        <p:style>
+          <a:lnRef idx="2">
+            <a:schemeClr val="accent1">
+              <a:shade val="50000"/>
+            </a:schemeClr>
+          </a:lnRef>
+          <a:fillRef idx="1">
+            <a:schemeClr val="accent1"/>
+          </a:fillRef>
+          <a:effectRef idx="0">
+            <a:schemeClr val="accent1"/>
+          </a:effectRef>
+          <a:fontRef idx="minor">
+            <a:schemeClr val="lt1"/>
+          </a:fontRef>
+        </p:style>
+        <p:txBody>
+          <a:bodyPr rtlCol="0" anchor="ctr"/>
+          <a:lstStyle/>
+          <a:p>
+            <a:pPr algn="ctr"/>
+            <a:r>
+              <a:rPr lang="en-US" sz="1200" dirty="0"/>
+              <a:t>Job Scheduler</a:t>
+            </a:r>
+          </a:p>
+        </p:txBody>
+      </p:sp>
+      <p:grpSp>
+        <p:nvGrpSpPr>
+          <p:cNvPr id="125" name="Group 124">
+            <a:extLst>
+              <a:ext uri="{FF2B5EF4-FFF2-40B4-BE49-F238E27FC236}">
+                <a16:creationId xmlns:a16="http://schemas.microsoft.com/office/drawing/2014/main" id="{DBD5B535-467E-1A47-A2EA-96089BF09B3B}"/>
+              </a:ext>
+            </a:extLst>
+          </p:cNvPr>
+          <p:cNvGrpSpPr/>
+          <p:nvPr/>
+        </p:nvGrpSpPr>
+        <p:grpSpPr>
+          <a:xfrm rot="10800000">
+            <a:off x="6210958" y="5129873"/>
+            <a:ext cx="190502" cy="500062"/>
+            <a:chOff x="9739311" y="4986338"/>
+            <a:chExt cx="190502" cy="500062"/>
+          </a:xfrm>
+        </p:grpSpPr>
+        <p:sp>
+          <p:nvSpPr>
+            <p:cNvPr id="126" name="Oval 125">
+              <a:extLst>
+                <a:ext uri="{FF2B5EF4-FFF2-40B4-BE49-F238E27FC236}">
+                  <a16:creationId xmlns:a16="http://schemas.microsoft.com/office/drawing/2014/main" id="{534A05AC-34C6-8544-A5D2-2F99247D0E92}"/>
+                </a:ext>
+              </a:extLst>
+            </p:cNvPr>
+            <p:cNvSpPr/>
+            <p:nvPr/>
+          </p:nvSpPr>
+          <p:spPr>
+            <a:xfrm>
+              <a:off x="9739311" y="5300663"/>
+              <a:ext cx="190502" cy="185737"/>
+            </a:xfrm>
+            <a:prstGeom prst="ellipse">
+              <a:avLst/>
+            </a:prstGeom>
+            <a:solidFill>
+              <a:schemeClr val="bg1"/>
+            </a:solidFill>
+            <a:ln w="28575">
+              <a:solidFill>
+                <a:schemeClr val="bg2">
+                  <a:lumMod val="25000"/>
+                </a:schemeClr>
+              </a:solidFill>
+            </a:ln>
+          </p:spPr>
+          <p:style>
+            <a:lnRef idx="2">
+              <a:schemeClr val="accent1">
+                <a:shade val="50000"/>
+              </a:schemeClr>
+            </a:lnRef>
+            <a:fillRef idx="1">
+              <a:schemeClr val="accent1"/>
+            </a:fillRef>
+            <a:effectRef idx="0">
+              <a:schemeClr val="accent1"/>
+            </a:effectRef>
+            <a:fontRef idx="minor">
+              <a:schemeClr val="lt1"/>
+            </a:fontRef>
+          </p:style>
+          <p:txBody>
+            <a:bodyPr rtlCol="0" anchor="ctr"/>
+            <a:lstStyle/>
+            <a:p>
+              <a:pPr algn="ctr"/>
+              <a:endParaRPr lang="en-US" sz="1200"/>
+            </a:p>
+          </p:txBody>
+        </p:sp>
+        <p:cxnSp>
+          <p:nvCxnSpPr>
+            <p:cNvPr id="127" name="Straight Connector 126">
+              <a:extLst>
+                <a:ext uri="{FF2B5EF4-FFF2-40B4-BE49-F238E27FC236}">
+                  <a16:creationId xmlns:a16="http://schemas.microsoft.com/office/drawing/2014/main" id="{FA03FE36-8EC6-154B-87CD-3A38D27A3C51}"/>
+                </a:ext>
+              </a:extLst>
+            </p:cNvPr>
+            <p:cNvCxnSpPr>
+              <a:endCxn id="126" idx="0"/>
+            </p:cNvCxnSpPr>
+            <p:nvPr/>
+          </p:nvCxnSpPr>
+          <p:spPr>
+            <a:xfrm>
+              <a:off x="9834562" y="4986338"/>
+              <a:ext cx="0" cy="314325"/>
+            </a:xfrm>
+            <a:prstGeom prst="line">
+              <a:avLst/>
+            </a:prstGeom>
+            <a:ln w="28575">
+              <a:solidFill>
+                <a:schemeClr val="bg2">
+                  <a:lumMod val="25000"/>
+                </a:schemeClr>
+              </a:solidFill>
+            </a:ln>
+          </p:spPr>
+          <p:style>
+            <a:lnRef idx="1">
+              <a:schemeClr val="accent1"/>
+            </a:lnRef>
+            <a:fillRef idx="0">
+              <a:schemeClr val="accent1"/>
+            </a:fillRef>
+            <a:effectRef idx="0">
+              <a:schemeClr val="accent1"/>
+            </a:effectRef>
+            <a:fontRef idx="minor">
+              <a:schemeClr val="tx1"/>
+            </a:fontRef>
+          </p:style>
+        </p:cxnSp>
+      </p:grpSp>
+      <p:grpSp>
+        <p:nvGrpSpPr>
+          <p:cNvPr id="128" name="Group 127">
+            <a:extLst>
+              <a:ext uri="{FF2B5EF4-FFF2-40B4-BE49-F238E27FC236}">
+                <a16:creationId xmlns:a16="http://schemas.microsoft.com/office/drawing/2014/main" id="{F66682F5-BE2D-4448-A73A-BCF4211945E9}"/>
+              </a:ext>
+            </a:extLst>
+          </p:cNvPr>
+          <p:cNvGrpSpPr/>
+          <p:nvPr/>
+        </p:nvGrpSpPr>
+        <p:grpSpPr>
+          <a:xfrm rot="10800000">
+            <a:off x="3525443" y="5126044"/>
+            <a:ext cx="190502" cy="500062"/>
+            <a:chOff x="9739311" y="4986338"/>
+            <a:chExt cx="190502" cy="500062"/>
+          </a:xfrm>
+        </p:grpSpPr>
+        <p:sp>
+          <p:nvSpPr>
+            <p:cNvPr id="129" name="Oval 128">
+              <a:extLst>
+                <a:ext uri="{FF2B5EF4-FFF2-40B4-BE49-F238E27FC236}">
+                  <a16:creationId xmlns:a16="http://schemas.microsoft.com/office/drawing/2014/main" id="{A6CAE1FD-7DEB-BE45-8514-860497641FF6}"/>
+                </a:ext>
+              </a:extLst>
+            </p:cNvPr>
+            <p:cNvSpPr/>
+            <p:nvPr/>
+          </p:nvSpPr>
+          <p:spPr>
+            <a:xfrm>
+              <a:off x="9739311" y="5300663"/>
+              <a:ext cx="190502" cy="185737"/>
+            </a:xfrm>
+            <a:prstGeom prst="ellipse">
+              <a:avLst/>
+            </a:prstGeom>
+            <a:ln w="28575">
+              <a:solidFill>
+                <a:schemeClr val="bg2">
+                  <a:lumMod val="25000"/>
+                </a:schemeClr>
+              </a:solidFill>
+            </a:ln>
+          </p:spPr>
+          <p:style>
+            <a:lnRef idx="1">
+              <a:schemeClr val="accent1"/>
+            </a:lnRef>
+            <a:fillRef idx="0">
+              <a:schemeClr val="accent1"/>
+            </a:fillRef>
+            <a:effectRef idx="0">
+              <a:schemeClr val="accent1"/>
+            </a:effectRef>
+            <a:fontRef idx="minor">
+              <a:schemeClr val="tx1"/>
+            </a:fontRef>
+          </p:style>
+          <p:txBody>
+            <a:bodyPr rtlCol="0" anchor="ctr"/>
+            <a:lstStyle/>
+            <a:p>
+              <a:pPr algn="ctr"/>
+              <a:endParaRPr lang="en-US" sz="1200"/>
+            </a:p>
+          </p:txBody>
+        </p:sp>
+        <p:cxnSp>
+          <p:nvCxnSpPr>
+            <p:cNvPr id="130" name="Straight Connector 129">
+              <a:extLst>
+                <a:ext uri="{FF2B5EF4-FFF2-40B4-BE49-F238E27FC236}">
+                  <a16:creationId xmlns:a16="http://schemas.microsoft.com/office/drawing/2014/main" id="{85A40CDC-545D-7D46-ACB3-2D1B7F45DB99}"/>
+                </a:ext>
+              </a:extLst>
+            </p:cNvPr>
+            <p:cNvCxnSpPr>
+              <a:endCxn id="129" idx="0"/>
+            </p:cNvCxnSpPr>
+            <p:nvPr/>
+          </p:nvCxnSpPr>
+          <p:spPr>
+            <a:xfrm>
+              <a:off x="9834562" y="4986338"/>
+              <a:ext cx="0" cy="314325"/>
+            </a:xfrm>
+            <a:prstGeom prst="line">
+              <a:avLst/>
+            </a:prstGeom>
+            <a:ln w="28575">
+              <a:solidFill>
+                <a:schemeClr val="bg2">
+                  <a:lumMod val="25000"/>
+                </a:schemeClr>
+              </a:solidFill>
+            </a:ln>
+          </p:spPr>
+          <p:style>
+            <a:lnRef idx="1">
+              <a:schemeClr val="accent1"/>
+            </a:lnRef>
+            <a:fillRef idx="0">
+              <a:schemeClr val="accent1"/>
+            </a:fillRef>
+            <a:effectRef idx="0">
+              <a:schemeClr val="accent1"/>
+            </a:effectRef>
+            <a:fontRef idx="minor">
+              <a:schemeClr val="tx1"/>
+            </a:fontRef>
+          </p:style>
+        </p:cxnSp>
+      </p:grpSp>
+      <p:cxnSp>
+        <p:nvCxnSpPr>
+          <p:cNvPr id="131" name="Elbow Connector 130">
+            <a:extLst>
+              <a:ext uri="{FF2B5EF4-FFF2-40B4-BE49-F238E27FC236}">
+                <a16:creationId xmlns:a16="http://schemas.microsoft.com/office/drawing/2014/main" id="{2DCFBC82-0EB6-9743-8CE7-B30EBAAC03D9}"/>
+              </a:ext>
+            </a:extLst>
+          </p:cNvPr>
+          <p:cNvCxnSpPr>
+            <a:cxnSpLocks/>
+            <a:stCxn id="78" idx="2"/>
+            <a:endCxn id="93" idx="0"/>
+          </p:cNvCxnSpPr>
+          <p:nvPr/>
+        </p:nvCxnSpPr>
+        <p:spPr>
+          <a:xfrm rot="16200000" flipH="1">
+            <a:off x="5436154" y="5557121"/>
+            <a:ext cx="262219" cy="627940"/>
+          </a:xfrm>
+          <a:prstGeom prst="bentConnector3">
+            <a:avLst>
+              <a:gd name="adj1" fmla="val 50000"/>
+            </a:avLst>
+          </a:prstGeom>
+          <a:ln w="19050">
+            <a:solidFill>
+              <a:schemeClr val="accent1">
+                <a:lumMod val="50000"/>
+              </a:schemeClr>
+            </a:solidFill>
+            <a:prstDash val="solid"/>
+            <a:tailEnd type="triangle"/>
+          </a:ln>
+        </p:spPr>
+        <p:style>
+          <a:lnRef idx="2">
+            <a:schemeClr val="dk1"/>
+          </a:lnRef>
+          <a:fillRef idx="0">
+            <a:schemeClr val="dk1"/>
+          </a:fillRef>
+          <a:effectRef idx="1">
+            <a:schemeClr val="dk1"/>
+          </a:effectRef>
+          <a:fontRef idx="minor">
+            <a:schemeClr val="tx1"/>
+          </a:fontRef>
+        </p:style>
+      </p:cxnSp>
+      <p:cxnSp>
+        <p:nvCxnSpPr>
+          <p:cNvPr id="134" name="Elbow Connector 133">
+            <a:extLst>
+              <a:ext uri="{FF2B5EF4-FFF2-40B4-BE49-F238E27FC236}">
+                <a16:creationId xmlns:a16="http://schemas.microsoft.com/office/drawing/2014/main" id="{990C52EA-5B24-364A-A5B7-9380C576A428}"/>
+              </a:ext>
+            </a:extLst>
+          </p:cNvPr>
+          <p:cNvCxnSpPr>
+            <a:cxnSpLocks/>
+            <a:stCxn id="11" idx="2"/>
+            <a:endCxn id="41" idx="4"/>
+          </p:cNvCxnSpPr>
+          <p:nvPr/>
+        </p:nvCxnSpPr>
+        <p:spPr>
+          <a:xfrm rot="16200000" flipH="1">
+            <a:off x="8244943" y="4393479"/>
+            <a:ext cx="312392" cy="1124311"/>
+          </a:xfrm>
+          <a:prstGeom prst="bentConnector3">
+            <a:avLst>
+              <a:gd name="adj1" fmla="val 50000"/>
+            </a:avLst>
+          </a:prstGeom>
+          <a:ln w="28575">
+            <a:solidFill>
+              <a:schemeClr val="bg2">
+                <a:lumMod val="25000"/>
+              </a:schemeClr>
+            </a:solidFill>
+            <a:headEnd type="none" w="med" len="med"/>
+            <a:tailEnd type="triangle" w="med" len="med"/>
+          </a:ln>
+        </p:spPr>
+        <p:style>
+          <a:lnRef idx="1">
+            <a:schemeClr val="accent1"/>
+          </a:lnRef>
+          <a:fillRef idx="0">
+            <a:schemeClr val="accent1"/>
+          </a:fillRef>
+          <a:effectRef idx="0">
+            <a:schemeClr val="accent1"/>
+          </a:effectRef>
+          <a:fontRef idx="minor">
+            <a:schemeClr val="tx1"/>
+          </a:fontRef>
+        </p:style>
+      </p:cxnSp>
+      <p:cxnSp>
+        <p:nvCxnSpPr>
+          <p:cNvPr id="137" name="Elbow Connector 136">
+            <a:extLst>
+              <a:ext uri="{FF2B5EF4-FFF2-40B4-BE49-F238E27FC236}">
+                <a16:creationId xmlns:a16="http://schemas.microsoft.com/office/drawing/2014/main" id="{0FA8E33B-9BDE-3B4B-BD21-25AEB48C6E5E}"/>
+              </a:ext>
+            </a:extLst>
+          </p:cNvPr>
+          <p:cNvCxnSpPr>
+            <a:cxnSpLocks/>
+            <a:stCxn id="12" idx="2"/>
+            <a:endCxn id="126" idx="4"/>
+          </p:cNvCxnSpPr>
+          <p:nvPr/>
+        </p:nvCxnSpPr>
+        <p:spPr>
+          <a:xfrm rot="16200000" flipH="1">
+            <a:off x="5888489" y="4712153"/>
+            <a:ext cx="346074" cy="489365"/>
+          </a:xfrm>
+          <a:prstGeom prst="bentConnector3">
+            <a:avLst>
+              <a:gd name="adj1" fmla="val 50000"/>
+            </a:avLst>
+          </a:prstGeom>
+          <a:ln w="25400">
+            <a:solidFill>
+              <a:schemeClr val="tx2">
+                <a:lumMod val="50000"/>
+              </a:schemeClr>
+            </a:solidFill>
+            <a:tailEnd type="triangle"/>
+          </a:ln>
+        </p:spPr>
+        <p:style>
+          <a:lnRef idx="2">
+            <a:schemeClr val="dk1"/>
+          </a:lnRef>
+          <a:fillRef idx="0">
+            <a:schemeClr val="dk1"/>
+          </a:fillRef>
+          <a:effectRef idx="1">
+            <a:schemeClr val="dk1"/>
+          </a:effectRef>
+          <a:fontRef idx="minor">
+            <a:schemeClr val="tx1"/>
+          </a:fontRef>
+        </p:style>
+      </p:cxnSp>
+      <p:grpSp>
+        <p:nvGrpSpPr>
+          <p:cNvPr id="141" name="Group 140">
+            <a:extLst>
+              <a:ext uri="{FF2B5EF4-FFF2-40B4-BE49-F238E27FC236}">
+                <a16:creationId xmlns:a16="http://schemas.microsoft.com/office/drawing/2014/main" id="{26AFCFF5-B10C-E04D-91AF-3087B21F4245}"/>
+              </a:ext>
+            </a:extLst>
+          </p:cNvPr>
+          <p:cNvGrpSpPr/>
+          <p:nvPr/>
+        </p:nvGrpSpPr>
+        <p:grpSpPr>
+          <a:xfrm>
+            <a:off x="7588630" y="5761496"/>
+            <a:ext cx="1137842" cy="673221"/>
+            <a:chOff x="4812899" y="5804844"/>
+            <a:chExt cx="1137842" cy="673221"/>
+          </a:xfrm>
+        </p:grpSpPr>
+        <p:sp>
+          <p:nvSpPr>
+            <p:cNvPr id="142" name="Rectangle 141">
+              <a:extLst>
+                <a:ext uri="{FF2B5EF4-FFF2-40B4-BE49-F238E27FC236}">
+                  <a16:creationId xmlns:a16="http://schemas.microsoft.com/office/drawing/2014/main" id="{EF0100C7-5A6C-CF41-AA5A-3F85CC382B28}"/>
+                </a:ext>
+              </a:extLst>
+            </p:cNvPr>
+            <p:cNvSpPr/>
+            <p:nvPr/>
+          </p:nvSpPr>
+          <p:spPr>
+            <a:xfrm>
+              <a:off x="4812899" y="6061074"/>
+              <a:ext cx="1137842" cy="416991"/>
+            </a:xfrm>
+            <a:prstGeom prst="rect">
+              <a:avLst/>
+            </a:prstGeom>
+            <a:ln w="38100">
+              <a:prstDash val="dash"/>
+            </a:ln>
+          </p:spPr>
+          <p:style>
+            <a:lnRef idx="2">
+              <a:schemeClr val="accent1">
+                <a:shade val="50000"/>
+              </a:schemeClr>
+            </a:lnRef>
+            <a:fillRef idx="1">
+              <a:schemeClr val="accent1"/>
+            </a:fillRef>
+            <a:effectRef idx="0">
+              <a:schemeClr val="accent1"/>
+            </a:effectRef>
+            <a:fontRef idx="minor">
+              <a:schemeClr val="lt1"/>
+            </a:fontRef>
+          </p:style>
+          <p:txBody>
+            <a:bodyPr rtlCol="0" anchor="ctr"/>
+            <a:lstStyle/>
+            <a:p>
+              <a:pPr algn="ctr"/>
+              <a:r>
+                <a:rPr lang="en-US" sz="1200" dirty="0"/>
+                <a:t>Imaging (DI-R)</a:t>
+              </a:r>
+            </a:p>
+          </p:txBody>
+        </p:sp>
+        <p:cxnSp>
+          <p:nvCxnSpPr>
+            <p:cNvPr id="145" name="Straight Connector 144">
+              <a:extLst>
+                <a:ext uri="{FF2B5EF4-FFF2-40B4-BE49-F238E27FC236}">
+                  <a16:creationId xmlns:a16="http://schemas.microsoft.com/office/drawing/2014/main" id="{4332D7FC-6BA8-F64D-8383-D083AE114781}"/>
+                </a:ext>
+              </a:extLst>
+            </p:cNvPr>
+            <p:cNvCxnSpPr>
+              <a:cxnSpLocks/>
+            </p:cNvCxnSpPr>
+            <p:nvPr/>
+          </p:nvCxnSpPr>
+          <p:spPr>
+            <a:xfrm flipV="1">
+              <a:off x="5381820" y="5804844"/>
+              <a:ext cx="0" cy="234525"/>
+            </a:xfrm>
+            <a:prstGeom prst="line">
+              <a:avLst/>
+            </a:prstGeom>
+            <a:ln>
+              <a:solidFill>
+                <a:schemeClr val="tx1"/>
+              </a:solidFill>
+            </a:ln>
+          </p:spPr>
+          <p:style>
+            <a:lnRef idx="1">
+              <a:schemeClr val="accent1"/>
+            </a:lnRef>
+            <a:fillRef idx="0">
+              <a:schemeClr val="accent1"/>
+            </a:fillRef>
+            <a:effectRef idx="0">
+              <a:schemeClr val="accent1"/>
+            </a:effectRef>
+            <a:fontRef idx="minor">
+              <a:schemeClr val="tx1"/>
+            </a:fontRef>
+          </p:style>
+        </p:cxnSp>
+      </p:grpSp>
+      <p:cxnSp>
+        <p:nvCxnSpPr>
+          <p:cNvPr id="147" name="Elbow Connector 146">
+            <a:extLst>
+              <a:ext uri="{FF2B5EF4-FFF2-40B4-BE49-F238E27FC236}">
+                <a16:creationId xmlns:a16="http://schemas.microsoft.com/office/drawing/2014/main" id="{3B79EC45-2A46-224F-8486-041B5EB306A8}"/>
+              </a:ext>
+            </a:extLst>
+          </p:cNvPr>
+          <p:cNvCxnSpPr>
+            <a:cxnSpLocks/>
+            <a:stCxn id="78" idx="2"/>
+            <a:endCxn id="8" idx="0"/>
+          </p:cNvCxnSpPr>
+          <p:nvPr/>
+        </p:nvCxnSpPr>
+        <p:spPr>
+          <a:xfrm rot="5400000">
+            <a:off x="4188524" y="4937663"/>
+            <a:ext cx="262451" cy="1867088"/>
+          </a:xfrm>
+          <a:prstGeom prst="bentConnector3">
+            <a:avLst>
+              <a:gd name="adj1" fmla="val 50000"/>
+            </a:avLst>
+          </a:prstGeom>
+          <a:ln w="19050">
+            <a:solidFill>
+              <a:schemeClr val="accent1">
+                <a:lumMod val="50000"/>
+              </a:schemeClr>
+            </a:solidFill>
+            <a:prstDash val="solid"/>
+            <a:tailEnd type="triangle"/>
+          </a:ln>
+        </p:spPr>
+        <p:style>
+          <a:lnRef idx="2">
+            <a:schemeClr val="dk1"/>
+          </a:lnRef>
+          <a:fillRef idx="0">
+            <a:schemeClr val="dk1"/>
+          </a:fillRef>
+          <a:effectRef idx="1">
+            <a:schemeClr val="dk1"/>
+          </a:effectRef>
+          <a:fontRef idx="minor">
+            <a:schemeClr val="tx1"/>
+          </a:fontRef>
+        </p:style>
+      </p:cxnSp>
+      <p:cxnSp>
+        <p:nvCxnSpPr>
+          <p:cNvPr id="150" name="Elbow Connector 149">
+            <a:extLst>
+              <a:ext uri="{FF2B5EF4-FFF2-40B4-BE49-F238E27FC236}">
+                <a16:creationId xmlns:a16="http://schemas.microsoft.com/office/drawing/2014/main" id="{3B3B9BF4-7F4D-DC42-86A5-4037B7D2DD34}"/>
+              </a:ext>
+            </a:extLst>
+          </p:cNvPr>
+          <p:cNvCxnSpPr>
+            <a:cxnSpLocks/>
+            <a:stCxn id="78" idx="2"/>
+            <a:endCxn id="6" idx="0"/>
+          </p:cNvCxnSpPr>
+          <p:nvPr/>
+        </p:nvCxnSpPr>
+        <p:spPr>
+          <a:xfrm rot="5400000">
+            <a:off x="3624981" y="4379446"/>
+            <a:ext cx="267777" cy="2988849"/>
+          </a:xfrm>
+          <a:prstGeom prst="bentConnector3">
+            <a:avLst>
+              <a:gd name="adj1" fmla="val 50000"/>
+            </a:avLst>
+          </a:prstGeom>
+          <a:ln w="19050">
+            <a:solidFill>
+              <a:schemeClr val="accent1">
+                <a:lumMod val="50000"/>
+              </a:schemeClr>
+            </a:solidFill>
+            <a:prstDash val="solid"/>
+            <a:tailEnd type="triangle"/>
+          </a:ln>
+        </p:spPr>
+        <p:style>
+          <a:lnRef idx="2">
+            <a:schemeClr val="dk1"/>
+          </a:lnRef>
+          <a:fillRef idx="0">
+            <a:schemeClr val="dk1"/>
+          </a:fillRef>
+          <a:effectRef idx="1">
+            <a:schemeClr val="dk1"/>
+          </a:effectRef>
+          <a:fontRef idx="minor">
+            <a:schemeClr val="tx1"/>
+          </a:fontRef>
+        </p:style>
+      </p:cxnSp>
+      <p:cxnSp>
+        <p:nvCxnSpPr>
+          <p:cNvPr id="155" name="Elbow Connector 154">
+            <a:extLst>
+              <a:ext uri="{FF2B5EF4-FFF2-40B4-BE49-F238E27FC236}">
+                <a16:creationId xmlns:a16="http://schemas.microsoft.com/office/drawing/2014/main" id="{0F013143-C1AE-0748-BFD0-98187B625258}"/>
+              </a:ext>
+            </a:extLst>
+          </p:cNvPr>
+          <p:cNvCxnSpPr>
+            <a:cxnSpLocks/>
+            <a:stCxn id="14" idx="2"/>
+            <a:endCxn id="129" idx="4"/>
+          </p:cNvCxnSpPr>
+          <p:nvPr/>
+        </p:nvCxnSpPr>
+        <p:spPr>
+          <a:xfrm rot="16200000" flipH="1">
+            <a:off x="3444447" y="4949796"/>
+            <a:ext cx="350169" cy="2326"/>
+          </a:xfrm>
+          <a:prstGeom prst="bentConnector3">
+            <a:avLst>
+              <a:gd name="adj1" fmla="val 50000"/>
+            </a:avLst>
+          </a:prstGeom>
+          <a:ln w="25400">
+            <a:solidFill>
+              <a:schemeClr val="tx2">
+                <a:lumMod val="50000"/>
+              </a:schemeClr>
+            </a:solidFill>
+            <a:tailEnd type="triangle"/>
+          </a:ln>
+        </p:spPr>
+        <p:style>
+          <a:lnRef idx="2">
+            <a:schemeClr val="dk1"/>
+          </a:lnRef>
+          <a:fillRef idx="0">
+            <a:schemeClr val="dk1"/>
+          </a:fillRef>
+          <a:effectRef idx="1">
+            <a:schemeClr val="dk1"/>
+          </a:effectRef>
+          <a:fontRef idx="minor">
+            <a:schemeClr val="tx1"/>
+          </a:fontRef>
+        </p:style>
+      </p:cxnSp>
+      <p:sp>
+        <p:nvSpPr>
+          <p:cNvPr id="167" name="Rectangle 166">
+            <a:extLst>
+              <a:ext uri="{FF2B5EF4-FFF2-40B4-BE49-F238E27FC236}">
+                <a16:creationId xmlns:a16="http://schemas.microsoft.com/office/drawing/2014/main" id="{A568464D-6662-1A4A-99C9-01C99640F7D5}"/>
+              </a:ext>
+            </a:extLst>
+          </p:cNvPr>
+          <p:cNvSpPr/>
+          <p:nvPr/>
+        </p:nvSpPr>
+        <p:spPr>
+          <a:xfrm>
+            <a:off x="6547946" y="6002199"/>
+            <a:ext cx="968502" cy="441968"/>
+          </a:xfrm>
+          <a:prstGeom prst="rect">
+            <a:avLst/>
+          </a:prstGeom>
+          <a:solidFill>
+            <a:schemeClr val="accent5">
+              <a:lumMod val="50000"/>
+            </a:schemeClr>
+          </a:solidFill>
+        </p:spPr>
+        <p:style>
+          <a:lnRef idx="2">
+            <a:schemeClr val="accent1">
+              <a:shade val="50000"/>
+            </a:schemeClr>
+          </a:lnRef>
+          <a:fillRef idx="1">
+            <a:schemeClr val="accent1"/>
+          </a:fillRef>
+          <a:effectRef idx="0">
+            <a:schemeClr val="accent1"/>
+          </a:effectRef>
+          <a:fontRef idx="minor">
+            <a:schemeClr val="lt1"/>
+          </a:fontRef>
+        </p:style>
+        <p:txBody>
+          <a:bodyPr rtlCol="0" anchor="ctr"/>
+          <a:lstStyle/>
+          <a:p>
+            <a:pPr algn="ctr"/>
+            <a:r>
+              <a:rPr lang="en-US" sz="1200" dirty="0"/>
+              <a:t>SMS Channel</a:t>
+            </a:r>
+          </a:p>
+        </p:txBody>
+      </p:sp>
+      <p:cxnSp>
+        <p:nvCxnSpPr>
+          <p:cNvPr id="176" name="Elbow Connector 175">
+            <a:extLst>
+              <a:ext uri="{FF2B5EF4-FFF2-40B4-BE49-F238E27FC236}">
+                <a16:creationId xmlns:a16="http://schemas.microsoft.com/office/drawing/2014/main" id="{34A1DFCD-5638-A642-9ADA-80295534132A}"/>
+              </a:ext>
+            </a:extLst>
+          </p:cNvPr>
+          <p:cNvCxnSpPr>
+            <a:cxnSpLocks/>
+            <a:stCxn id="13" idx="2"/>
+            <a:endCxn id="26" idx="4"/>
+          </p:cNvCxnSpPr>
+          <p:nvPr/>
+        </p:nvCxnSpPr>
+        <p:spPr>
+          <a:xfrm rot="16200000" flipH="1">
+            <a:off x="10552163" y="4574283"/>
+            <a:ext cx="312633" cy="694718"/>
+          </a:xfrm>
+          <a:prstGeom prst="bentConnector3">
+            <a:avLst>
+              <a:gd name="adj1" fmla="val 50000"/>
+            </a:avLst>
+          </a:prstGeom>
+          <a:ln w="25400">
+            <a:solidFill>
+              <a:schemeClr val="tx2">
+                <a:lumMod val="50000"/>
+              </a:schemeClr>
+            </a:solidFill>
+            <a:tailEnd type="triangle"/>
+          </a:ln>
+        </p:spPr>
+        <p:style>
+          <a:lnRef idx="2">
+            <a:schemeClr val="dk1"/>
+          </a:lnRef>
+          <a:fillRef idx="0">
+            <a:schemeClr val="dk1"/>
+          </a:fillRef>
+          <a:effectRef idx="1">
+            <a:schemeClr val="dk1"/>
+          </a:effectRef>
+          <a:fontRef idx="minor">
+            <a:schemeClr val="tx1"/>
+          </a:fontRef>
+        </p:style>
+      </p:cxnSp>
+      <p:sp>
+        <p:nvSpPr>
+          <p:cNvPr id="186" name="Rectangle 185">
+            <a:extLst>
+              <a:ext uri="{FF2B5EF4-FFF2-40B4-BE49-F238E27FC236}">
+                <a16:creationId xmlns:a16="http://schemas.microsoft.com/office/drawing/2014/main" id="{A1BC91CB-4EED-194D-BCC0-FAD978AE8082}"/>
+              </a:ext>
+            </a:extLst>
+          </p:cNvPr>
+          <p:cNvSpPr/>
+          <p:nvPr/>
+        </p:nvSpPr>
+        <p:spPr>
+          <a:xfrm>
+            <a:off x="10009152" y="644461"/>
+            <a:ext cx="1887914" cy="693788"/>
+          </a:xfrm>
+          <a:prstGeom prst="rect">
+            <a:avLst/>
+          </a:prstGeom>
+          <a:solidFill>
+            <a:schemeClr val="bg2">
+              <a:lumMod val="75000"/>
+            </a:schemeClr>
+          </a:solidFill>
+          <a:ln w="28575">
+            <a:solidFill>
+              <a:schemeClr val="tx2">
+                <a:lumMod val="50000"/>
+              </a:schemeClr>
+            </a:solidFill>
+            <a:prstDash val="dashDot"/>
+          </a:ln>
+        </p:spPr>
+        <p:style>
+          <a:lnRef idx="2">
+            <a:schemeClr val="accent1">
+              <a:shade val="50000"/>
+            </a:schemeClr>
+          </a:lnRef>
+          <a:fillRef idx="1">
+            <a:schemeClr val="accent1"/>
+          </a:fillRef>
+          <a:effectRef idx="0">
+            <a:schemeClr val="accent1"/>
+          </a:effectRef>
+          <a:fontRef idx="minor">
+            <a:schemeClr val="lt1"/>
+          </a:fontRef>
+        </p:style>
+        <p:txBody>
+          <a:bodyPr rtlCol="0" anchor="ctr"/>
+          <a:lstStyle/>
+          <a:p>
+            <a:pPr algn="ctr"/>
+            <a:r>
+              <a:rPr lang="en-US" sz="1200" dirty="0"/>
+              <a:t>Third-Party Health App</a:t>
+            </a:r>
+          </a:p>
+        </p:txBody>
+      </p:sp>
+      <p:sp>
+        <p:nvSpPr>
+          <p:cNvPr id="199" name="Rectangle 198">
+            <a:extLst>
+              <a:ext uri="{FF2B5EF4-FFF2-40B4-BE49-F238E27FC236}">
+                <a16:creationId xmlns:a16="http://schemas.microsoft.com/office/drawing/2014/main" id="{F8FD7DEE-A83D-CE43-B1D8-CF8721B2B3D2}"/>
+              </a:ext>
+            </a:extLst>
+          </p:cNvPr>
+          <p:cNvSpPr/>
+          <p:nvPr/>
+        </p:nvSpPr>
+        <p:spPr>
+          <a:xfrm>
+            <a:off x="11038685" y="4389880"/>
+            <a:ext cx="793680" cy="387545"/>
+          </a:xfrm>
+          <a:prstGeom prst="rect">
+            <a:avLst/>
+          </a:prstGeom>
+          <a:solidFill>
+            <a:schemeClr val="accent2">
+              <a:lumMod val="75000"/>
+            </a:schemeClr>
+          </a:solidFill>
+          <a:ln>
+            <a:noFill/>
+          </a:ln>
+        </p:spPr>
+        <p:style>
+          <a:lnRef idx="2">
+            <a:schemeClr val="accent1">
+              <a:shade val="50000"/>
+            </a:schemeClr>
+          </a:lnRef>
+          <a:fillRef idx="1">
+            <a:schemeClr val="accent1"/>
+          </a:fillRef>
+          <a:effectRef idx="0">
+            <a:schemeClr val="accent1"/>
+          </a:effectRef>
+          <a:fontRef idx="minor">
+            <a:schemeClr val="lt1"/>
+          </a:fontRef>
+        </p:style>
+        <p:txBody>
+          <a:bodyPr rtlCol="0" anchor="ctr"/>
+          <a:lstStyle/>
+          <a:p>
+            <a:pPr algn="ctr"/>
+            <a:r>
+              <a:rPr lang="en-US" sz="1200" dirty="0"/>
+              <a:t>Visits API</a:t>
+            </a:r>
+          </a:p>
+        </p:txBody>
+      </p:sp>
+      <p:sp>
+        <p:nvSpPr>
+          <p:cNvPr id="200" name="Rectangle 199">
+            <a:extLst>
+              <a:ext uri="{FF2B5EF4-FFF2-40B4-BE49-F238E27FC236}">
+                <a16:creationId xmlns:a16="http://schemas.microsoft.com/office/drawing/2014/main" id="{ECFBD97F-ED8C-6047-B27E-DD29C6A9E9E4}"/>
+              </a:ext>
+            </a:extLst>
+          </p:cNvPr>
+          <p:cNvSpPr/>
+          <p:nvPr/>
+        </p:nvSpPr>
+        <p:spPr>
+          <a:xfrm>
+            <a:off x="6284870" y="4372352"/>
+            <a:ext cx="962936" cy="414412"/>
+          </a:xfrm>
+          <a:prstGeom prst="rect">
+            <a:avLst/>
+          </a:prstGeom>
+          <a:solidFill>
+            <a:schemeClr val="accent2">
+              <a:lumMod val="60000"/>
+              <a:lumOff val="40000"/>
+            </a:schemeClr>
+          </a:solidFill>
+          <a:ln>
+            <a:noFill/>
+          </a:ln>
+        </p:spPr>
+        <p:style>
+          <a:lnRef idx="2">
+            <a:schemeClr val="accent1">
+              <a:shade val="50000"/>
+            </a:schemeClr>
+          </a:lnRef>
+          <a:fillRef idx="1">
+            <a:schemeClr val="accent1"/>
+          </a:fillRef>
+          <a:effectRef idx="0">
+            <a:schemeClr val="accent1"/>
+          </a:effectRef>
+          <a:fontRef idx="minor">
+            <a:schemeClr val="lt1"/>
+          </a:fontRef>
+        </p:style>
+        <p:txBody>
+          <a:bodyPr rtlCol="0" anchor="ctr"/>
+          <a:lstStyle/>
+          <a:p>
+            <a:pPr algn="ctr"/>
+            <a:r>
+              <a:rPr lang="en-US" sz="1200" dirty="0"/>
+              <a:t>Imaging API</a:t>
+            </a:r>
+          </a:p>
+        </p:txBody>
+      </p:sp>
+      <p:cxnSp>
+        <p:nvCxnSpPr>
+          <p:cNvPr id="205" name="Elbow Connector 204">
+            <a:extLst>
+              <a:ext uri="{FF2B5EF4-FFF2-40B4-BE49-F238E27FC236}">
+                <a16:creationId xmlns:a16="http://schemas.microsoft.com/office/drawing/2014/main" id="{8235877D-F571-2544-9A9F-F336D94FAB6A}"/>
+              </a:ext>
+            </a:extLst>
+          </p:cNvPr>
+          <p:cNvCxnSpPr>
+            <a:cxnSpLocks/>
+            <a:stCxn id="154" idx="2"/>
+            <a:endCxn id="7" idx="0"/>
+          </p:cNvCxnSpPr>
+          <p:nvPr/>
+        </p:nvCxnSpPr>
+        <p:spPr>
+          <a:xfrm rot="5400000">
+            <a:off x="10722360" y="5669777"/>
+            <a:ext cx="262796" cy="382760"/>
+          </a:xfrm>
+          <a:prstGeom prst="bentConnector3">
+            <a:avLst>
+              <a:gd name="adj1" fmla="val 50000"/>
+            </a:avLst>
+          </a:prstGeom>
+          <a:ln w="19050">
+            <a:solidFill>
+              <a:schemeClr val="accent1">
+                <a:lumMod val="50000"/>
+              </a:schemeClr>
+            </a:solidFill>
+            <a:prstDash val="solid"/>
+            <a:tailEnd type="triangle"/>
+          </a:ln>
+        </p:spPr>
+        <p:style>
+          <a:lnRef idx="2">
+            <a:schemeClr val="dk1"/>
+          </a:lnRef>
+          <a:fillRef idx="0">
+            <a:schemeClr val="dk1"/>
+          </a:fillRef>
+          <a:effectRef idx="1">
+            <a:schemeClr val="dk1"/>
+          </a:effectRef>
+          <a:fontRef idx="minor">
+            <a:schemeClr val="tx1"/>
+          </a:fontRef>
+        </p:style>
+      </p:cxnSp>
+      <p:cxnSp>
+        <p:nvCxnSpPr>
+          <p:cNvPr id="208" name="Elbow Connector 207">
+            <a:extLst>
+              <a:ext uri="{FF2B5EF4-FFF2-40B4-BE49-F238E27FC236}">
+                <a16:creationId xmlns:a16="http://schemas.microsoft.com/office/drawing/2014/main" id="{77B987CE-756B-1B43-90EB-A3214C11866B}"/>
+              </a:ext>
+            </a:extLst>
+          </p:cNvPr>
+          <p:cNvCxnSpPr>
+            <a:cxnSpLocks/>
+            <a:stCxn id="199" idx="2"/>
+            <a:endCxn id="32" idx="4"/>
+          </p:cNvCxnSpPr>
+          <p:nvPr/>
+        </p:nvCxnSpPr>
+        <p:spPr>
+          <a:xfrm rot="16200000" flipH="1">
+            <a:off x="11296666" y="4916283"/>
+            <a:ext cx="288735" cy="11017"/>
+          </a:xfrm>
+          <a:prstGeom prst="bentConnector3">
+            <a:avLst>
+              <a:gd name="adj1" fmla="val 50000"/>
+            </a:avLst>
+          </a:prstGeom>
+          <a:ln w="25400">
+            <a:solidFill>
+              <a:schemeClr val="tx2">
+                <a:lumMod val="50000"/>
+              </a:schemeClr>
+            </a:solidFill>
+            <a:tailEnd type="triangle"/>
+          </a:ln>
+        </p:spPr>
+        <p:style>
+          <a:lnRef idx="2">
+            <a:schemeClr val="dk1"/>
+          </a:lnRef>
+          <a:fillRef idx="0">
+            <a:schemeClr val="dk1"/>
+          </a:fillRef>
+          <a:effectRef idx="1">
+            <a:schemeClr val="dk1"/>
+          </a:effectRef>
+          <a:fontRef idx="minor">
+            <a:schemeClr val="tx1"/>
+          </a:fontRef>
+        </p:style>
+      </p:cxnSp>
+      <p:cxnSp>
+        <p:nvCxnSpPr>
+          <p:cNvPr id="211" name="Elbow Connector 210">
+            <a:extLst>
+              <a:ext uri="{FF2B5EF4-FFF2-40B4-BE49-F238E27FC236}">
+                <a16:creationId xmlns:a16="http://schemas.microsoft.com/office/drawing/2014/main" id="{F9EFCB5F-0456-7346-8231-DEB0BA26BFD7}"/>
+              </a:ext>
+            </a:extLst>
+          </p:cNvPr>
+          <p:cNvCxnSpPr>
+            <a:cxnSpLocks/>
+            <a:stCxn id="154" idx="2"/>
+            <a:endCxn id="84" idx="0"/>
+          </p:cNvCxnSpPr>
+          <p:nvPr/>
+        </p:nvCxnSpPr>
+        <p:spPr>
+          <a:xfrm rot="16200000" flipH="1">
+            <a:off x="11145454" y="5629443"/>
+            <a:ext cx="272440" cy="473072"/>
+          </a:xfrm>
+          <a:prstGeom prst="bentConnector3">
+            <a:avLst>
+              <a:gd name="adj1" fmla="val 50000"/>
+            </a:avLst>
+          </a:prstGeom>
+          <a:ln w="19050">
+            <a:solidFill>
+              <a:schemeClr val="accent1">
+                <a:lumMod val="50000"/>
+              </a:schemeClr>
+            </a:solidFill>
+            <a:prstDash val="solid"/>
+            <a:tailEnd type="triangle"/>
+          </a:ln>
+        </p:spPr>
+        <p:style>
+          <a:lnRef idx="2">
+            <a:schemeClr val="dk1"/>
+          </a:lnRef>
+          <a:fillRef idx="0">
+            <a:schemeClr val="dk1"/>
+          </a:fillRef>
+          <a:effectRef idx="1">
+            <a:schemeClr val="dk1"/>
+          </a:effectRef>
+          <a:fontRef idx="minor">
+            <a:schemeClr val="tx1"/>
+          </a:fontRef>
+        </p:style>
+      </p:cxnSp>
+      <p:cxnSp>
+        <p:nvCxnSpPr>
+          <p:cNvPr id="215" name="Elbow Connector 214">
+            <a:extLst>
+              <a:ext uri="{FF2B5EF4-FFF2-40B4-BE49-F238E27FC236}">
+                <a16:creationId xmlns:a16="http://schemas.microsoft.com/office/drawing/2014/main" id="{75B3EC0B-A1B6-EA41-9C6A-5B2D70D2AE6C}"/>
+              </a:ext>
+            </a:extLst>
+          </p:cNvPr>
+          <p:cNvCxnSpPr>
+            <a:cxnSpLocks/>
+            <a:stCxn id="200" idx="2"/>
+            <a:endCxn id="253" idx="4"/>
+          </p:cNvCxnSpPr>
+          <p:nvPr/>
+        </p:nvCxnSpPr>
+        <p:spPr>
+          <a:xfrm rot="16200000" flipH="1">
+            <a:off x="6781086" y="4772016"/>
+            <a:ext cx="302441" cy="331936"/>
+          </a:xfrm>
+          <a:prstGeom prst="bentConnector3">
+            <a:avLst>
+              <a:gd name="adj1" fmla="val 50000"/>
+            </a:avLst>
+          </a:prstGeom>
+          <a:ln w="25400">
+            <a:solidFill>
+              <a:schemeClr val="tx2">
+                <a:lumMod val="50000"/>
+              </a:schemeClr>
+            </a:solidFill>
+            <a:prstDash val="dash"/>
+            <a:tailEnd type="triangle"/>
+          </a:ln>
+        </p:spPr>
+        <p:style>
+          <a:lnRef idx="2">
+            <a:schemeClr val="dk1"/>
+          </a:lnRef>
+          <a:fillRef idx="0">
+            <a:schemeClr val="dk1"/>
+          </a:fillRef>
+          <a:effectRef idx="1">
+            <a:schemeClr val="dk1"/>
+          </a:effectRef>
+          <a:fontRef idx="minor">
+            <a:schemeClr val="tx1"/>
+          </a:fontRef>
+        </p:style>
+      </p:cxnSp>
+      <p:cxnSp>
+        <p:nvCxnSpPr>
+          <p:cNvPr id="219" name="Elbow Connector 218">
+            <a:extLst>
+              <a:ext uri="{FF2B5EF4-FFF2-40B4-BE49-F238E27FC236}">
+                <a16:creationId xmlns:a16="http://schemas.microsoft.com/office/drawing/2014/main" id="{F0C098C6-566D-C34D-897A-E8D2C676F491}"/>
+              </a:ext>
+            </a:extLst>
+          </p:cNvPr>
+          <p:cNvCxnSpPr>
+            <a:cxnSpLocks/>
+            <a:stCxn id="100" idx="2"/>
+            <a:endCxn id="335" idx="0"/>
+          </p:cNvCxnSpPr>
+          <p:nvPr/>
+        </p:nvCxnSpPr>
+        <p:spPr>
+          <a:xfrm rot="5400000">
+            <a:off x="5079030" y="1549875"/>
+            <a:ext cx="618278" cy="1402223"/>
+          </a:xfrm>
+          <a:prstGeom prst="bentConnector3">
+            <a:avLst>
+              <a:gd name="adj1" fmla="val 35744"/>
+            </a:avLst>
+          </a:prstGeom>
+          <a:ln w="44450">
+            <a:solidFill>
+              <a:schemeClr val="tx2">
+                <a:lumMod val="50000"/>
+              </a:schemeClr>
+            </a:solidFill>
+            <a:prstDash val="solid"/>
+            <a:tailEnd type="triangle"/>
+          </a:ln>
+        </p:spPr>
+        <p:style>
+          <a:lnRef idx="2">
+            <a:schemeClr val="dk1"/>
+          </a:lnRef>
+          <a:fillRef idx="0">
+            <a:schemeClr val="dk1"/>
+          </a:fillRef>
+          <a:effectRef idx="1">
+            <a:schemeClr val="dk1"/>
+          </a:effectRef>
+          <a:fontRef idx="minor">
+            <a:schemeClr val="tx1"/>
+          </a:fontRef>
+        </p:style>
+      </p:cxnSp>
+      <p:cxnSp>
+        <p:nvCxnSpPr>
+          <p:cNvPr id="243" name="Elbow Connector 242">
+            <a:extLst>
+              <a:ext uri="{FF2B5EF4-FFF2-40B4-BE49-F238E27FC236}">
+                <a16:creationId xmlns:a16="http://schemas.microsoft.com/office/drawing/2014/main" id="{349A5D56-2DE4-1C4A-887D-9EBE2736E57A}"/>
+              </a:ext>
+            </a:extLst>
+          </p:cNvPr>
+          <p:cNvCxnSpPr>
+            <a:cxnSpLocks/>
+            <a:stCxn id="100" idx="2"/>
+            <a:endCxn id="9" idx="0"/>
+          </p:cNvCxnSpPr>
+          <p:nvPr/>
+        </p:nvCxnSpPr>
+        <p:spPr>
+          <a:xfrm rot="16200000" flipH="1">
+            <a:off x="8210936" y="-179810"/>
+            <a:ext cx="627563" cy="4870875"/>
+          </a:xfrm>
+          <a:prstGeom prst="bentConnector3">
+            <a:avLst>
+              <a:gd name="adj1" fmla="val 35956"/>
+            </a:avLst>
+          </a:prstGeom>
+          <a:ln w="44450">
+            <a:solidFill>
+              <a:schemeClr val="tx2">
+                <a:lumMod val="50000"/>
+              </a:schemeClr>
+            </a:solidFill>
+            <a:prstDash val="solid"/>
+            <a:tailEnd type="triangle"/>
+          </a:ln>
+        </p:spPr>
+        <p:style>
+          <a:lnRef idx="2">
+            <a:schemeClr val="dk1"/>
+          </a:lnRef>
+          <a:fillRef idx="0">
+            <a:schemeClr val="dk1"/>
+          </a:fillRef>
+          <a:effectRef idx="1">
+            <a:schemeClr val="dk1"/>
+          </a:effectRef>
+          <a:fontRef idx="minor">
+            <a:schemeClr val="tx1"/>
+          </a:fontRef>
+        </p:style>
+      </p:cxnSp>
+      <p:cxnSp>
+        <p:nvCxnSpPr>
+          <p:cNvPr id="254" name="Elbow Connector 253">
+            <a:extLst>
+              <a:ext uri="{FF2B5EF4-FFF2-40B4-BE49-F238E27FC236}">
+                <a16:creationId xmlns:a16="http://schemas.microsoft.com/office/drawing/2014/main" id="{B1BDCAB3-5C66-AF47-87E4-116950678184}"/>
+              </a:ext>
+            </a:extLst>
+          </p:cNvPr>
+          <p:cNvCxnSpPr>
+            <a:cxnSpLocks/>
+            <a:stCxn id="78" idx="2"/>
+            <a:endCxn id="167" idx="0"/>
+          </p:cNvCxnSpPr>
+          <p:nvPr/>
+        </p:nvCxnSpPr>
+        <p:spPr>
+          <a:xfrm rot="16200000" flipH="1">
+            <a:off x="6011637" y="4981638"/>
+            <a:ext cx="262217" cy="1778904"/>
+          </a:xfrm>
+          <a:prstGeom prst="bentConnector3">
+            <a:avLst>
+              <a:gd name="adj1" fmla="val 50000"/>
+            </a:avLst>
+          </a:prstGeom>
+          <a:ln w="19050">
+            <a:solidFill>
+              <a:schemeClr val="accent1">
+                <a:lumMod val="50000"/>
+              </a:schemeClr>
+            </a:solidFill>
+            <a:prstDash val="solid"/>
+            <a:tailEnd type="triangle"/>
+          </a:ln>
+        </p:spPr>
+        <p:style>
+          <a:lnRef idx="2">
+            <a:schemeClr val="dk1"/>
+          </a:lnRef>
+          <a:fillRef idx="0">
+            <a:schemeClr val="dk1"/>
+          </a:fillRef>
+          <a:effectRef idx="1">
+            <a:schemeClr val="dk1"/>
+          </a:effectRef>
+          <a:fontRef idx="minor">
+            <a:schemeClr val="tx1"/>
+          </a:fontRef>
+        </p:style>
+      </p:cxnSp>
+      <p:sp>
+        <p:nvSpPr>
+          <p:cNvPr id="258" name="TextBox 257">
+            <a:extLst>
+              <a:ext uri="{FF2B5EF4-FFF2-40B4-BE49-F238E27FC236}">
+                <a16:creationId xmlns:a16="http://schemas.microsoft.com/office/drawing/2014/main" id="{052A9542-781D-DD4A-BCF9-83EFA75BB538}"/>
+              </a:ext>
+            </a:extLst>
+          </p:cNvPr>
+          <p:cNvSpPr txBox="1"/>
+          <p:nvPr/>
+        </p:nvSpPr>
+        <p:spPr>
+          <a:xfrm>
+            <a:off x="9570977" y="2232515"/>
+            <a:ext cx="2019396" cy="276999"/>
+          </a:xfrm>
+          <a:prstGeom prst="rect">
+            <a:avLst/>
+          </a:prstGeom>
+          <a:noFill/>
+        </p:spPr>
+        <p:txBody>
+          <a:bodyPr wrap="square" rtlCol="0">
+            <a:spAutoFit/>
+          </a:bodyPr>
+          <a:lstStyle/>
+          <a:p>
+            <a:r>
+              <a:rPr lang="en-US" sz="1200" dirty="0">
+                <a:solidFill>
+                  <a:schemeClr val="accent1">
+                    <a:lumMod val="50000"/>
+                  </a:schemeClr>
+                </a:solidFill>
+              </a:rPr>
+              <a:t>OAuth2  OIDC</a:t>
+            </a:r>
+          </a:p>
+        </p:txBody>
+      </p:sp>
+      <p:sp>
+        <p:nvSpPr>
+          <p:cNvPr id="152" name="Rectangle 151">
+            <a:extLst>
+              <a:ext uri="{FF2B5EF4-FFF2-40B4-BE49-F238E27FC236}">
+                <a16:creationId xmlns:a16="http://schemas.microsoft.com/office/drawing/2014/main" id="{29B14D49-B37D-E9F6-416C-738F944D4DF8}"/>
+              </a:ext>
+            </a:extLst>
+          </p:cNvPr>
+          <p:cNvSpPr/>
+          <p:nvPr/>
+        </p:nvSpPr>
+        <p:spPr>
+          <a:xfrm>
+            <a:off x="4214552" y="4366770"/>
+            <a:ext cx="1127232" cy="404666"/>
+          </a:xfrm>
+          <a:prstGeom prst="rect">
+            <a:avLst/>
+          </a:prstGeom>
+          <a:solidFill>
+            <a:schemeClr val="accent2">
+              <a:lumMod val="75000"/>
+            </a:schemeClr>
+          </a:solidFill>
+          <a:ln>
+            <a:noFill/>
+          </a:ln>
+        </p:spPr>
+        <p:style>
+          <a:lnRef idx="2">
+            <a:schemeClr val="accent1">
+              <a:shade val="50000"/>
+            </a:schemeClr>
+          </a:lnRef>
+          <a:fillRef idx="1">
+            <a:schemeClr val="accent1"/>
+          </a:fillRef>
+          <a:effectRef idx="0">
+            <a:schemeClr val="accent1"/>
+          </a:effectRef>
+          <a:fontRef idx="minor">
+            <a:schemeClr val="lt1"/>
+          </a:fontRef>
+        </p:style>
+        <p:txBody>
+          <a:bodyPr rtlCol="0" anchor="ctr"/>
+          <a:lstStyle/>
+          <a:p>
+            <a:pPr algn="ctr"/>
+            <a:r>
+              <a:rPr lang="en-US" sz="1200" dirty="0"/>
+              <a:t>COVID Vaccine Proofs</a:t>
+            </a:r>
+          </a:p>
+        </p:txBody>
+      </p:sp>
+      <p:cxnSp>
+        <p:nvCxnSpPr>
+          <p:cNvPr id="156" name="Elbow Connector 155">
+            <a:extLst>
+              <a:ext uri="{FF2B5EF4-FFF2-40B4-BE49-F238E27FC236}">
+                <a16:creationId xmlns:a16="http://schemas.microsoft.com/office/drawing/2014/main" id="{93665538-8043-EEC1-0A69-69364297EF22}"/>
+              </a:ext>
+            </a:extLst>
+          </p:cNvPr>
+          <p:cNvCxnSpPr>
+            <a:cxnSpLocks/>
+            <a:stCxn id="152" idx="2"/>
+            <a:endCxn id="159" idx="4"/>
+          </p:cNvCxnSpPr>
+          <p:nvPr/>
+        </p:nvCxnSpPr>
+        <p:spPr>
+          <a:xfrm rot="16200000" flipH="1">
+            <a:off x="4989067" y="4560537"/>
+            <a:ext cx="358437" cy="780234"/>
+          </a:xfrm>
+          <a:prstGeom prst="bentConnector3">
+            <a:avLst>
+              <a:gd name="adj1" fmla="val 50000"/>
+            </a:avLst>
+          </a:prstGeom>
+          <a:ln w="25400">
+            <a:solidFill>
+              <a:schemeClr val="tx2">
+                <a:lumMod val="50000"/>
+              </a:schemeClr>
+            </a:solidFill>
+            <a:tailEnd type="triangle"/>
+          </a:ln>
+        </p:spPr>
+        <p:style>
+          <a:lnRef idx="2">
+            <a:schemeClr val="dk1"/>
+          </a:lnRef>
+          <a:fillRef idx="0">
+            <a:schemeClr val="dk1"/>
+          </a:fillRef>
+          <a:effectRef idx="1">
+            <a:schemeClr val="dk1"/>
+          </a:effectRef>
+          <a:fontRef idx="minor">
+            <a:schemeClr val="tx1"/>
+          </a:fontRef>
+        </p:style>
+      </p:cxnSp>
+      <p:grpSp>
+        <p:nvGrpSpPr>
+          <p:cNvPr id="158" name="Group 157">
+            <a:extLst>
+              <a:ext uri="{FF2B5EF4-FFF2-40B4-BE49-F238E27FC236}">
+                <a16:creationId xmlns:a16="http://schemas.microsoft.com/office/drawing/2014/main" id="{859693AD-4DD0-3EB8-D568-CE8B073DFCF5}"/>
+              </a:ext>
+            </a:extLst>
+          </p:cNvPr>
+          <p:cNvGrpSpPr/>
+          <p:nvPr/>
+        </p:nvGrpSpPr>
+        <p:grpSpPr>
+          <a:xfrm rot="10800000">
+            <a:off x="5463151" y="5129873"/>
+            <a:ext cx="190502" cy="500062"/>
+            <a:chOff x="9739311" y="4986338"/>
+            <a:chExt cx="190502" cy="500062"/>
+          </a:xfrm>
+        </p:grpSpPr>
+        <p:sp>
+          <p:nvSpPr>
+            <p:cNvPr id="159" name="Oval 158">
+              <a:extLst>
+                <a:ext uri="{FF2B5EF4-FFF2-40B4-BE49-F238E27FC236}">
+                  <a16:creationId xmlns:a16="http://schemas.microsoft.com/office/drawing/2014/main" id="{EE672E2F-E323-E7BD-E06D-ADA58BD63E79}"/>
+                </a:ext>
+              </a:extLst>
+            </p:cNvPr>
+            <p:cNvSpPr/>
+            <p:nvPr/>
+          </p:nvSpPr>
+          <p:spPr>
+            <a:xfrm>
+              <a:off x="9739311" y="5300663"/>
+              <a:ext cx="190502" cy="185737"/>
+            </a:xfrm>
+            <a:prstGeom prst="ellipse">
+              <a:avLst/>
+            </a:prstGeom>
+            <a:solidFill>
+              <a:schemeClr val="bg1"/>
+            </a:solidFill>
+            <a:ln w="28575">
+              <a:solidFill>
+                <a:schemeClr val="bg2">
+                  <a:lumMod val="25000"/>
+                </a:schemeClr>
+              </a:solidFill>
+            </a:ln>
+          </p:spPr>
+          <p:style>
+            <a:lnRef idx="2">
+              <a:schemeClr val="accent1">
+                <a:shade val="50000"/>
+              </a:schemeClr>
+            </a:lnRef>
+            <a:fillRef idx="1">
+              <a:schemeClr val="accent1"/>
+            </a:fillRef>
+            <a:effectRef idx="0">
+              <a:schemeClr val="accent1"/>
+            </a:effectRef>
+            <a:fontRef idx="minor">
+              <a:schemeClr val="lt1"/>
+            </a:fontRef>
+          </p:style>
+          <p:txBody>
+            <a:bodyPr rtlCol="0" anchor="ctr"/>
+            <a:lstStyle/>
+            <a:p>
+              <a:pPr algn="ctr"/>
+              <a:endParaRPr lang="en-US" sz="1200"/>
+            </a:p>
+          </p:txBody>
+        </p:sp>
+        <p:cxnSp>
+          <p:nvCxnSpPr>
+            <p:cNvPr id="160" name="Straight Connector 159">
+              <a:extLst>
+                <a:ext uri="{FF2B5EF4-FFF2-40B4-BE49-F238E27FC236}">
+                  <a16:creationId xmlns:a16="http://schemas.microsoft.com/office/drawing/2014/main" id="{3D59615D-BC2C-ECFE-142E-2F205A2E917B}"/>
+                </a:ext>
+              </a:extLst>
+            </p:cNvPr>
+            <p:cNvCxnSpPr>
+              <a:endCxn id="159" idx="0"/>
+            </p:cNvCxnSpPr>
+            <p:nvPr/>
+          </p:nvCxnSpPr>
+          <p:spPr>
+            <a:xfrm>
+              <a:off x="9834562" y="4986338"/>
+              <a:ext cx="0" cy="314325"/>
+            </a:xfrm>
+            <a:prstGeom prst="line">
+              <a:avLst/>
+            </a:prstGeom>
+            <a:ln w="28575">
+              <a:solidFill>
+                <a:schemeClr val="bg2">
+                  <a:lumMod val="25000"/>
+                </a:schemeClr>
+              </a:solidFill>
+            </a:ln>
+          </p:spPr>
+          <p:style>
+            <a:lnRef idx="1">
+              <a:schemeClr val="accent1"/>
+            </a:lnRef>
+            <a:fillRef idx="0">
+              <a:schemeClr val="accent1"/>
+            </a:fillRef>
+            <a:effectRef idx="0">
+              <a:schemeClr val="accent1"/>
+            </a:effectRef>
+            <a:fontRef idx="minor">
+              <a:schemeClr val="tx1"/>
+            </a:fontRef>
+          </p:style>
+        </p:cxnSp>
+      </p:grpSp>
+      <p:grpSp>
+        <p:nvGrpSpPr>
+          <p:cNvPr id="276" name="Group 275">
+            <a:extLst>
+              <a:ext uri="{FF2B5EF4-FFF2-40B4-BE49-F238E27FC236}">
+                <a16:creationId xmlns:a16="http://schemas.microsoft.com/office/drawing/2014/main" id="{13041870-CB49-9DE0-A2A4-F7B2155F8310}"/>
+              </a:ext>
+            </a:extLst>
+          </p:cNvPr>
+          <p:cNvGrpSpPr/>
+          <p:nvPr/>
+        </p:nvGrpSpPr>
+        <p:grpSpPr>
+          <a:xfrm>
+            <a:off x="193812" y="650878"/>
+            <a:ext cx="3326952" cy="1167271"/>
+            <a:chOff x="258418" y="842553"/>
+            <a:chExt cx="3326952" cy="1167271"/>
+          </a:xfrm>
+        </p:grpSpPr>
+        <p:sp>
+          <p:nvSpPr>
+            <p:cNvPr id="46" name="Rectangle 45">
+              <a:extLst>
+                <a:ext uri="{FF2B5EF4-FFF2-40B4-BE49-F238E27FC236}">
+                  <a16:creationId xmlns:a16="http://schemas.microsoft.com/office/drawing/2014/main" id="{848FCA5E-F082-C94B-B3B0-8121CB947B0B}"/>
+                </a:ext>
+              </a:extLst>
+            </p:cNvPr>
+            <p:cNvSpPr/>
+            <p:nvPr/>
+          </p:nvSpPr>
+          <p:spPr>
+            <a:xfrm>
+              <a:off x="258418" y="842553"/>
+              <a:ext cx="3326952" cy="1167271"/>
+            </a:xfrm>
+            <a:prstGeom prst="rect">
+              <a:avLst/>
+            </a:prstGeom>
+            <a:solidFill>
+              <a:schemeClr val="accent2"/>
+            </a:solidFill>
+            <a:ln>
+              <a:noFill/>
+            </a:ln>
+          </p:spPr>
+          <p:style>
+            <a:lnRef idx="2">
+              <a:schemeClr val="accent1">
+                <a:shade val="50000"/>
+              </a:schemeClr>
+            </a:lnRef>
+            <a:fillRef idx="1">
+              <a:schemeClr val="accent1"/>
+            </a:fillRef>
+            <a:effectRef idx="0">
+              <a:schemeClr val="accent1"/>
+            </a:effectRef>
+            <a:fontRef idx="minor">
+              <a:schemeClr val="lt1"/>
+            </a:fontRef>
+          </p:style>
+          <p:txBody>
+            <a:bodyPr rtlCol="0" anchor="t"/>
+            <a:lstStyle/>
+            <a:p>
+              <a:pPr algn="ctr"/>
+              <a:r>
+                <a:rPr lang="en-US" sz="1200" dirty="0"/>
+                <a:t>Health Gateway Browser App</a:t>
+              </a:r>
+            </a:p>
+          </p:txBody>
+        </p:sp>
+        <p:grpSp>
+          <p:nvGrpSpPr>
+            <p:cNvPr id="275" name="Group 274">
+              <a:extLst>
+                <a:ext uri="{FF2B5EF4-FFF2-40B4-BE49-F238E27FC236}">
+                  <a16:creationId xmlns:a16="http://schemas.microsoft.com/office/drawing/2014/main" id="{EE4C7035-B1AC-87EA-6949-F7BF932F56B4}"/>
+                </a:ext>
+              </a:extLst>
+            </p:cNvPr>
+            <p:cNvGrpSpPr/>
+            <p:nvPr/>
+          </p:nvGrpSpPr>
+          <p:grpSpPr>
+            <a:xfrm>
+              <a:off x="310666" y="1100866"/>
+              <a:ext cx="3187941" cy="522992"/>
+              <a:chOff x="628976" y="2940600"/>
+              <a:chExt cx="3187941" cy="522992"/>
+            </a:xfrm>
+          </p:grpSpPr>
+          <p:sp>
+            <p:nvSpPr>
+              <p:cNvPr id="113" name="Rectangle 112">
+                <a:extLst>
+                  <a:ext uri="{FF2B5EF4-FFF2-40B4-BE49-F238E27FC236}">
+                    <a16:creationId xmlns:a16="http://schemas.microsoft.com/office/drawing/2014/main" id="{1228378E-00CC-DD47-AA99-93EF0C36CF58}"/>
+                  </a:ext>
+                </a:extLst>
+              </p:cNvPr>
+              <p:cNvSpPr/>
+              <p:nvPr/>
+            </p:nvSpPr>
+            <p:spPr>
+              <a:xfrm>
+                <a:off x="638090" y="2940601"/>
+                <a:ext cx="962273" cy="232241"/>
+              </a:xfrm>
+              <a:prstGeom prst="rect">
+                <a:avLst/>
+              </a:prstGeom>
+              <a:ln>
+                <a:noFill/>
+              </a:ln>
+            </p:spPr>
+            <p:style>
+              <a:lnRef idx="2">
+                <a:schemeClr val="accent1">
+                  <a:shade val="50000"/>
+                </a:schemeClr>
+              </a:lnRef>
+              <a:fillRef idx="1">
+                <a:schemeClr val="accent1"/>
+              </a:fillRef>
+              <a:effectRef idx="0">
+                <a:schemeClr val="accent1"/>
+              </a:effectRef>
+              <a:fontRef idx="minor">
+                <a:schemeClr val="lt1"/>
+              </a:fontRef>
+            </p:style>
+            <p:txBody>
+              <a:bodyPr rtlCol="0" anchor="ctr"/>
+              <a:lstStyle/>
+              <a:p>
+                <a:pPr algn="ctr"/>
+                <a:r>
+                  <a:rPr lang="en-US" sz="1200" dirty="0"/>
+                  <a:t>Timeline</a:t>
+                </a:r>
+              </a:p>
+            </p:txBody>
+          </p:sp>
+          <p:sp>
+            <p:nvSpPr>
+              <p:cNvPr id="116" name="Rectangle 115">
+                <a:extLst>
+                  <a:ext uri="{FF2B5EF4-FFF2-40B4-BE49-F238E27FC236}">
+                    <a16:creationId xmlns:a16="http://schemas.microsoft.com/office/drawing/2014/main" id="{B27A7BE9-A486-3C44-9DA6-4FA14A8C4F70}"/>
+                  </a:ext>
+                </a:extLst>
+              </p:cNvPr>
+              <p:cNvSpPr/>
+              <p:nvPr/>
+            </p:nvSpPr>
+            <p:spPr>
+              <a:xfrm>
+                <a:off x="628976" y="3225444"/>
+                <a:ext cx="951604" cy="238148"/>
+              </a:xfrm>
+              <a:prstGeom prst="rect">
+                <a:avLst/>
+              </a:prstGeom>
+              <a:solidFill>
+                <a:schemeClr val="accent1">
+                  <a:lumMod val="60000"/>
+                  <a:lumOff val="40000"/>
+                </a:schemeClr>
+              </a:solidFill>
+              <a:ln>
+                <a:noFill/>
+              </a:ln>
+            </p:spPr>
+            <p:style>
+              <a:lnRef idx="2">
+                <a:schemeClr val="accent1">
+                  <a:shade val="50000"/>
+                </a:schemeClr>
+              </a:lnRef>
+              <a:fillRef idx="1">
+                <a:schemeClr val="accent1"/>
+              </a:fillRef>
+              <a:effectRef idx="0">
+                <a:schemeClr val="accent1"/>
+              </a:effectRef>
+              <a:fontRef idx="minor">
+                <a:schemeClr val="lt1"/>
+              </a:fontRef>
+            </p:style>
+            <p:txBody>
+              <a:bodyPr rtlCol="0" anchor="ctr"/>
+              <a:lstStyle/>
+              <a:p>
+                <a:pPr algn="ctr"/>
+                <a:r>
+                  <a:rPr lang="en-US" sz="1200" dirty="0"/>
+                  <a:t>User Profile</a:t>
+                </a:r>
+              </a:p>
+            </p:txBody>
+          </p:sp>
+          <p:sp>
+            <p:nvSpPr>
+              <p:cNvPr id="117" name="Rectangle 116">
+                <a:extLst>
+                  <a:ext uri="{FF2B5EF4-FFF2-40B4-BE49-F238E27FC236}">
+                    <a16:creationId xmlns:a16="http://schemas.microsoft.com/office/drawing/2014/main" id="{2E9032B9-457E-074E-B512-9D9002FCA6A1}"/>
+                  </a:ext>
+                </a:extLst>
+              </p:cNvPr>
+              <p:cNvSpPr/>
+              <p:nvPr/>
+            </p:nvSpPr>
+            <p:spPr>
+              <a:xfrm>
+                <a:off x="1642669" y="3231351"/>
+                <a:ext cx="1054654" cy="232241"/>
+              </a:xfrm>
+              <a:prstGeom prst="rect">
+                <a:avLst/>
+              </a:prstGeom>
+              <a:solidFill>
+                <a:schemeClr val="accent1">
+                  <a:lumMod val="60000"/>
+                  <a:lumOff val="40000"/>
+                </a:schemeClr>
+              </a:solidFill>
+              <a:ln>
+                <a:noFill/>
+              </a:ln>
+            </p:spPr>
+            <p:style>
+              <a:lnRef idx="2">
+                <a:schemeClr val="accent1">
+                  <a:shade val="50000"/>
+                </a:schemeClr>
+              </a:lnRef>
+              <a:fillRef idx="1">
+                <a:schemeClr val="accent1"/>
+              </a:fillRef>
+              <a:effectRef idx="0">
+                <a:schemeClr val="accent1"/>
+              </a:effectRef>
+              <a:fontRef idx="minor">
+                <a:schemeClr val="lt1"/>
+              </a:fontRef>
+            </p:style>
+            <p:txBody>
+              <a:bodyPr rtlCol="0" anchor="ctr"/>
+              <a:lstStyle/>
+              <a:p>
+                <a:pPr algn="ctr"/>
+                <a:r>
+                  <a:rPr lang="en-US" sz="1200" dirty="0"/>
+                  <a:t>Dependents</a:t>
+                </a:r>
+              </a:p>
+            </p:txBody>
+          </p:sp>
+          <p:sp>
+            <p:nvSpPr>
+              <p:cNvPr id="120" name="Rectangle 119">
+                <a:extLst>
+                  <a:ext uri="{FF2B5EF4-FFF2-40B4-BE49-F238E27FC236}">
+                    <a16:creationId xmlns:a16="http://schemas.microsoft.com/office/drawing/2014/main" id="{6D165E81-D8B5-AA40-9413-D5BE271B0E7C}"/>
+                  </a:ext>
+                </a:extLst>
+              </p:cNvPr>
+              <p:cNvSpPr/>
+              <p:nvPr/>
+            </p:nvSpPr>
+            <p:spPr>
+              <a:xfrm>
+                <a:off x="1642669" y="2958240"/>
+                <a:ext cx="1054654" cy="202571"/>
+              </a:xfrm>
+              <a:prstGeom prst="rect">
+                <a:avLst/>
+              </a:prstGeom>
+              <a:solidFill>
+                <a:schemeClr val="accent1">
+                  <a:lumMod val="60000"/>
+                  <a:lumOff val="40000"/>
+                </a:schemeClr>
+              </a:solidFill>
+              <a:ln>
+                <a:solidFill>
+                  <a:schemeClr val="tx1"/>
+                </a:solidFill>
+                <a:prstDash val="dash"/>
+              </a:ln>
+            </p:spPr>
+            <p:style>
+              <a:lnRef idx="2">
+                <a:schemeClr val="accent1">
+                  <a:shade val="50000"/>
+                </a:schemeClr>
+              </a:lnRef>
+              <a:fillRef idx="1">
+                <a:schemeClr val="accent1"/>
+              </a:fillRef>
+              <a:effectRef idx="0">
+                <a:schemeClr val="accent1"/>
+              </a:effectRef>
+              <a:fontRef idx="minor">
+                <a:schemeClr val="lt1"/>
+              </a:fontRef>
+            </p:style>
+            <p:txBody>
+              <a:bodyPr rtlCol="0" anchor="ctr"/>
+              <a:lstStyle/>
+              <a:p>
+                <a:pPr algn="ctr"/>
+                <a:r>
+                  <a:rPr lang="en-US" sz="1200" dirty="0">
+                    <a:solidFill>
+                      <a:schemeClr val="accent1">
+                        <a:lumMod val="75000"/>
+                      </a:schemeClr>
+                    </a:solidFill>
+                  </a:rPr>
+                  <a:t>Delegation</a:t>
+                </a:r>
+              </a:p>
+            </p:txBody>
+          </p:sp>
+          <p:sp>
+            <p:nvSpPr>
+              <p:cNvPr id="173" name="Rectangle 172">
+                <a:extLst>
+                  <a:ext uri="{FF2B5EF4-FFF2-40B4-BE49-F238E27FC236}">
+                    <a16:creationId xmlns:a16="http://schemas.microsoft.com/office/drawing/2014/main" id="{4980BF58-FAC7-8DA2-3757-228BFC0C157F}"/>
+                  </a:ext>
+                </a:extLst>
+              </p:cNvPr>
+              <p:cNvSpPr/>
+              <p:nvPr/>
+            </p:nvSpPr>
+            <p:spPr>
+              <a:xfrm>
+                <a:off x="2748603" y="2940600"/>
+                <a:ext cx="1054654" cy="232241"/>
+              </a:xfrm>
+              <a:prstGeom prst="rect">
+                <a:avLst/>
+              </a:prstGeom>
+              <a:ln>
+                <a:noFill/>
+              </a:ln>
+            </p:spPr>
+            <p:style>
+              <a:lnRef idx="2">
+                <a:schemeClr val="accent1">
+                  <a:shade val="50000"/>
+                </a:schemeClr>
+              </a:lnRef>
+              <a:fillRef idx="1">
+                <a:schemeClr val="accent1"/>
+              </a:fillRef>
+              <a:effectRef idx="0">
+                <a:schemeClr val="accent1"/>
+              </a:effectRef>
+              <a:fontRef idx="minor">
+                <a:schemeClr val="lt1"/>
+              </a:fontRef>
+            </p:style>
+            <p:txBody>
+              <a:bodyPr rtlCol="0" anchor="ctr"/>
+              <a:lstStyle/>
+              <a:p>
+                <a:pPr algn="ctr"/>
+                <a:r>
+                  <a:rPr lang="en-US" sz="1200" dirty="0"/>
+                  <a:t>COVID Labs</a:t>
+                </a:r>
+              </a:p>
+            </p:txBody>
+          </p:sp>
+          <p:sp>
+            <p:nvSpPr>
+              <p:cNvPr id="174" name="Rectangle 173">
+                <a:extLst>
+                  <a:ext uri="{FF2B5EF4-FFF2-40B4-BE49-F238E27FC236}">
+                    <a16:creationId xmlns:a16="http://schemas.microsoft.com/office/drawing/2014/main" id="{60145EFE-1C34-277F-319F-2D87B65BA871}"/>
+                  </a:ext>
+                </a:extLst>
+              </p:cNvPr>
+              <p:cNvSpPr/>
+              <p:nvPr/>
+            </p:nvSpPr>
+            <p:spPr>
+              <a:xfrm>
+                <a:off x="2762263" y="3224180"/>
+                <a:ext cx="1054654" cy="232241"/>
+              </a:xfrm>
+              <a:prstGeom prst="rect">
+                <a:avLst/>
+              </a:prstGeom>
+              <a:ln>
+                <a:noFill/>
+              </a:ln>
+            </p:spPr>
+            <p:style>
+              <a:lnRef idx="2">
+                <a:schemeClr val="accent1">
+                  <a:shade val="50000"/>
+                </a:schemeClr>
+              </a:lnRef>
+              <a:fillRef idx="1">
+                <a:schemeClr val="accent1"/>
+              </a:fillRef>
+              <a:effectRef idx="0">
+                <a:schemeClr val="accent1"/>
+              </a:effectRef>
+              <a:fontRef idx="minor">
+                <a:schemeClr val="lt1"/>
+              </a:fontRef>
+            </p:style>
+            <p:txBody>
+              <a:bodyPr rtlCol="0" anchor="ctr"/>
+              <a:lstStyle/>
+              <a:p>
+                <a:pPr algn="ctr"/>
+                <a:r>
+                  <a:rPr lang="en-US" sz="1200" dirty="0"/>
+                  <a:t>Vaccine Card</a:t>
+                </a:r>
+              </a:p>
+            </p:txBody>
+          </p:sp>
+        </p:grpSp>
+      </p:grpSp>
+      <p:cxnSp>
+        <p:nvCxnSpPr>
+          <p:cNvPr id="198" name="Elbow Connector 197">
+            <a:extLst>
+              <a:ext uri="{FF2B5EF4-FFF2-40B4-BE49-F238E27FC236}">
+                <a16:creationId xmlns:a16="http://schemas.microsoft.com/office/drawing/2014/main" id="{9104872B-8195-4278-3B9E-1322CFA16D87}"/>
+              </a:ext>
+            </a:extLst>
+          </p:cNvPr>
+          <p:cNvCxnSpPr>
+            <a:cxnSpLocks/>
+            <a:stCxn id="78" idx="2"/>
+            <a:endCxn id="142" idx="0"/>
+          </p:cNvCxnSpPr>
+          <p:nvPr/>
+        </p:nvCxnSpPr>
+        <p:spPr>
+          <a:xfrm rot="16200000" flipH="1">
+            <a:off x="6566550" y="4426725"/>
+            <a:ext cx="277744" cy="2904258"/>
+          </a:xfrm>
+          <a:prstGeom prst="bentConnector3">
+            <a:avLst>
+              <a:gd name="adj1" fmla="val 50000"/>
+            </a:avLst>
+          </a:prstGeom>
+          <a:ln w="25400">
+            <a:solidFill>
+              <a:schemeClr val="tx2">
+                <a:lumMod val="50000"/>
+              </a:schemeClr>
+            </a:solidFill>
+            <a:prstDash val="dash"/>
+            <a:tailEnd type="triangle"/>
+          </a:ln>
+        </p:spPr>
+        <p:style>
+          <a:lnRef idx="2">
+            <a:schemeClr val="dk1"/>
+          </a:lnRef>
+          <a:fillRef idx="0">
+            <a:schemeClr val="dk1"/>
+          </a:fillRef>
+          <a:effectRef idx="1">
+            <a:schemeClr val="dk1"/>
+          </a:effectRef>
+          <a:fontRef idx="minor">
+            <a:schemeClr val="tx1"/>
+          </a:fontRef>
+        </p:style>
+      </p:cxnSp>
+      <p:sp>
+        <p:nvSpPr>
+          <p:cNvPr id="226" name="Rectangle 225">
+            <a:extLst>
+              <a:ext uri="{FF2B5EF4-FFF2-40B4-BE49-F238E27FC236}">
+                <a16:creationId xmlns:a16="http://schemas.microsoft.com/office/drawing/2014/main" id="{25DE90C7-5422-2EBF-1658-9C33E7B6C8B9}"/>
+              </a:ext>
+            </a:extLst>
+          </p:cNvPr>
+          <p:cNvSpPr/>
+          <p:nvPr/>
+        </p:nvSpPr>
+        <p:spPr>
+          <a:xfrm>
+            <a:off x="8434253" y="4383140"/>
+            <a:ext cx="1242136" cy="401023"/>
+          </a:xfrm>
+          <a:prstGeom prst="rect">
+            <a:avLst/>
+          </a:prstGeom>
+          <a:solidFill>
+            <a:schemeClr val="accent2">
+              <a:lumMod val="60000"/>
+              <a:lumOff val="40000"/>
+            </a:schemeClr>
+          </a:solidFill>
+          <a:ln w="19050">
+            <a:solidFill>
+              <a:schemeClr val="tx1"/>
+            </a:solidFill>
+            <a:prstDash val="sysDot"/>
+          </a:ln>
+        </p:spPr>
+        <p:style>
+          <a:lnRef idx="2">
+            <a:schemeClr val="accent1">
+              <a:shade val="50000"/>
+            </a:schemeClr>
+          </a:lnRef>
+          <a:fillRef idx="1">
+            <a:schemeClr val="accent1"/>
+          </a:fillRef>
+          <a:effectRef idx="0">
+            <a:schemeClr val="accent1"/>
+          </a:effectRef>
+          <a:fontRef idx="minor">
+            <a:schemeClr val="lt1"/>
+          </a:fontRef>
+        </p:style>
+        <p:txBody>
+          <a:bodyPr rtlCol="0" anchor="ctr"/>
+          <a:lstStyle/>
+          <a:p>
+            <a:pPr algn="ctr"/>
+            <a:r>
+              <a:rPr lang="en-US" sz="1200" dirty="0"/>
+              <a:t>Prescriptions API</a:t>
+            </a:r>
+          </a:p>
+        </p:txBody>
+      </p:sp>
+      <p:cxnSp>
+        <p:nvCxnSpPr>
+          <p:cNvPr id="244" name="Elbow Connector 243">
+            <a:extLst>
+              <a:ext uri="{FF2B5EF4-FFF2-40B4-BE49-F238E27FC236}">
+                <a16:creationId xmlns:a16="http://schemas.microsoft.com/office/drawing/2014/main" id="{6B4BEDEC-0041-62D1-881A-1D81EE20FC21}"/>
+              </a:ext>
+            </a:extLst>
+          </p:cNvPr>
+          <p:cNvCxnSpPr>
+            <a:cxnSpLocks/>
+            <a:stCxn id="226" idx="2"/>
+            <a:endCxn id="248" idx="5"/>
+          </p:cNvCxnSpPr>
+          <p:nvPr/>
+        </p:nvCxnSpPr>
+        <p:spPr>
+          <a:xfrm rot="16200000" flipH="1">
+            <a:off x="9553541" y="4285942"/>
+            <a:ext cx="327040" cy="1323481"/>
+          </a:xfrm>
+          <a:prstGeom prst="bentConnector3">
+            <a:avLst>
+              <a:gd name="adj1" fmla="val 50000"/>
+            </a:avLst>
+          </a:prstGeom>
+          <a:ln w="25400">
+            <a:solidFill>
+              <a:schemeClr val="tx2">
+                <a:lumMod val="50000"/>
+              </a:schemeClr>
+            </a:solidFill>
+            <a:prstDash val="dash"/>
+            <a:tailEnd type="triangle"/>
+          </a:ln>
+        </p:spPr>
+        <p:style>
+          <a:lnRef idx="2">
+            <a:schemeClr val="dk1"/>
+          </a:lnRef>
+          <a:fillRef idx="0">
+            <a:schemeClr val="dk1"/>
+          </a:fillRef>
+          <a:effectRef idx="1">
+            <a:schemeClr val="dk1"/>
+          </a:effectRef>
+          <a:fontRef idx="minor">
+            <a:schemeClr val="tx1"/>
+          </a:fontRef>
+        </p:style>
+      </p:cxnSp>
+      <p:grpSp>
+        <p:nvGrpSpPr>
+          <p:cNvPr id="252" name="Group 251">
+            <a:extLst>
+              <a:ext uri="{FF2B5EF4-FFF2-40B4-BE49-F238E27FC236}">
+                <a16:creationId xmlns:a16="http://schemas.microsoft.com/office/drawing/2014/main" id="{FEEC8556-83EB-359C-B6FA-A9478BE44259}"/>
+              </a:ext>
+            </a:extLst>
+          </p:cNvPr>
+          <p:cNvGrpSpPr/>
+          <p:nvPr/>
+        </p:nvGrpSpPr>
+        <p:grpSpPr>
+          <a:xfrm rot="10800000">
+            <a:off x="7003023" y="5089205"/>
+            <a:ext cx="190502" cy="500062"/>
+            <a:chOff x="9739311" y="4986338"/>
+            <a:chExt cx="190502" cy="500062"/>
+          </a:xfrm>
+        </p:grpSpPr>
+        <p:sp>
+          <p:nvSpPr>
+            <p:cNvPr id="253" name="Oval 252">
+              <a:extLst>
+                <a:ext uri="{FF2B5EF4-FFF2-40B4-BE49-F238E27FC236}">
+                  <a16:creationId xmlns:a16="http://schemas.microsoft.com/office/drawing/2014/main" id="{A0186B28-6FB4-0BB9-CC93-2E8E7884FFB4}"/>
+                </a:ext>
+              </a:extLst>
+            </p:cNvPr>
+            <p:cNvSpPr/>
+            <p:nvPr/>
+          </p:nvSpPr>
+          <p:spPr>
+            <a:xfrm>
+              <a:off x="9739311" y="5300663"/>
+              <a:ext cx="190502" cy="185737"/>
+            </a:xfrm>
+            <a:prstGeom prst="ellipse">
+              <a:avLst/>
+            </a:prstGeom>
+            <a:solidFill>
+              <a:schemeClr val="bg1"/>
+            </a:solidFill>
+            <a:ln w="28575">
+              <a:solidFill>
+                <a:schemeClr val="bg2">
+                  <a:lumMod val="10000"/>
+                </a:schemeClr>
+              </a:solidFill>
+            </a:ln>
+          </p:spPr>
+          <p:style>
+            <a:lnRef idx="2">
+              <a:schemeClr val="accent1">
+                <a:shade val="50000"/>
+              </a:schemeClr>
+            </a:lnRef>
+            <a:fillRef idx="1">
+              <a:schemeClr val="accent1"/>
+            </a:fillRef>
+            <a:effectRef idx="0">
+              <a:schemeClr val="accent1"/>
+            </a:effectRef>
+            <a:fontRef idx="minor">
+              <a:schemeClr val="lt1"/>
+            </a:fontRef>
+          </p:style>
+          <p:txBody>
+            <a:bodyPr rtlCol="0" anchor="ctr"/>
+            <a:lstStyle/>
+            <a:p>
+              <a:pPr algn="ctr"/>
+              <a:endParaRPr lang="en-US" sz="1200"/>
+            </a:p>
+          </p:txBody>
+        </p:sp>
+        <p:cxnSp>
+          <p:nvCxnSpPr>
+            <p:cNvPr id="255" name="Straight Connector 254">
+              <a:extLst>
+                <a:ext uri="{FF2B5EF4-FFF2-40B4-BE49-F238E27FC236}">
+                  <a16:creationId xmlns:a16="http://schemas.microsoft.com/office/drawing/2014/main" id="{926EB50C-D240-85CB-D5B2-8D0F1CFE1F7B}"/>
+                </a:ext>
+              </a:extLst>
+            </p:cNvPr>
+            <p:cNvCxnSpPr>
+              <a:endCxn id="253" idx="0"/>
+            </p:cNvCxnSpPr>
+            <p:nvPr/>
+          </p:nvCxnSpPr>
+          <p:spPr>
+            <a:xfrm>
+              <a:off x="9834562" y="4986338"/>
+              <a:ext cx="0" cy="314325"/>
+            </a:xfrm>
+            <a:prstGeom prst="line">
+              <a:avLst/>
+            </a:prstGeom>
+            <a:ln w="28575">
+              <a:solidFill>
+                <a:schemeClr val="tx1"/>
+              </a:solidFill>
+            </a:ln>
+          </p:spPr>
+          <p:style>
+            <a:lnRef idx="1">
+              <a:schemeClr val="accent1"/>
+            </a:lnRef>
+            <a:fillRef idx="0">
+              <a:schemeClr val="accent1"/>
+            </a:fillRef>
+            <a:effectRef idx="0">
+              <a:schemeClr val="accent1"/>
+            </a:effectRef>
+            <a:fontRef idx="minor">
+              <a:schemeClr val="tx1"/>
+            </a:fontRef>
+          </p:style>
+        </p:cxnSp>
+      </p:grpSp>
+      <p:grpSp>
+        <p:nvGrpSpPr>
+          <p:cNvPr id="246" name="Group 245">
+            <a:extLst>
+              <a:ext uri="{FF2B5EF4-FFF2-40B4-BE49-F238E27FC236}">
+                <a16:creationId xmlns:a16="http://schemas.microsoft.com/office/drawing/2014/main" id="{8C02ECE1-CA70-567C-2627-B559E0204B02}"/>
+              </a:ext>
+            </a:extLst>
+          </p:cNvPr>
+          <p:cNvGrpSpPr/>
+          <p:nvPr/>
+        </p:nvGrpSpPr>
+        <p:grpSpPr>
+          <a:xfrm rot="10800000">
+            <a:off x="10350904" y="5084002"/>
+            <a:ext cx="190502" cy="500062"/>
+            <a:chOff x="9739311" y="4986338"/>
+            <a:chExt cx="190502" cy="500062"/>
+          </a:xfrm>
+        </p:grpSpPr>
+        <p:sp>
+          <p:nvSpPr>
+            <p:cNvPr id="248" name="Oval 247">
+              <a:extLst>
+                <a:ext uri="{FF2B5EF4-FFF2-40B4-BE49-F238E27FC236}">
+                  <a16:creationId xmlns:a16="http://schemas.microsoft.com/office/drawing/2014/main" id="{A06A6285-7590-9F7D-0C80-DC03EC3F2D19}"/>
+                </a:ext>
+              </a:extLst>
+            </p:cNvPr>
+            <p:cNvSpPr/>
+            <p:nvPr/>
+          </p:nvSpPr>
+          <p:spPr>
+            <a:xfrm>
+              <a:off x="9739311" y="5300663"/>
+              <a:ext cx="190502" cy="185737"/>
+            </a:xfrm>
+            <a:prstGeom prst="ellipse">
+              <a:avLst/>
+            </a:prstGeom>
+            <a:solidFill>
+              <a:schemeClr val="bg1"/>
+            </a:solidFill>
+            <a:ln w="28575">
+              <a:solidFill>
+                <a:schemeClr val="bg2">
+                  <a:lumMod val="10000"/>
+                </a:schemeClr>
+              </a:solidFill>
+            </a:ln>
+          </p:spPr>
+          <p:style>
+            <a:lnRef idx="2">
+              <a:schemeClr val="accent1">
+                <a:shade val="50000"/>
+              </a:schemeClr>
+            </a:lnRef>
+            <a:fillRef idx="1">
+              <a:schemeClr val="accent1"/>
+            </a:fillRef>
+            <a:effectRef idx="0">
+              <a:schemeClr val="accent1"/>
+            </a:effectRef>
+            <a:fontRef idx="minor">
+              <a:schemeClr val="lt1"/>
+            </a:fontRef>
+          </p:style>
+          <p:txBody>
+            <a:bodyPr rtlCol="0" anchor="ctr"/>
+            <a:lstStyle/>
+            <a:p>
+              <a:pPr algn="ctr"/>
+              <a:endParaRPr lang="en-US" sz="1200"/>
+            </a:p>
+          </p:txBody>
+        </p:sp>
+        <p:cxnSp>
+          <p:nvCxnSpPr>
+            <p:cNvPr id="249" name="Straight Connector 248">
+              <a:extLst>
+                <a:ext uri="{FF2B5EF4-FFF2-40B4-BE49-F238E27FC236}">
+                  <a16:creationId xmlns:a16="http://schemas.microsoft.com/office/drawing/2014/main" id="{FDE30A4A-3C65-05AE-B2B6-4FD657B95788}"/>
+                </a:ext>
+              </a:extLst>
+            </p:cNvPr>
+            <p:cNvCxnSpPr>
+              <a:endCxn id="248" idx="0"/>
+            </p:cNvCxnSpPr>
+            <p:nvPr/>
+          </p:nvCxnSpPr>
+          <p:spPr>
+            <a:xfrm>
+              <a:off x="9834562" y="4986338"/>
+              <a:ext cx="0" cy="314325"/>
+            </a:xfrm>
+            <a:prstGeom prst="line">
+              <a:avLst/>
+            </a:prstGeom>
+            <a:ln w="28575">
+              <a:solidFill>
+                <a:schemeClr val="tx1"/>
+              </a:solidFill>
+            </a:ln>
+          </p:spPr>
+          <p:style>
+            <a:lnRef idx="1">
+              <a:schemeClr val="accent1"/>
+            </a:lnRef>
+            <a:fillRef idx="0">
+              <a:schemeClr val="accent1"/>
+            </a:fillRef>
+            <a:effectRef idx="0">
+              <a:schemeClr val="accent1"/>
+            </a:effectRef>
+            <a:fontRef idx="minor">
+              <a:schemeClr val="tx1"/>
+            </a:fontRef>
+          </p:style>
+        </p:cxnSp>
+      </p:grpSp>
+      <p:sp>
+        <p:nvSpPr>
+          <p:cNvPr id="78" name="Rounded Rectangle 77">
+            <a:extLst>
+              <a:ext uri="{FF2B5EF4-FFF2-40B4-BE49-F238E27FC236}">
+                <a16:creationId xmlns:a16="http://schemas.microsoft.com/office/drawing/2014/main" id="{48CDB986-A204-B14A-81D7-D98BD2DB6D17}"/>
+              </a:ext>
+            </a:extLst>
+          </p:cNvPr>
+          <p:cNvSpPr/>
+          <p:nvPr/>
+        </p:nvSpPr>
+        <p:spPr>
+          <a:xfrm>
+            <a:off x="1780113" y="5408696"/>
+            <a:ext cx="6946359" cy="331286"/>
+          </a:xfrm>
+          <a:prstGeom prst="roundRect">
+            <a:avLst/>
+          </a:prstGeom>
+          <a:solidFill>
+            <a:schemeClr val="accent5">
+              <a:lumMod val="75000"/>
+            </a:schemeClr>
+          </a:solidFill>
+          <a:ln>
+            <a:noFill/>
+          </a:ln>
+        </p:spPr>
+        <p:style>
+          <a:lnRef idx="2">
+            <a:schemeClr val="accent1">
+              <a:shade val="50000"/>
+            </a:schemeClr>
+          </a:lnRef>
+          <a:fillRef idx="1">
+            <a:schemeClr val="accent1"/>
+          </a:fillRef>
+          <a:effectRef idx="0">
+            <a:schemeClr val="accent1"/>
+          </a:effectRef>
+          <a:fontRef idx="minor">
+            <a:schemeClr val="lt1"/>
+          </a:fontRef>
+        </p:style>
+        <p:txBody>
+          <a:bodyPr rtlCol="0" anchor="ctr"/>
+          <a:lstStyle/>
+          <a:p>
+            <a:pPr algn="ctr"/>
+            <a:r>
+              <a:rPr lang="en-US" sz="1200" dirty="0"/>
+              <a:t>PHSA API Layer</a:t>
+            </a:r>
+          </a:p>
+        </p:txBody>
+      </p:sp>
+      <p:grpSp>
+        <p:nvGrpSpPr>
+          <p:cNvPr id="329" name="Group 328">
+            <a:extLst>
+              <a:ext uri="{FF2B5EF4-FFF2-40B4-BE49-F238E27FC236}">
+                <a16:creationId xmlns:a16="http://schemas.microsoft.com/office/drawing/2014/main" id="{41C89989-185B-857C-D9E2-4F2CAF865DBB}"/>
+              </a:ext>
+            </a:extLst>
+          </p:cNvPr>
+          <p:cNvGrpSpPr/>
+          <p:nvPr/>
+        </p:nvGrpSpPr>
+        <p:grpSpPr>
+          <a:xfrm>
+            <a:off x="159389" y="4069774"/>
+            <a:ext cx="2762224" cy="831620"/>
+            <a:chOff x="192353" y="3322847"/>
+            <a:chExt cx="2620034" cy="831620"/>
+          </a:xfrm>
+        </p:grpSpPr>
+        <p:sp>
+          <p:nvSpPr>
+            <p:cNvPr id="256" name="Rounded Rectangle 255">
+              <a:extLst>
+                <a:ext uri="{FF2B5EF4-FFF2-40B4-BE49-F238E27FC236}">
+                  <a16:creationId xmlns:a16="http://schemas.microsoft.com/office/drawing/2014/main" id="{7ADBFBD2-AF72-3EE1-0951-5C26BD09E105}"/>
+                </a:ext>
+              </a:extLst>
+            </p:cNvPr>
+            <p:cNvSpPr/>
+            <p:nvPr/>
+          </p:nvSpPr>
+          <p:spPr>
+            <a:xfrm>
+              <a:off x="192353" y="3322847"/>
+              <a:ext cx="2620034" cy="831620"/>
+            </a:xfrm>
+            <a:prstGeom prst="roundRect">
+              <a:avLst>
+                <a:gd name="adj" fmla="val 2603"/>
+              </a:avLst>
+            </a:prstGeom>
+            <a:solidFill>
+              <a:schemeClr val="bg2"/>
+            </a:solidFill>
+            <a:ln>
+              <a:noFill/>
+            </a:ln>
+          </p:spPr>
+          <p:style>
+            <a:lnRef idx="2">
+              <a:schemeClr val="accent1">
+                <a:shade val="50000"/>
+              </a:schemeClr>
+            </a:lnRef>
+            <a:fillRef idx="1">
+              <a:schemeClr val="accent1"/>
+            </a:fillRef>
+            <a:effectRef idx="0">
+              <a:schemeClr val="accent1"/>
+            </a:effectRef>
+            <a:fontRef idx="minor">
+              <a:schemeClr val="lt1"/>
+            </a:fontRef>
+          </p:style>
+          <p:txBody>
+            <a:bodyPr rtlCol="0" anchor="t"/>
+            <a:lstStyle/>
+            <a:p>
+              <a:pPr algn="ctr"/>
+              <a:r>
+                <a:rPr lang="en-US" sz="1200" dirty="0">
+                  <a:solidFill>
+                    <a:schemeClr val="accent1">
+                      <a:lumMod val="50000"/>
+                    </a:schemeClr>
+                  </a:solidFill>
+                </a:rPr>
+                <a:t>HG App APIs</a:t>
+              </a:r>
+              <a:endParaRPr lang="en-US" sz="1200" dirty="0">
+                <a:solidFill>
+                  <a:schemeClr val="tx1">
+                    <a:lumMod val="50000"/>
+                    <a:lumOff val="50000"/>
+                  </a:schemeClr>
+                </a:solidFill>
+              </a:endParaRPr>
+            </a:p>
+          </p:txBody>
+        </p:sp>
+        <p:sp>
+          <p:nvSpPr>
+            <p:cNvPr id="273" name="Rectangle 272">
+              <a:extLst>
+                <a:ext uri="{FF2B5EF4-FFF2-40B4-BE49-F238E27FC236}">
+                  <a16:creationId xmlns:a16="http://schemas.microsoft.com/office/drawing/2014/main" id="{0BA57A46-7FCD-F852-B007-E2629379F317}"/>
+                </a:ext>
+              </a:extLst>
+            </p:cNvPr>
+            <p:cNvSpPr/>
+            <p:nvPr/>
+          </p:nvSpPr>
+          <p:spPr>
+            <a:xfrm>
+              <a:off x="277749" y="3642953"/>
+              <a:ext cx="1295316" cy="375446"/>
+            </a:xfrm>
+            <a:prstGeom prst="rect">
+              <a:avLst/>
+            </a:prstGeom>
+            <a:solidFill>
+              <a:schemeClr val="accent1">
+                <a:lumMod val="60000"/>
+                <a:lumOff val="40000"/>
+              </a:schemeClr>
+            </a:solidFill>
+            <a:ln>
+              <a:noFill/>
+            </a:ln>
+          </p:spPr>
+          <p:style>
+            <a:lnRef idx="2">
+              <a:schemeClr val="accent1">
+                <a:shade val="50000"/>
+              </a:schemeClr>
+            </a:lnRef>
+            <a:fillRef idx="1">
+              <a:schemeClr val="accent1"/>
+            </a:fillRef>
+            <a:effectRef idx="0">
+              <a:schemeClr val="accent1"/>
+            </a:effectRef>
+            <a:fontRef idx="minor">
+              <a:schemeClr val="lt1"/>
+            </a:fontRef>
+          </p:style>
+          <p:txBody>
+            <a:bodyPr rtlCol="0" anchor="ctr"/>
+            <a:lstStyle/>
+            <a:p>
+              <a:pPr algn="ctr"/>
+              <a:r>
+                <a:rPr lang="en-US" sz="1200" dirty="0"/>
+                <a:t>Dependents  API</a:t>
+              </a:r>
+            </a:p>
+          </p:txBody>
+        </p:sp>
+        <p:sp>
+          <p:nvSpPr>
+            <p:cNvPr id="274" name="Rectangle 273">
+              <a:extLst>
+                <a:ext uri="{FF2B5EF4-FFF2-40B4-BE49-F238E27FC236}">
+                  <a16:creationId xmlns:a16="http://schemas.microsoft.com/office/drawing/2014/main" id="{35134994-1EE9-51C4-6184-B0F7AB66EB7C}"/>
+                </a:ext>
+              </a:extLst>
+            </p:cNvPr>
+            <p:cNvSpPr/>
+            <p:nvPr/>
+          </p:nvSpPr>
+          <p:spPr>
+            <a:xfrm>
+              <a:off x="1668322" y="3622094"/>
+              <a:ext cx="1080373" cy="421835"/>
+            </a:xfrm>
+            <a:prstGeom prst="rect">
+              <a:avLst/>
+            </a:prstGeom>
+            <a:solidFill>
+              <a:schemeClr val="accent1">
+                <a:lumMod val="60000"/>
+                <a:lumOff val="40000"/>
+              </a:schemeClr>
+            </a:solidFill>
+            <a:ln>
+              <a:noFill/>
+            </a:ln>
+          </p:spPr>
+          <p:style>
+            <a:lnRef idx="2">
+              <a:schemeClr val="accent1">
+                <a:shade val="50000"/>
+              </a:schemeClr>
+            </a:lnRef>
+            <a:fillRef idx="1">
+              <a:schemeClr val="accent1"/>
+            </a:fillRef>
+            <a:effectRef idx="0">
+              <a:schemeClr val="accent1"/>
+            </a:effectRef>
+            <a:fontRef idx="minor">
+              <a:schemeClr val="lt1"/>
+            </a:fontRef>
+          </p:style>
+          <p:txBody>
+            <a:bodyPr rtlCol="0" anchor="ctr"/>
+            <a:lstStyle/>
+            <a:p>
+              <a:pPr algn="ctr"/>
+              <a:r>
+                <a:rPr lang="en-US" sz="1200" dirty="0"/>
+                <a:t>Profile API</a:t>
+              </a:r>
+            </a:p>
+          </p:txBody>
+        </p:sp>
+      </p:grpSp>
+      <p:sp>
+        <p:nvSpPr>
+          <p:cNvPr id="297" name="Rectangle 296">
+            <a:extLst>
+              <a:ext uri="{FF2B5EF4-FFF2-40B4-BE49-F238E27FC236}">
+                <a16:creationId xmlns:a16="http://schemas.microsoft.com/office/drawing/2014/main" id="{12966AF6-F54F-209A-918D-167099A40276}"/>
+              </a:ext>
+            </a:extLst>
+          </p:cNvPr>
+          <p:cNvSpPr/>
+          <p:nvPr/>
+        </p:nvSpPr>
+        <p:spPr>
+          <a:xfrm>
+            <a:off x="4032866" y="6009554"/>
+            <a:ext cx="1203264" cy="441966"/>
+          </a:xfrm>
+          <a:prstGeom prst="rect">
+            <a:avLst/>
+          </a:prstGeom>
+          <a:solidFill>
+            <a:schemeClr val="accent5">
+              <a:lumMod val="50000"/>
+            </a:schemeClr>
+          </a:solidFill>
+        </p:spPr>
+        <p:style>
+          <a:lnRef idx="2">
+            <a:schemeClr val="accent1">
+              <a:shade val="50000"/>
+            </a:schemeClr>
+          </a:lnRef>
+          <a:fillRef idx="1">
+            <a:schemeClr val="accent1"/>
+          </a:fillRef>
+          <a:effectRef idx="0">
+            <a:schemeClr val="accent1"/>
+          </a:effectRef>
+          <a:fontRef idx="minor">
+            <a:schemeClr val="lt1"/>
+          </a:fontRef>
+        </p:style>
+        <p:txBody>
+          <a:bodyPr rtlCol="0" anchor="ctr"/>
+          <a:lstStyle/>
+          <a:p>
+            <a:pPr algn="ctr"/>
+            <a:r>
+              <a:rPr lang="en-US" sz="1200" dirty="0"/>
+              <a:t>Vaccine SHC QR Cache</a:t>
+            </a:r>
+          </a:p>
+        </p:txBody>
+      </p:sp>
+      <p:sp>
+        <p:nvSpPr>
+          <p:cNvPr id="154" name="Rounded Rectangle 153">
+            <a:extLst>
+              <a:ext uri="{FF2B5EF4-FFF2-40B4-BE49-F238E27FC236}">
+                <a16:creationId xmlns:a16="http://schemas.microsoft.com/office/drawing/2014/main" id="{9FEFF7A6-A5DE-6C44-B727-506639FBDA5E}"/>
+              </a:ext>
+            </a:extLst>
+          </p:cNvPr>
+          <p:cNvSpPr/>
+          <p:nvPr/>
+        </p:nvSpPr>
+        <p:spPr>
+          <a:xfrm>
+            <a:off x="10206997" y="5402685"/>
+            <a:ext cx="1676282" cy="327074"/>
+          </a:xfrm>
+          <a:prstGeom prst="roundRect">
+            <a:avLst/>
+          </a:prstGeom>
+          <a:solidFill>
+            <a:schemeClr val="accent5">
+              <a:lumMod val="75000"/>
+            </a:schemeClr>
+          </a:solidFill>
+          <a:ln>
+            <a:noFill/>
+          </a:ln>
+        </p:spPr>
+        <p:style>
+          <a:lnRef idx="2">
+            <a:schemeClr val="accent1">
+              <a:shade val="50000"/>
+            </a:schemeClr>
+          </a:lnRef>
+          <a:fillRef idx="1">
+            <a:schemeClr val="accent1"/>
+          </a:fillRef>
+          <a:effectRef idx="0">
+            <a:schemeClr val="accent1"/>
+          </a:effectRef>
+          <a:fontRef idx="minor">
+            <a:schemeClr val="lt1"/>
+          </a:fontRef>
+        </p:style>
+        <p:txBody>
+          <a:bodyPr rtlCol="0" anchor="ctr"/>
+          <a:lstStyle/>
+          <a:p>
+            <a:pPr algn="ctr"/>
+            <a:r>
+              <a:rPr lang="en-US" sz="1200" dirty="0"/>
+              <a:t>HIBC APIs (Proxy)</a:t>
+            </a:r>
+          </a:p>
+        </p:txBody>
+      </p:sp>
+      <p:sp>
+        <p:nvSpPr>
+          <p:cNvPr id="335" name="Rounded Rectangle 334">
+            <a:extLst>
+              <a:ext uri="{FF2B5EF4-FFF2-40B4-BE49-F238E27FC236}">
+                <a16:creationId xmlns:a16="http://schemas.microsoft.com/office/drawing/2014/main" id="{0D36DFC7-D6A2-4FA7-4113-56B864B3FA28}"/>
+              </a:ext>
+            </a:extLst>
+          </p:cNvPr>
+          <p:cNvSpPr/>
+          <p:nvPr/>
+        </p:nvSpPr>
+        <p:spPr>
+          <a:xfrm>
+            <a:off x="177487" y="2560125"/>
+            <a:ext cx="9019140" cy="1009882"/>
+          </a:xfrm>
+          <a:prstGeom prst="roundRect">
+            <a:avLst>
+              <a:gd name="adj" fmla="val 8263"/>
+            </a:avLst>
+          </a:prstGeom>
+          <a:solidFill>
+            <a:schemeClr val="accent5">
+              <a:lumMod val="20000"/>
+              <a:lumOff val="80000"/>
+            </a:schemeClr>
+          </a:solidFill>
+          <a:ln>
+            <a:noFill/>
+          </a:ln>
+        </p:spPr>
+        <p:style>
+          <a:lnRef idx="2">
+            <a:schemeClr val="accent1">
+              <a:shade val="50000"/>
+            </a:schemeClr>
+          </a:lnRef>
+          <a:fillRef idx="1">
+            <a:schemeClr val="accent1"/>
+          </a:fillRef>
+          <a:effectRef idx="0">
+            <a:schemeClr val="accent1"/>
+          </a:effectRef>
+          <a:fontRef idx="minor">
+            <a:schemeClr val="lt1"/>
+          </a:fontRef>
+        </p:style>
+        <p:txBody>
+          <a:bodyPr rtlCol="0" anchor="t"/>
+          <a:lstStyle/>
+          <a:p>
+            <a:pPr algn="ctr"/>
+            <a:r>
+              <a:rPr lang="en-US" sz="1200" dirty="0">
+                <a:solidFill>
+                  <a:schemeClr val="tx1">
+                    <a:lumMod val="50000"/>
+                    <a:lumOff val="50000"/>
+                  </a:schemeClr>
+                </a:solidFill>
+              </a:rPr>
+              <a:t>Kong API Management Services (https://hg-</a:t>
+            </a:r>
+            <a:r>
+              <a:rPr lang="en-US" sz="1200" dirty="0" err="1">
+                <a:solidFill>
+                  <a:schemeClr val="tx1">
+                    <a:lumMod val="50000"/>
+                    <a:lumOff val="50000"/>
+                  </a:schemeClr>
+                </a:solidFill>
+              </a:rPr>
+              <a:t>api.gov.bc.ca</a:t>
+            </a:r>
+            <a:r>
+              <a:rPr lang="en-US" sz="1200" dirty="0">
+                <a:solidFill>
+                  <a:schemeClr val="tx1">
+                    <a:lumMod val="50000"/>
+                    <a:lumOff val="50000"/>
+                  </a:schemeClr>
+                </a:solidFill>
+              </a:rPr>
+              <a:t>/*)</a:t>
+            </a:r>
+          </a:p>
+          <a:p>
+            <a:pPr algn="ctr"/>
+            <a:endParaRPr lang="en-US" sz="1200" dirty="0">
+              <a:solidFill>
+                <a:schemeClr val="tx1">
+                  <a:lumMod val="50000"/>
+                  <a:lumOff val="50000"/>
+                </a:schemeClr>
+              </a:solidFill>
+            </a:endParaRPr>
+          </a:p>
+        </p:txBody>
+      </p:sp>
+      <p:sp>
+        <p:nvSpPr>
+          <p:cNvPr id="350" name="Rectangle 349">
+            <a:extLst>
+              <a:ext uri="{FF2B5EF4-FFF2-40B4-BE49-F238E27FC236}">
+                <a16:creationId xmlns:a16="http://schemas.microsoft.com/office/drawing/2014/main" id="{7B114437-5260-F9FF-A5A7-D27A98801988}"/>
+              </a:ext>
+            </a:extLst>
+          </p:cNvPr>
+          <p:cNvSpPr/>
+          <p:nvPr/>
+        </p:nvSpPr>
+        <p:spPr>
+          <a:xfrm>
+            <a:off x="257315" y="2909607"/>
+            <a:ext cx="1205484" cy="529530"/>
+          </a:xfrm>
+          <a:prstGeom prst="rect">
+            <a:avLst/>
+          </a:prstGeom>
+          <a:solidFill>
+            <a:schemeClr val="accent2">
+              <a:lumMod val="20000"/>
+              <a:lumOff val="80000"/>
+            </a:schemeClr>
+          </a:solidFill>
+          <a:ln>
+            <a:noFill/>
+          </a:ln>
+        </p:spPr>
+        <p:style>
+          <a:lnRef idx="2">
+            <a:schemeClr val="accent1">
+              <a:shade val="50000"/>
+            </a:schemeClr>
+          </a:lnRef>
+          <a:fillRef idx="1">
+            <a:schemeClr val="accent1"/>
+          </a:fillRef>
+          <a:effectRef idx="0">
+            <a:schemeClr val="accent1"/>
+          </a:effectRef>
+          <a:fontRef idx="minor">
+            <a:schemeClr val="lt1"/>
+          </a:fontRef>
+        </p:style>
+        <p:txBody>
+          <a:bodyPr rtlCol="0" anchor="ctr"/>
+          <a:lstStyle/>
+          <a:p>
+            <a:pPr algn="ctr"/>
+            <a:r>
+              <a:rPr lang="en-US" sz="1200" dirty="0">
+                <a:solidFill>
+                  <a:schemeClr val="bg2">
+                    <a:lumMod val="25000"/>
+                  </a:schemeClr>
+                </a:solidFill>
+              </a:rPr>
+              <a:t>Authorization</a:t>
+            </a:r>
+          </a:p>
+        </p:txBody>
+      </p:sp>
+      <p:sp>
+        <p:nvSpPr>
+          <p:cNvPr id="351" name="Rectangle 350">
+            <a:extLst>
+              <a:ext uri="{FF2B5EF4-FFF2-40B4-BE49-F238E27FC236}">
+                <a16:creationId xmlns:a16="http://schemas.microsoft.com/office/drawing/2014/main" id="{2F4997DC-BE26-DB9B-1AB9-35CF1109071F}"/>
+              </a:ext>
+            </a:extLst>
+          </p:cNvPr>
+          <p:cNvSpPr/>
+          <p:nvPr/>
+        </p:nvSpPr>
+        <p:spPr>
+          <a:xfrm>
+            <a:off x="1523832" y="2907454"/>
+            <a:ext cx="1205484" cy="529530"/>
+          </a:xfrm>
+          <a:prstGeom prst="rect">
+            <a:avLst/>
+          </a:prstGeom>
+          <a:solidFill>
+            <a:srgbClr val="E4C1FE"/>
+          </a:solidFill>
+          <a:ln>
+            <a:noFill/>
+          </a:ln>
+        </p:spPr>
+        <p:style>
+          <a:lnRef idx="2">
+            <a:schemeClr val="accent1">
+              <a:shade val="50000"/>
+            </a:schemeClr>
+          </a:lnRef>
+          <a:fillRef idx="1">
+            <a:schemeClr val="accent1"/>
+          </a:fillRef>
+          <a:effectRef idx="0">
+            <a:schemeClr val="accent1"/>
+          </a:effectRef>
+          <a:fontRef idx="minor">
+            <a:schemeClr val="lt1"/>
+          </a:fontRef>
+        </p:style>
+        <p:txBody>
+          <a:bodyPr rtlCol="0" anchor="ctr"/>
+          <a:lstStyle/>
+          <a:p>
+            <a:pPr algn="ctr"/>
+            <a:r>
+              <a:rPr lang="en-US" sz="1200" dirty="0">
+                <a:solidFill>
+                  <a:schemeClr val="bg2">
+                    <a:lumMod val="25000"/>
+                  </a:schemeClr>
+                </a:solidFill>
+              </a:rPr>
+              <a:t>Security</a:t>
+            </a:r>
+          </a:p>
+        </p:txBody>
+      </p:sp>
+      <p:sp>
+        <p:nvSpPr>
+          <p:cNvPr id="352" name="Rectangle 351">
+            <a:extLst>
+              <a:ext uri="{FF2B5EF4-FFF2-40B4-BE49-F238E27FC236}">
+                <a16:creationId xmlns:a16="http://schemas.microsoft.com/office/drawing/2014/main" id="{033943E1-3A52-2D44-B784-235204C739EC}"/>
+              </a:ext>
+            </a:extLst>
+          </p:cNvPr>
+          <p:cNvSpPr/>
+          <p:nvPr/>
+        </p:nvSpPr>
+        <p:spPr>
+          <a:xfrm>
+            <a:off x="2778336" y="2905764"/>
+            <a:ext cx="1205484" cy="529530"/>
+          </a:xfrm>
+          <a:prstGeom prst="rect">
+            <a:avLst/>
+          </a:prstGeom>
+          <a:solidFill>
+            <a:schemeClr val="accent6">
+              <a:lumMod val="20000"/>
+              <a:lumOff val="80000"/>
+            </a:schemeClr>
+          </a:solidFill>
+          <a:ln>
+            <a:noFill/>
+          </a:ln>
+        </p:spPr>
+        <p:style>
+          <a:lnRef idx="2">
+            <a:schemeClr val="accent1">
+              <a:shade val="50000"/>
+            </a:schemeClr>
+          </a:lnRef>
+          <a:fillRef idx="1">
+            <a:schemeClr val="accent1"/>
+          </a:fillRef>
+          <a:effectRef idx="0">
+            <a:schemeClr val="accent1"/>
+          </a:effectRef>
+          <a:fontRef idx="minor">
+            <a:schemeClr val="lt1"/>
+          </a:fontRef>
+        </p:style>
+        <p:txBody>
+          <a:bodyPr rtlCol="0" anchor="ctr"/>
+          <a:lstStyle/>
+          <a:p>
+            <a:pPr algn="ctr"/>
+            <a:r>
+              <a:rPr lang="en-US" sz="1200" dirty="0">
+                <a:solidFill>
+                  <a:schemeClr val="bg2">
+                    <a:lumMod val="25000"/>
+                  </a:schemeClr>
+                </a:solidFill>
+              </a:rPr>
+              <a:t>Monitoring</a:t>
+            </a:r>
+          </a:p>
+        </p:txBody>
+      </p:sp>
+      <p:sp>
+        <p:nvSpPr>
+          <p:cNvPr id="353" name="Rectangle 352">
+            <a:extLst>
+              <a:ext uri="{FF2B5EF4-FFF2-40B4-BE49-F238E27FC236}">
+                <a16:creationId xmlns:a16="http://schemas.microsoft.com/office/drawing/2014/main" id="{9BA2900B-70B2-57BC-CC5B-31493830B73A}"/>
+              </a:ext>
+            </a:extLst>
+          </p:cNvPr>
+          <p:cNvSpPr/>
+          <p:nvPr/>
+        </p:nvSpPr>
+        <p:spPr>
+          <a:xfrm>
+            <a:off x="4027759" y="2902111"/>
+            <a:ext cx="1205484" cy="529530"/>
+          </a:xfrm>
+          <a:prstGeom prst="rect">
+            <a:avLst/>
+          </a:prstGeom>
+          <a:solidFill>
+            <a:schemeClr val="accent2">
+              <a:lumMod val="40000"/>
+              <a:lumOff val="60000"/>
+            </a:schemeClr>
+          </a:solidFill>
+          <a:ln>
+            <a:noFill/>
+          </a:ln>
+        </p:spPr>
+        <p:style>
+          <a:lnRef idx="2">
+            <a:schemeClr val="accent1">
+              <a:shade val="50000"/>
+            </a:schemeClr>
+          </a:lnRef>
+          <a:fillRef idx="1">
+            <a:schemeClr val="accent1"/>
+          </a:fillRef>
+          <a:effectRef idx="0">
+            <a:schemeClr val="accent1"/>
+          </a:effectRef>
+          <a:fontRef idx="minor">
+            <a:schemeClr val="lt1"/>
+          </a:fontRef>
+        </p:style>
+        <p:txBody>
+          <a:bodyPr rtlCol="0" anchor="ctr"/>
+          <a:lstStyle/>
+          <a:p>
+            <a:pPr algn="ctr"/>
+            <a:r>
+              <a:rPr lang="en-US" sz="1200" dirty="0">
+                <a:solidFill>
+                  <a:schemeClr val="bg2">
+                    <a:lumMod val="25000"/>
+                  </a:schemeClr>
+                </a:solidFill>
+              </a:rPr>
+              <a:t>Rate-Limiting</a:t>
+            </a:r>
+          </a:p>
+        </p:txBody>
+      </p:sp>
+      <p:sp>
+        <p:nvSpPr>
+          <p:cNvPr id="354" name="Rectangle 353">
+            <a:extLst>
+              <a:ext uri="{FF2B5EF4-FFF2-40B4-BE49-F238E27FC236}">
+                <a16:creationId xmlns:a16="http://schemas.microsoft.com/office/drawing/2014/main" id="{7E58DE43-1816-9F8D-98CA-8EAD3D311B61}"/>
+              </a:ext>
+            </a:extLst>
+          </p:cNvPr>
+          <p:cNvSpPr/>
+          <p:nvPr/>
+        </p:nvSpPr>
+        <p:spPr>
+          <a:xfrm>
+            <a:off x="5300630" y="2898134"/>
+            <a:ext cx="1205484" cy="529530"/>
+          </a:xfrm>
+          <a:prstGeom prst="rect">
+            <a:avLst/>
+          </a:prstGeom>
+          <a:solidFill>
+            <a:schemeClr val="accent6">
+              <a:lumMod val="20000"/>
+              <a:lumOff val="80000"/>
+            </a:schemeClr>
+          </a:solidFill>
+          <a:ln>
+            <a:noFill/>
+          </a:ln>
+        </p:spPr>
+        <p:style>
+          <a:lnRef idx="2">
+            <a:schemeClr val="accent1">
+              <a:shade val="50000"/>
+            </a:schemeClr>
+          </a:lnRef>
+          <a:fillRef idx="1">
+            <a:schemeClr val="accent1"/>
+          </a:fillRef>
+          <a:effectRef idx="0">
+            <a:schemeClr val="accent1"/>
+          </a:effectRef>
+          <a:fontRef idx="minor">
+            <a:schemeClr val="lt1"/>
+          </a:fontRef>
+        </p:style>
+        <p:txBody>
+          <a:bodyPr rtlCol="0" anchor="ctr"/>
+          <a:lstStyle/>
+          <a:p>
+            <a:pPr algn="ctr"/>
+            <a:r>
+              <a:rPr lang="en-US" sz="1200" dirty="0">
+                <a:solidFill>
+                  <a:schemeClr val="bg2">
+                    <a:lumMod val="25000"/>
+                  </a:schemeClr>
+                </a:solidFill>
+              </a:rPr>
+              <a:t>Caching</a:t>
+            </a:r>
+          </a:p>
+        </p:txBody>
+      </p:sp>
+      <p:sp>
+        <p:nvSpPr>
+          <p:cNvPr id="355" name="Rectangle 354">
+            <a:extLst>
+              <a:ext uri="{FF2B5EF4-FFF2-40B4-BE49-F238E27FC236}">
+                <a16:creationId xmlns:a16="http://schemas.microsoft.com/office/drawing/2014/main" id="{9085F2D3-46E2-30A2-026A-C9A73184DAE7}"/>
+              </a:ext>
+            </a:extLst>
+          </p:cNvPr>
+          <p:cNvSpPr/>
+          <p:nvPr/>
+        </p:nvSpPr>
+        <p:spPr>
+          <a:xfrm>
+            <a:off x="6573501" y="2905764"/>
+            <a:ext cx="1205484" cy="529530"/>
+          </a:xfrm>
+          <a:prstGeom prst="rect">
+            <a:avLst/>
+          </a:prstGeom>
+          <a:solidFill>
+            <a:srgbClr val="F7D7FD"/>
+          </a:solidFill>
+          <a:ln>
+            <a:noFill/>
+          </a:ln>
+        </p:spPr>
+        <p:style>
+          <a:lnRef idx="2">
+            <a:schemeClr val="accent1">
+              <a:shade val="50000"/>
+            </a:schemeClr>
+          </a:lnRef>
+          <a:fillRef idx="1">
+            <a:schemeClr val="accent1"/>
+          </a:fillRef>
+          <a:effectRef idx="0">
+            <a:schemeClr val="accent1"/>
+          </a:effectRef>
+          <a:fontRef idx="minor">
+            <a:schemeClr val="lt1"/>
+          </a:fontRef>
+        </p:style>
+        <p:txBody>
+          <a:bodyPr rtlCol="0" anchor="ctr"/>
+          <a:lstStyle/>
+          <a:p>
+            <a:pPr algn="ctr"/>
+            <a:r>
+              <a:rPr lang="en-US" sz="1200" dirty="0">
+                <a:solidFill>
+                  <a:schemeClr val="bg2">
+                    <a:lumMod val="25000"/>
+                  </a:schemeClr>
+                </a:solidFill>
+              </a:rPr>
+              <a:t>ACL</a:t>
+            </a:r>
+          </a:p>
+        </p:txBody>
+      </p:sp>
+      <p:sp>
+        <p:nvSpPr>
+          <p:cNvPr id="356" name="Rectangle 355">
+            <a:extLst>
+              <a:ext uri="{FF2B5EF4-FFF2-40B4-BE49-F238E27FC236}">
+                <a16:creationId xmlns:a16="http://schemas.microsoft.com/office/drawing/2014/main" id="{986B242F-253A-0C17-055B-6A4DDA881B75}"/>
+              </a:ext>
+            </a:extLst>
+          </p:cNvPr>
+          <p:cNvSpPr/>
+          <p:nvPr/>
+        </p:nvSpPr>
+        <p:spPr>
+          <a:xfrm>
+            <a:off x="7844537" y="2905160"/>
+            <a:ext cx="1205484" cy="529530"/>
+          </a:xfrm>
+          <a:prstGeom prst="rect">
+            <a:avLst/>
+          </a:prstGeom>
+          <a:solidFill>
+            <a:schemeClr val="accent5">
+              <a:lumMod val="40000"/>
+              <a:lumOff val="60000"/>
+            </a:schemeClr>
+          </a:solidFill>
+          <a:ln>
+            <a:noFill/>
+          </a:ln>
+        </p:spPr>
+        <p:style>
+          <a:lnRef idx="2">
+            <a:schemeClr val="accent1">
+              <a:shade val="50000"/>
+            </a:schemeClr>
+          </a:lnRef>
+          <a:fillRef idx="1">
+            <a:schemeClr val="accent1"/>
+          </a:fillRef>
+          <a:effectRef idx="0">
+            <a:schemeClr val="accent1"/>
+          </a:effectRef>
+          <a:fontRef idx="minor">
+            <a:schemeClr val="lt1"/>
+          </a:fontRef>
+        </p:style>
+        <p:txBody>
+          <a:bodyPr rtlCol="0" anchor="ctr"/>
+          <a:lstStyle/>
+          <a:p>
+            <a:pPr algn="ctr"/>
+            <a:r>
+              <a:rPr lang="en-US" sz="1200" dirty="0">
+                <a:solidFill>
+                  <a:schemeClr val="bg2">
+                    <a:lumMod val="25000"/>
+                  </a:schemeClr>
+                </a:solidFill>
+              </a:rPr>
+              <a:t>Logging</a:t>
+            </a:r>
+          </a:p>
+        </p:txBody>
+      </p:sp>
+      <p:sp>
+        <p:nvSpPr>
+          <p:cNvPr id="102" name="Rectangle 101">
+            <a:extLst>
+              <a:ext uri="{FF2B5EF4-FFF2-40B4-BE49-F238E27FC236}">
+                <a16:creationId xmlns:a16="http://schemas.microsoft.com/office/drawing/2014/main" id="{98A11F1A-B029-BD89-7733-BDB93B88A77B}"/>
+              </a:ext>
+            </a:extLst>
+          </p:cNvPr>
+          <p:cNvSpPr/>
+          <p:nvPr/>
+        </p:nvSpPr>
+        <p:spPr>
+          <a:xfrm>
+            <a:off x="4038832" y="898822"/>
+            <a:ext cx="982098" cy="294899"/>
+          </a:xfrm>
+          <a:prstGeom prst="rect">
+            <a:avLst/>
+          </a:prstGeom>
+          <a:solidFill>
+            <a:schemeClr val="accent1">
+              <a:lumMod val="60000"/>
+              <a:lumOff val="40000"/>
+            </a:schemeClr>
+          </a:solidFill>
+          <a:ln>
+            <a:noFill/>
+          </a:ln>
+        </p:spPr>
+        <p:style>
+          <a:lnRef idx="2">
+            <a:schemeClr val="accent1">
+              <a:shade val="50000"/>
+            </a:schemeClr>
+          </a:lnRef>
+          <a:fillRef idx="1">
+            <a:schemeClr val="accent1"/>
+          </a:fillRef>
+          <a:effectRef idx="0">
+            <a:schemeClr val="accent1"/>
+          </a:effectRef>
+          <a:fontRef idx="minor">
+            <a:schemeClr val="lt1"/>
+          </a:fontRef>
+        </p:style>
+        <p:txBody>
+          <a:bodyPr rtlCol="0" anchor="ctr"/>
+          <a:lstStyle/>
+          <a:p>
+            <a:pPr algn="ctr"/>
+            <a:r>
+              <a:rPr lang="en-US" sz="1200" dirty="0"/>
+              <a:t>Service Desk</a:t>
+            </a:r>
+          </a:p>
+        </p:txBody>
+      </p:sp>
+      <p:sp>
+        <p:nvSpPr>
+          <p:cNvPr id="104" name="Rectangle 103">
+            <a:extLst>
+              <a:ext uri="{FF2B5EF4-FFF2-40B4-BE49-F238E27FC236}">
+                <a16:creationId xmlns:a16="http://schemas.microsoft.com/office/drawing/2014/main" id="{4D22C218-2B0E-2913-E3E8-DC7802B93D9F}"/>
+              </a:ext>
+            </a:extLst>
+          </p:cNvPr>
+          <p:cNvSpPr/>
+          <p:nvPr/>
+        </p:nvSpPr>
+        <p:spPr>
+          <a:xfrm>
+            <a:off x="5077106" y="1270083"/>
+            <a:ext cx="1248065" cy="276999"/>
+          </a:xfrm>
+          <a:prstGeom prst="rect">
+            <a:avLst/>
+          </a:prstGeom>
+          <a:solidFill>
+            <a:schemeClr val="accent1">
+              <a:lumMod val="60000"/>
+              <a:lumOff val="40000"/>
+            </a:schemeClr>
+          </a:solidFill>
+          <a:ln>
+            <a:noFill/>
+          </a:ln>
+        </p:spPr>
+        <p:style>
+          <a:lnRef idx="2">
+            <a:schemeClr val="accent1">
+              <a:shade val="50000"/>
+            </a:schemeClr>
+          </a:lnRef>
+          <a:fillRef idx="1">
+            <a:schemeClr val="accent1"/>
+          </a:fillRef>
+          <a:effectRef idx="0">
+            <a:schemeClr val="accent1"/>
+          </a:effectRef>
+          <a:fontRef idx="minor">
+            <a:schemeClr val="lt1"/>
+          </a:fontRef>
+        </p:style>
+        <p:txBody>
+          <a:bodyPr rtlCol="0" anchor="ctr"/>
+          <a:lstStyle/>
+          <a:p>
+            <a:pPr algn="ctr"/>
+            <a:r>
+              <a:rPr lang="en-US" sz="1200" dirty="0"/>
+              <a:t>Notice </a:t>
+            </a:r>
+            <a:r>
+              <a:rPr lang="en-US" sz="1200" dirty="0" err="1"/>
+              <a:t>Mgmt</a:t>
+            </a:r>
+            <a:endParaRPr lang="en-US" sz="1200" dirty="0"/>
+          </a:p>
+        </p:txBody>
+      </p:sp>
+      <p:cxnSp>
+        <p:nvCxnSpPr>
+          <p:cNvPr id="112" name="Elbow Connector 111">
+            <a:extLst>
+              <a:ext uri="{FF2B5EF4-FFF2-40B4-BE49-F238E27FC236}">
+                <a16:creationId xmlns:a16="http://schemas.microsoft.com/office/drawing/2014/main" id="{FAF3627B-5C9B-6359-6A6B-803C4433F805}"/>
+              </a:ext>
+            </a:extLst>
+          </p:cNvPr>
+          <p:cNvCxnSpPr>
+            <a:cxnSpLocks/>
+            <a:stCxn id="335" idx="2"/>
+            <a:endCxn id="103" idx="0"/>
+          </p:cNvCxnSpPr>
+          <p:nvPr/>
+        </p:nvCxnSpPr>
+        <p:spPr>
+          <a:xfrm rot="16200000" flipH="1">
+            <a:off x="5178941" y="3078123"/>
+            <a:ext cx="411736" cy="1395504"/>
+          </a:xfrm>
+          <a:prstGeom prst="bentConnector3">
+            <a:avLst>
+              <a:gd name="adj1" fmla="val 50000"/>
+            </a:avLst>
+          </a:prstGeom>
+          <a:ln w="44450">
+            <a:solidFill>
+              <a:schemeClr val="tx2">
+                <a:lumMod val="50000"/>
+              </a:schemeClr>
+            </a:solidFill>
+            <a:prstDash val="solid"/>
+            <a:tailEnd type="triangle"/>
+          </a:ln>
+        </p:spPr>
+        <p:style>
+          <a:lnRef idx="2">
+            <a:schemeClr val="dk1"/>
+          </a:lnRef>
+          <a:fillRef idx="0">
+            <a:schemeClr val="dk1"/>
+          </a:fillRef>
+          <a:effectRef idx="1">
+            <a:schemeClr val="dk1"/>
+          </a:effectRef>
+          <a:fontRef idx="minor">
+            <a:schemeClr val="tx1"/>
+          </a:fontRef>
+        </p:style>
+      </p:cxnSp>
+      <p:sp>
+        <p:nvSpPr>
+          <p:cNvPr id="119" name="Rectangle 118">
+            <a:extLst>
+              <a:ext uri="{FF2B5EF4-FFF2-40B4-BE49-F238E27FC236}">
+                <a16:creationId xmlns:a16="http://schemas.microsoft.com/office/drawing/2014/main" id="{376B37E9-048B-0D7C-4F7A-B823ACF421D3}"/>
+              </a:ext>
+            </a:extLst>
+          </p:cNvPr>
+          <p:cNvSpPr/>
+          <p:nvPr/>
+        </p:nvSpPr>
+        <p:spPr>
+          <a:xfrm>
+            <a:off x="260165" y="1502833"/>
+            <a:ext cx="962273" cy="232241"/>
+          </a:xfrm>
+          <a:prstGeom prst="rect">
+            <a:avLst/>
+          </a:prstGeom>
+          <a:ln>
+            <a:noFill/>
+          </a:ln>
+        </p:spPr>
+        <p:style>
+          <a:lnRef idx="2">
+            <a:schemeClr val="accent1">
+              <a:shade val="50000"/>
+            </a:schemeClr>
+          </a:lnRef>
+          <a:fillRef idx="1">
+            <a:schemeClr val="accent1"/>
+          </a:fillRef>
+          <a:effectRef idx="0">
+            <a:schemeClr val="accent1"/>
+          </a:effectRef>
+          <a:fontRef idx="minor">
+            <a:schemeClr val="lt1"/>
+          </a:fontRef>
+        </p:style>
+        <p:txBody>
+          <a:bodyPr rtlCol="0" anchor="ctr"/>
+          <a:lstStyle/>
+          <a:p>
+            <a:pPr algn="ctr"/>
+            <a:r>
+              <a:rPr lang="en-US" sz="1200" dirty="0"/>
+              <a:t>Reports</a:t>
+            </a:r>
+          </a:p>
+        </p:txBody>
+      </p:sp>
+      <p:sp>
+        <p:nvSpPr>
+          <p:cNvPr id="143" name="TextBox 142">
+            <a:extLst>
+              <a:ext uri="{FF2B5EF4-FFF2-40B4-BE49-F238E27FC236}">
+                <a16:creationId xmlns:a16="http://schemas.microsoft.com/office/drawing/2014/main" id="{F11F7455-2638-55A6-6263-8520113633E0}"/>
+              </a:ext>
+            </a:extLst>
+          </p:cNvPr>
+          <p:cNvSpPr txBox="1"/>
+          <p:nvPr/>
+        </p:nvSpPr>
+        <p:spPr>
+          <a:xfrm>
+            <a:off x="4027759" y="2252796"/>
+            <a:ext cx="670615" cy="276999"/>
+          </a:xfrm>
+          <a:prstGeom prst="rect">
+            <a:avLst/>
+          </a:prstGeom>
+          <a:noFill/>
+        </p:spPr>
+        <p:txBody>
+          <a:bodyPr wrap="square" rtlCol="0">
+            <a:spAutoFit/>
+          </a:bodyPr>
+          <a:lstStyle/>
+          <a:p>
+            <a:r>
+              <a:rPr lang="en-US" sz="1200" dirty="0">
+                <a:solidFill>
+                  <a:schemeClr val="accent1">
+                    <a:lumMod val="50000"/>
+                  </a:schemeClr>
+                </a:solidFill>
+              </a:rPr>
+              <a:t>PUBLIC</a:t>
+            </a:r>
+          </a:p>
+        </p:txBody>
+      </p:sp>
+      <p:sp>
+        <p:nvSpPr>
+          <p:cNvPr id="144" name="TextBox 143">
+            <a:extLst>
+              <a:ext uri="{FF2B5EF4-FFF2-40B4-BE49-F238E27FC236}">
+                <a16:creationId xmlns:a16="http://schemas.microsoft.com/office/drawing/2014/main" id="{80E4C74D-7216-2FD9-4E57-A6CC785AF35E}"/>
+              </a:ext>
+            </a:extLst>
+          </p:cNvPr>
+          <p:cNvSpPr txBox="1"/>
+          <p:nvPr/>
+        </p:nvSpPr>
+        <p:spPr>
+          <a:xfrm>
+            <a:off x="3983820" y="3638780"/>
+            <a:ext cx="823825" cy="276999"/>
+          </a:xfrm>
+          <a:prstGeom prst="rect">
+            <a:avLst/>
+          </a:prstGeom>
+          <a:noFill/>
+        </p:spPr>
+        <p:txBody>
+          <a:bodyPr wrap="square" rtlCol="0">
+            <a:spAutoFit/>
+          </a:bodyPr>
+          <a:lstStyle/>
+          <a:p>
+            <a:r>
+              <a:rPr lang="en-US" sz="1200" dirty="0">
+                <a:solidFill>
+                  <a:schemeClr val="accent1">
+                    <a:lumMod val="50000"/>
+                  </a:schemeClr>
+                </a:solidFill>
+              </a:rPr>
+              <a:t>PRIVATE</a:t>
+            </a:r>
+          </a:p>
+        </p:txBody>
+      </p:sp>
+      <p:sp>
+        <p:nvSpPr>
+          <p:cNvPr id="146" name="TextBox 145">
+            <a:extLst>
+              <a:ext uri="{FF2B5EF4-FFF2-40B4-BE49-F238E27FC236}">
+                <a16:creationId xmlns:a16="http://schemas.microsoft.com/office/drawing/2014/main" id="{32A28D10-A384-A44C-7174-C729C5ECC7E7}"/>
+              </a:ext>
+            </a:extLst>
+          </p:cNvPr>
+          <p:cNvSpPr txBox="1"/>
+          <p:nvPr/>
+        </p:nvSpPr>
+        <p:spPr>
+          <a:xfrm>
+            <a:off x="11007038" y="1394046"/>
+            <a:ext cx="1132589" cy="646331"/>
+          </a:xfrm>
+          <a:prstGeom prst="rect">
+            <a:avLst/>
+          </a:prstGeom>
+          <a:noFill/>
+        </p:spPr>
+        <p:txBody>
+          <a:bodyPr wrap="square" rtlCol="0">
+            <a:spAutoFit/>
+          </a:bodyPr>
+          <a:lstStyle/>
+          <a:p>
+            <a:r>
+              <a:rPr lang="en-US" sz="1200" dirty="0">
+                <a:solidFill>
+                  <a:schemeClr val="accent1">
+                    <a:lumMod val="50000"/>
+                  </a:schemeClr>
+                </a:solidFill>
+              </a:rPr>
+              <a:t>OIDC CONSENT-ENABLED</a:t>
+            </a:r>
+          </a:p>
+        </p:txBody>
+      </p:sp>
+      <p:sp>
+        <p:nvSpPr>
+          <p:cNvPr id="148" name="TextBox 147">
+            <a:extLst>
+              <a:ext uri="{FF2B5EF4-FFF2-40B4-BE49-F238E27FC236}">
+                <a16:creationId xmlns:a16="http://schemas.microsoft.com/office/drawing/2014/main" id="{EAFDBA8D-67DC-EB9F-4E5B-8977CAF2493E}"/>
+              </a:ext>
+            </a:extLst>
+          </p:cNvPr>
+          <p:cNvSpPr txBox="1"/>
+          <p:nvPr/>
+        </p:nvSpPr>
+        <p:spPr>
+          <a:xfrm>
+            <a:off x="860057" y="368530"/>
+            <a:ext cx="2612302" cy="276999"/>
+          </a:xfrm>
+          <a:prstGeom prst="rect">
+            <a:avLst/>
+          </a:prstGeom>
+          <a:noFill/>
+        </p:spPr>
+        <p:txBody>
+          <a:bodyPr wrap="square" rtlCol="0">
+            <a:spAutoFit/>
+          </a:bodyPr>
+          <a:lstStyle/>
+          <a:p>
+            <a:r>
+              <a:rPr lang="en-US" sz="1200" dirty="0">
+                <a:solidFill>
+                  <a:schemeClr val="bg2">
+                    <a:lumMod val="50000"/>
+                  </a:schemeClr>
+                </a:solidFill>
+              </a:rPr>
+              <a:t>https://</a:t>
+            </a:r>
+            <a:r>
+              <a:rPr lang="en-US" sz="1200" dirty="0" err="1">
+                <a:solidFill>
+                  <a:schemeClr val="bg2">
+                    <a:lumMod val="50000"/>
+                  </a:schemeClr>
+                </a:solidFill>
+              </a:rPr>
+              <a:t>healthgateway.gov.bc.ca</a:t>
+            </a:r>
+            <a:r>
+              <a:rPr lang="en-US" sz="1200" dirty="0">
+                <a:solidFill>
+                  <a:schemeClr val="bg2">
+                    <a:lumMod val="50000"/>
+                  </a:schemeClr>
+                </a:solidFill>
+              </a:rPr>
+              <a:t>/</a:t>
+            </a:r>
+          </a:p>
+        </p:txBody>
+      </p:sp>
+      <p:cxnSp>
+        <p:nvCxnSpPr>
+          <p:cNvPr id="163" name="Elbow Connector 162">
+            <a:extLst>
+              <a:ext uri="{FF2B5EF4-FFF2-40B4-BE49-F238E27FC236}">
+                <a16:creationId xmlns:a16="http://schemas.microsoft.com/office/drawing/2014/main" id="{3F1CA4EC-3335-6040-530F-2BB99F279CC3}"/>
+              </a:ext>
+            </a:extLst>
+          </p:cNvPr>
+          <p:cNvCxnSpPr>
+            <a:cxnSpLocks/>
+            <a:stCxn id="186" idx="2"/>
+            <a:endCxn id="9" idx="0"/>
+          </p:cNvCxnSpPr>
+          <p:nvPr/>
+        </p:nvCxnSpPr>
+        <p:spPr>
+          <a:xfrm rot="16200000" flipH="1">
+            <a:off x="10341052" y="1950306"/>
+            <a:ext cx="1231161" cy="7046"/>
+          </a:xfrm>
+          <a:prstGeom prst="bentConnector3">
+            <a:avLst>
+              <a:gd name="adj1" fmla="val 52684"/>
+            </a:avLst>
+          </a:prstGeom>
+          <a:ln w="44450">
+            <a:solidFill>
+              <a:schemeClr val="tx2">
+                <a:lumMod val="50000"/>
+              </a:schemeClr>
+            </a:solidFill>
+            <a:prstDash val="sysDash"/>
+            <a:tailEnd type="triangle"/>
+          </a:ln>
+        </p:spPr>
+        <p:style>
+          <a:lnRef idx="2">
+            <a:schemeClr val="dk1"/>
+          </a:lnRef>
+          <a:fillRef idx="0">
+            <a:schemeClr val="dk1"/>
+          </a:fillRef>
+          <a:effectRef idx="1">
+            <a:schemeClr val="dk1"/>
+          </a:effectRef>
+          <a:fontRef idx="minor">
+            <a:schemeClr val="tx1"/>
+          </a:fontRef>
+        </p:style>
+      </p:cxnSp>
+      <p:grpSp>
+        <p:nvGrpSpPr>
+          <p:cNvPr id="177" name="Group 176">
+            <a:extLst>
+              <a:ext uri="{FF2B5EF4-FFF2-40B4-BE49-F238E27FC236}">
+                <a16:creationId xmlns:a16="http://schemas.microsoft.com/office/drawing/2014/main" id="{944BBE86-E667-80AD-AF32-7D8C8F82E23B}"/>
+              </a:ext>
+            </a:extLst>
+          </p:cNvPr>
+          <p:cNvGrpSpPr/>
+          <p:nvPr/>
+        </p:nvGrpSpPr>
+        <p:grpSpPr>
+          <a:xfrm>
+            <a:off x="6539178" y="638507"/>
+            <a:ext cx="3326952" cy="1167271"/>
+            <a:chOff x="258418" y="842553"/>
+            <a:chExt cx="3326952" cy="1167271"/>
+          </a:xfrm>
+        </p:grpSpPr>
+        <p:sp>
+          <p:nvSpPr>
+            <p:cNvPr id="178" name="Rectangle 177">
+              <a:extLst>
+                <a:ext uri="{FF2B5EF4-FFF2-40B4-BE49-F238E27FC236}">
+                  <a16:creationId xmlns:a16="http://schemas.microsoft.com/office/drawing/2014/main" id="{EE9C7743-C7A2-70CC-F7D7-C90B9E619DF7}"/>
+                </a:ext>
+              </a:extLst>
+            </p:cNvPr>
+            <p:cNvSpPr/>
+            <p:nvPr/>
+          </p:nvSpPr>
+          <p:spPr>
+            <a:xfrm>
+              <a:off x="258418" y="842553"/>
+              <a:ext cx="3326952" cy="1167271"/>
+            </a:xfrm>
+            <a:prstGeom prst="rect">
+              <a:avLst/>
+            </a:prstGeom>
+            <a:solidFill>
+              <a:schemeClr val="accent4">
+                <a:lumMod val="40000"/>
+                <a:lumOff val="60000"/>
+              </a:schemeClr>
+            </a:solidFill>
+            <a:ln>
+              <a:noFill/>
+            </a:ln>
+          </p:spPr>
+          <p:style>
+            <a:lnRef idx="2">
+              <a:schemeClr val="accent1">
+                <a:shade val="50000"/>
+              </a:schemeClr>
+            </a:lnRef>
+            <a:fillRef idx="1">
+              <a:schemeClr val="accent1"/>
+            </a:fillRef>
+            <a:effectRef idx="0">
+              <a:schemeClr val="accent1"/>
+            </a:effectRef>
+            <a:fontRef idx="minor">
+              <a:schemeClr val="lt1"/>
+            </a:fontRef>
+          </p:style>
+          <p:txBody>
+            <a:bodyPr rtlCol="0" anchor="t"/>
+            <a:lstStyle/>
+            <a:p>
+              <a:pPr algn="ctr"/>
+              <a:r>
+                <a:rPr lang="en-US" sz="1200" dirty="0">
+                  <a:solidFill>
+                    <a:schemeClr val="bg2">
+                      <a:lumMod val="25000"/>
+                    </a:schemeClr>
+                  </a:solidFill>
+                </a:rPr>
+                <a:t>Health Gateway Mobile App (Android/iOS)</a:t>
+              </a:r>
+            </a:p>
+          </p:txBody>
+        </p:sp>
+        <p:grpSp>
+          <p:nvGrpSpPr>
+            <p:cNvPr id="179" name="Group 178">
+              <a:extLst>
+                <a:ext uri="{FF2B5EF4-FFF2-40B4-BE49-F238E27FC236}">
+                  <a16:creationId xmlns:a16="http://schemas.microsoft.com/office/drawing/2014/main" id="{E130636B-13FF-1C39-F57B-7CAA77C2996C}"/>
+                </a:ext>
+              </a:extLst>
+            </p:cNvPr>
+            <p:cNvGrpSpPr/>
+            <p:nvPr/>
+          </p:nvGrpSpPr>
+          <p:grpSpPr>
+            <a:xfrm>
+              <a:off x="310666" y="1100866"/>
+              <a:ext cx="3187941" cy="522992"/>
+              <a:chOff x="628976" y="2940600"/>
+              <a:chExt cx="3187941" cy="522992"/>
+            </a:xfrm>
+          </p:grpSpPr>
+          <p:sp>
+            <p:nvSpPr>
+              <p:cNvPr id="180" name="Rectangle 179">
+                <a:extLst>
+                  <a:ext uri="{FF2B5EF4-FFF2-40B4-BE49-F238E27FC236}">
+                    <a16:creationId xmlns:a16="http://schemas.microsoft.com/office/drawing/2014/main" id="{DFEE15F3-F635-6F2E-5B28-6556EDD99AB2}"/>
+                  </a:ext>
+                </a:extLst>
+              </p:cNvPr>
+              <p:cNvSpPr/>
+              <p:nvPr/>
+            </p:nvSpPr>
+            <p:spPr>
+              <a:xfrm>
+                <a:off x="638090" y="2940601"/>
+                <a:ext cx="962273" cy="232241"/>
+              </a:xfrm>
+              <a:prstGeom prst="rect">
+                <a:avLst/>
+              </a:prstGeom>
+              <a:ln>
+                <a:noFill/>
+              </a:ln>
+            </p:spPr>
+            <p:style>
+              <a:lnRef idx="2">
+                <a:schemeClr val="accent1">
+                  <a:shade val="50000"/>
+                </a:schemeClr>
+              </a:lnRef>
+              <a:fillRef idx="1">
+                <a:schemeClr val="accent1"/>
+              </a:fillRef>
+              <a:effectRef idx="0">
+                <a:schemeClr val="accent1"/>
+              </a:effectRef>
+              <a:fontRef idx="minor">
+                <a:schemeClr val="lt1"/>
+              </a:fontRef>
+            </p:style>
+            <p:txBody>
+              <a:bodyPr rtlCol="0" anchor="ctr"/>
+              <a:lstStyle/>
+              <a:p>
+                <a:pPr algn="ctr"/>
+                <a:r>
+                  <a:rPr lang="en-US" sz="1200" dirty="0"/>
+                  <a:t>Timeline</a:t>
+                </a:r>
+              </a:p>
+            </p:txBody>
+          </p:sp>
+          <p:sp>
+            <p:nvSpPr>
+              <p:cNvPr id="181" name="Rectangle 180">
+                <a:extLst>
+                  <a:ext uri="{FF2B5EF4-FFF2-40B4-BE49-F238E27FC236}">
+                    <a16:creationId xmlns:a16="http://schemas.microsoft.com/office/drawing/2014/main" id="{35FF80EA-32F1-CA7A-FFE0-BB79A4CBFD6C}"/>
+                  </a:ext>
+                </a:extLst>
+              </p:cNvPr>
+              <p:cNvSpPr/>
+              <p:nvPr/>
+            </p:nvSpPr>
+            <p:spPr>
+              <a:xfrm>
+                <a:off x="628976" y="3225444"/>
+                <a:ext cx="951604" cy="238148"/>
+              </a:xfrm>
+              <a:prstGeom prst="rect">
+                <a:avLst/>
+              </a:prstGeom>
+              <a:solidFill>
+                <a:schemeClr val="accent1">
+                  <a:lumMod val="60000"/>
+                  <a:lumOff val="40000"/>
+                </a:schemeClr>
+              </a:solidFill>
+              <a:ln>
+                <a:noFill/>
+              </a:ln>
+            </p:spPr>
+            <p:style>
+              <a:lnRef idx="2">
+                <a:schemeClr val="accent1">
+                  <a:shade val="50000"/>
+                </a:schemeClr>
+              </a:lnRef>
+              <a:fillRef idx="1">
+                <a:schemeClr val="accent1"/>
+              </a:fillRef>
+              <a:effectRef idx="0">
+                <a:schemeClr val="accent1"/>
+              </a:effectRef>
+              <a:fontRef idx="minor">
+                <a:schemeClr val="lt1"/>
+              </a:fontRef>
+            </p:style>
+            <p:txBody>
+              <a:bodyPr rtlCol="0" anchor="ctr"/>
+              <a:lstStyle/>
+              <a:p>
+                <a:pPr algn="ctr"/>
+                <a:r>
+                  <a:rPr lang="en-US" sz="1200" dirty="0"/>
+                  <a:t>User Profile</a:t>
+                </a:r>
+              </a:p>
+            </p:txBody>
+          </p:sp>
+          <p:sp>
+            <p:nvSpPr>
+              <p:cNvPr id="182" name="Rectangle 181">
+                <a:extLst>
+                  <a:ext uri="{FF2B5EF4-FFF2-40B4-BE49-F238E27FC236}">
+                    <a16:creationId xmlns:a16="http://schemas.microsoft.com/office/drawing/2014/main" id="{0082BFA4-04E5-B21F-F4D3-874755B0713E}"/>
+                  </a:ext>
+                </a:extLst>
+              </p:cNvPr>
+              <p:cNvSpPr/>
+              <p:nvPr/>
+            </p:nvSpPr>
+            <p:spPr>
+              <a:xfrm>
+                <a:off x="1642669" y="3231351"/>
+                <a:ext cx="1054654" cy="232241"/>
+              </a:xfrm>
+              <a:prstGeom prst="rect">
+                <a:avLst/>
+              </a:prstGeom>
+              <a:solidFill>
+                <a:schemeClr val="accent1">
+                  <a:lumMod val="60000"/>
+                  <a:lumOff val="40000"/>
+                </a:schemeClr>
+              </a:solidFill>
+              <a:ln>
+                <a:noFill/>
+              </a:ln>
+            </p:spPr>
+            <p:style>
+              <a:lnRef idx="2">
+                <a:schemeClr val="accent1">
+                  <a:shade val="50000"/>
+                </a:schemeClr>
+              </a:lnRef>
+              <a:fillRef idx="1">
+                <a:schemeClr val="accent1"/>
+              </a:fillRef>
+              <a:effectRef idx="0">
+                <a:schemeClr val="accent1"/>
+              </a:effectRef>
+              <a:fontRef idx="minor">
+                <a:schemeClr val="lt1"/>
+              </a:fontRef>
+            </p:style>
+            <p:txBody>
+              <a:bodyPr rtlCol="0" anchor="ctr"/>
+              <a:lstStyle/>
+              <a:p>
+                <a:pPr algn="ctr"/>
+                <a:r>
+                  <a:rPr lang="en-US" sz="1200" dirty="0"/>
+                  <a:t>Dependents</a:t>
+                </a:r>
+              </a:p>
+            </p:txBody>
+          </p:sp>
+          <p:sp>
+            <p:nvSpPr>
+              <p:cNvPr id="183" name="Rectangle 182">
+                <a:extLst>
+                  <a:ext uri="{FF2B5EF4-FFF2-40B4-BE49-F238E27FC236}">
+                    <a16:creationId xmlns:a16="http://schemas.microsoft.com/office/drawing/2014/main" id="{E163489E-C0D9-07B5-18EF-217876731106}"/>
+                  </a:ext>
+                </a:extLst>
+              </p:cNvPr>
+              <p:cNvSpPr/>
+              <p:nvPr/>
+            </p:nvSpPr>
+            <p:spPr>
+              <a:xfrm>
+                <a:off x="1642669" y="2958240"/>
+                <a:ext cx="1054654" cy="202571"/>
+              </a:xfrm>
+              <a:prstGeom prst="rect">
+                <a:avLst/>
+              </a:prstGeom>
+              <a:solidFill>
+                <a:schemeClr val="accent1">
+                  <a:lumMod val="60000"/>
+                  <a:lumOff val="40000"/>
+                </a:schemeClr>
+              </a:solidFill>
+              <a:ln>
+                <a:solidFill>
+                  <a:schemeClr val="tx1"/>
+                </a:solidFill>
+                <a:prstDash val="dash"/>
+              </a:ln>
+            </p:spPr>
+            <p:style>
+              <a:lnRef idx="2">
+                <a:schemeClr val="accent1">
+                  <a:shade val="50000"/>
+                </a:schemeClr>
+              </a:lnRef>
+              <a:fillRef idx="1">
+                <a:schemeClr val="accent1"/>
+              </a:fillRef>
+              <a:effectRef idx="0">
+                <a:schemeClr val="accent1"/>
+              </a:effectRef>
+              <a:fontRef idx="minor">
+                <a:schemeClr val="lt1"/>
+              </a:fontRef>
+            </p:style>
+            <p:txBody>
+              <a:bodyPr rtlCol="0" anchor="ctr"/>
+              <a:lstStyle/>
+              <a:p>
+                <a:pPr algn="ctr"/>
+                <a:r>
+                  <a:rPr lang="en-US" sz="1200" dirty="0">
+                    <a:solidFill>
+                      <a:schemeClr val="accent1">
+                        <a:lumMod val="75000"/>
+                      </a:schemeClr>
+                    </a:solidFill>
+                  </a:rPr>
+                  <a:t>Delegation</a:t>
+                </a:r>
+              </a:p>
+            </p:txBody>
+          </p:sp>
+          <p:sp>
+            <p:nvSpPr>
+              <p:cNvPr id="184" name="Rectangle 183">
+                <a:extLst>
+                  <a:ext uri="{FF2B5EF4-FFF2-40B4-BE49-F238E27FC236}">
+                    <a16:creationId xmlns:a16="http://schemas.microsoft.com/office/drawing/2014/main" id="{C31A199B-F5F0-325E-483B-E3C97A96EF5A}"/>
+                  </a:ext>
+                </a:extLst>
+              </p:cNvPr>
+              <p:cNvSpPr/>
+              <p:nvPr/>
+            </p:nvSpPr>
+            <p:spPr>
+              <a:xfrm>
+                <a:off x="2748603" y="2940600"/>
+                <a:ext cx="1054654" cy="232241"/>
+              </a:xfrm>
+              <a:prstGeom prst="rect">
+                <a:avLst/>
+              </a:prstGeom>
+              <a:ln>
+                <a:noFill/>
+              </a:ln>
+            </p:spPr>
+            <p:style>
+              <a:lnRef idx="2">
+                <a:schemeClr val="accent1">
+                  <a:shade val="50000"/>
+                </a:schemeClr>
+              </a:lnRef>
+              <a:fillRef idx="1">
+                <a:schemeClr val="accent1"/>
+              </a:fillRef>
+              <a:effectRef idx="0">
+                <a:schemeClr val="accent1"/>
+              </a:effectRef>
+              <a:fontRef idx="minor">
+                <a:schemeClr val="lt1"/>
+              </a:fontRef>
+            </p:style>
+            <p:txBody>
+              <a:bodyPr rtlCol="0" anchor="ctr"/>
+              <a:lstStyle/>
+              <a:p>
+                <a:pPr algn="ctr"/>
+                <a:r>
+                  <a:rPr lang="en-US" sz="1200" dirty="0"/>
+                  <a:t>COVID Labs</a:t>
+                </a:r>
+              </a:p>
+            </p:txBody>
+          </p:sp>
+          <p:sp>
+            <p:nvSpPr>
+              <p:cNvPr id="185" name="Rectangle 184">
+                <a:extLst>
+                  <a:ext uri="{FF2B5EF4-FFF2-40B4-BE49-F238E27FC236}">
+                    <a16:creationId xmlns:a16="http://schemas.microsoft.com/office/drawing/2014/main" id="{169B7283-0AB5-9ACA-D6B7-29AC8AB9DFF1}"/>
+                  </a:ext>
+                </a:extLst>
+              </p:cNvPr>
+              <p:cNvSpPr/>
+              <p:nvPr/>
+            </p:nvSpPr>
+            <p:spPr>
+              <a:xfrm>
+                <a:off x="2762263" y="3224180"/>
+                <a:ext cx="1054654" cy="232241"/>
+              </a:xfrm>
+              <a:prstGeom prst="rect">
+                <a:avLst/>
+              </a:prstGeom>
+              <a:ln>
+                <a:noFill/>
+              </a:ln>
+            </p:spPr>
+            <p:style>
+              <a:lnRef idx="2">
+                <a:schemeClr val="accent1">
+                  <a:shade val="50000"/>
+                </a:schemeClr>
+              </a:lnRef>
+              <a:fillRef idx="1">
+                <a:schemeClr val="accent1"/>
+              </a:fillRef>
+              <a:effectRef idx="0">
+                <a:schemeClr val="accent1"/>
+              </a:effectRef>
+              <a:fontRef idx="minor">
+                <a:schemeClr val="lt1"/>
+              </a:fontRef>
+            </p:style>
+            <p:txBody>
+              <a:bodyPr rtlCol="0" anchor="ctr"/>
+              <a:lstStyle/>
+              <a:p>
+                <a:pPr algn="ctr"/>
+                <a:r>
+                  <a:rPr lang="en-US" sz="1200" dirty="0"/>
+                  <a:t>Vaccine Card</a:t>
+                </a:r>
+              </a:p>
+            </p:txBody>
+          </p:sp>
+        </p:grpSp>
+      </p:grpSp>
+      <p:sp>
+        <p:nvSpPr>
+          <p:cNvPr id="202" name="Rectangle 201">
+            <a:extLst>
+              <a:ext uri="{FF2B5EF4-FFF2-40B4-BE49-F238E27FC236}">
+                <a16:creationId xmlns:a16="http://schemas.microsoft.com/office/drawing/2014/main" id="{6615F437-323E-BAF1-17D0-68170D36F5B7}"/>
+              </a:ext>
+            </a:extLst>
+          </p:cNvPr>
+          <p:cNvSpPr/>
+          <p:nvPr/>
+        </p:nvSpPr>
+        <p:spPr>
+          <a:xfrm>
+            <a:off x="8863227" y="5424261"/>
+            <a:ext cx="1230230" cy="1010261"/>
+          </a:xfrm>
+          <a:prstGeom prst="rect">
+            <a:avLst/>
+          </a:prstGeom>
+          <a:solidFill>
+            <a:schemeClr val="accent6">
+              <a:lumMod val="60000"/>
+              <a:lumOff val="40000"/>
+            </a:schemeClr>
+          </a:solidFill>
+          <a:ln>
+            <a:noFill/>
+          </a:ln>
+        </p:spPr>
+        <p:style>
+          <a:lnRef idx="2">
+            <a:schemeClr val="accent1">
+              <a:shade val="50000"/>
+            </a:schemeClr>
+          </a:lnRef>
+          <a:fillRef idx="1">
+            <a:schemeClr val="accent1"/>
+          </a:fillRef>
+          <a:effectRef idx="0">
+            <a:schemeClr val="accent1"/>
+          </a:effectRef>
+          <a:fontRef idx="minor">
+            <a:schemeClr val="lt1"/>
+          </a:fontRef>
+        </p:style>
+        <p:txBody>
+          <a:bodyPr rtlCol="0" anchor="ctr"/>
+          <a:lstStyle/>
+          <a:p>
+            <a:pPr algn="ctr"/>
+            <a:r>
+              <a:rPr lang="en-US" sz="1200" dirty="0">
+                <a:solidFill>
+                  <a:schemeClr val="bg2">
+                    <a:lumMod val="25000"/>
+                  </a:schemeClr>
+                </a:solidFill>
+              </a:rPr>
+              <a:t>Patient Index</a:t>
+            </a:r>
+            <a:br>
+              <a:rPr lang="en-US" sz="1200" dirty="0">
+                <a:solidFill>
+                  <a:schemeClr val="bg2">
+                    <a:lumMod val="25000"/>
+                  </a:schemeClr>
+                </a:solidFill>
+              </a:rPr>
+            </a:br>
+            <a:r>
+              <a:rPr lang="en-US" sz="1200" dirty="0">
+                <a:solidFill>
+                  <a:schemeClr val="bg2">
+                    <a:lumMod val="25000"/>
+                  </a:schemeClr>
+                </a:solidFill>
+              </a:rPr>
+              <a:t>(EMPI)</a:t>
+            </a:r>
+          </a:p>
+        </p:txBody>
+      </p:sp>
+      <p:sp>
+        <p:nvSpPr>
+          <p:cNvPr id="136" name="Can 135">
+            <a:extLst>
+              <a:ext uri="{FF2B5EF4-FFF2-40B4-BE49-F238E27FC236}">
+                <a16:creationId xmlns:a16="http://schemas.microsoft.com/office/drawing/2014/main" id="{A86A7F41-8B95-8450-E4FD-75BA32DFF2C7}"/>
+              </a:ext>
+            </a:extLst>
+          </p:cNvPr>
+          <p:cNvSpPr/>
+          <p:nvPr/>
+        </p:nvSpPr>
+        <p:spPr>
+          <a:xfrm>
+            <a:off x="336747" y="5281190"/>
+            <a:ext cx="1052663" cy="649979"/>
+          </a:xfrm>
+          <a:prstGeom prst="can">
+            <a:avLst/>
+          </a:prstGeom>
+        </p:spPr>
+        <p:style>
+          <a:lnRef idx="2">
+            <a:schemeClr val="accent1">
+              <a:shade val="50000"/>
+            </a:schemeClr>
+          </a:lnRef>
+          <a:fillRef idx="1">
+            <a:schemeClr val="accent1"/>
+          </a:fillRef>
+          <a:effectRef idx="0">
+            <a:schemeClr val="accent1"/>
+          </a:effectRef>
+          <a:fontRef idx="minor">
+            <a:schemeClr val="lt1"/>
+          </a:fontRef>
+        </p:style>
+        <p:txBody>
+          <a:bodyPr rtlCol="0" anchor="ctr"/>
+          <a:lstStyle/>
+          <a:p>
+            <a:pPr algn="ctr"/>
+            <a:r>
+              <a:rPr lang="en-US" dirty="0"/>
+              <a:t>HG-DB</a:t>
+            </a:r>
+          </a:p>
+        </p:txBody>
+      </p:sp>
+      <p:cxnSp>
+        <p:nvCxnSpPr>
+          <p:cNvPr id="213" name="Elbow Connector 212">
+            <a:extLst>
+              <a:ext uri="{FF2B5EF4-FFF2-40B4-BE49-F238E27FC236}">
+                <a16:creationId xmlns:a16="http://schemas.microsoft.com/office/drawing/2014/main" id="{00A4B493-CFEB-85F2-722B-436E1785C3F2}"/>
+              </a:ext>
+            </a:extLst>
+          </p:cNvPr>
+          <p:cNvCxnSpPr>
+            <a:cxnSpLocks/>
+            <a:stCxn id="274" idx="2"/>
+            <a:endCxn id="136" idx="1"/>
+          </p:cNvCxnSpPr>
+          <p:nvPr/>
+        </p:nvCxnSpPr>
+        <p:spPr>
+          <a:xfrm rot="5400000">
+            <a:off x="1328854" y="4325082"/>
+            <a:ext cx="490334" cy="1421883"/>
+          </a:xfrm>
+          <a:prstGeom prst="bentConnector3">
+            <a:avLst>
+              <a:gd name="adj1" fmla="val 50000"/>
+            </a:avLst>
+          </a:prstGeom>
+          <a:ln w="25400">
+            <a:solidFill>
+              <a:schemeClr val="tx2">
+                <a:lumMod val="50000"/>
+              </a:schemeClr>
+            </a:solidFill>
+            <a:tailEnd type="triangle"/>
+          </a:ln>
+        </p:spPr>
+        <p:style>
+          <a:lnRef idx="2">
+            <a:schemeClr val="dk1"/>
+          </a:lnRef>
+          <a:fillRef idx="0">
+            <a:schemeClr val="dk1"/>
+          </a:fillRef>
+          <a:effectRef idx="1">
+            <a:schemeClr val="dk1"/>
+          </a:effectRef>
+          <a:fontRef idx="minor">
+            <a:schemeClr val="tx1"/>
+          </a:fontRef>
+        </p:style>
+      </p:cxnSp>
+      <p:cxnSp>
+        <p:nvCxnSpPr>
+          <p:cNvPr id="216" name="Elbow Connector 215">
+            <a:extLst>
+              <a:ext uri="{FF2B5EF4-FFF2-40B4-BE49-F238E27FC236}">
+                <a16:creationId xmlns:a16="http://schemas.microsoft.com/office/drawing/2014/main" id="{D9808B86-B389-B7FE-9EB2-42A9DE8C0E3D}"/>
+              </a:ext>
+            </a:extLst>
+          </p:cNvPr>
+          <p:cNvCxnSpPr>
+            <a:cxnSpLocks/>
+            <a:stCxn id="273" idx="2"/>
+            <a:endCxn id="136" idx="1"/>
+          </p:cNvCxnSpPr>
+          <p:nvPr/>
+        </p:nvCxnSpPr>
+        <p:spPr>
+          <a:xfrm rot="5400000">
+            <a:off x="639721" y="4988685"/>
+            <a:ext cx="515864" cy="69147"/>
+          </a:xfrm>
+          <a:prstGeom prst="bentConnector3">
+            <a:avLst>
+              <a:gd name="adj1" fmla="val 50000"/>
+            </a:avLst>
+          </a:prstGeom>
+          <a:ln w="25400">
+            <a:solidFill>
+              <a:schemeClr val="tx2">
+                <a:lumMod val="50000"/>
+              </a:schemeClr>
+            </a:solidFill>
+            <a:tailEnd type="triangle"/>
+          </a:ln>
+        </p:spPr>
+        <p:style>
+          <a:lnRef idx="2">
+            <a:schemeClr val="dk1"/>
+          </a:lnRef>
+          <a:fillRef idx="0">
+            <a:schemeClr val="dk1"/>
+          </a:fillRef>
+          <a:effectRef idx="1">
+            <a:schemeClr val="dk1"/>
+          </a:effectRef>
+          <a:fontRef idx="minor">
+            <a:schemeClr val="tx1"/>
+          </a:fontRef>
+        </p:style>
+      </p:cxnSp>
+    </p:spTree>
+    <p:extLst>
+      <p:ext uri="{BB962C8B-B14F-4D97-AF65-F5344CB8AC3E}">
+        <p14:creationId xmlns:p14="http://schemas.microsoft.com/office/powerpoint/2010/main" val="562065975"/>
+      </p:ext>
+    </p:extLst>
+  </p:cSld>
+  <p:clrMapOvr>
+    <a:masterClrMapping/>
+  </p:clrMapOvr>
+</p:sld>
+</file>
+
+<file path=ppt/slides/slide3.xml><?xml version="1.0" encoding="utf-8"?>
+<p:sld xmlns:a="http://schemas.openxmlformats.org/drawingml/2006/main" xmlns:r="http://schemas.openxmlformats.org/officeDocument/2006/relationships" xmlns:p="http://schemas.openxmlformats.org/presentationml/2006/main">
+  <p:cSld>
+    <p:spTree>
+      <p:nvGrpSpPr>
+        <p:cNvPr id="1" name=""/>
+        <p:cNvGrpSpPr/>
+        <p:nvPr/>
+      </p:nvGrpSpPr>
+      <p:grpSpPr>
+        <a:xfrm>
+          <a:off x="0" y="0"/>
+          <a:ext cx="0" cy="0"/>
+          <a:chOff x="0" y="0"/>
+          <a:chExt cx="0" cy="0"/>
+        </a:xfrm>
+      </p:grpSpPr>
+      <p:sp>
+        <p:nvSpPr>
           <p:cNvPr id="103" name="Rounded Rectangle 102">
             <a:extLst>
               <a:ext uri="{FF2B5EF4-FFF2-40B4-BE49-F238E27FC236}">
@@ -5743,9 +11980,6 @@
           <a:prstGeom prst="rect">
             <a:avLst/>
           </a:prstGeom>
-          <a:ln w="31750">
-            <a:prstDash val="dash"/>
-          </a:ln>
         </p:spPr>
         <p:style>
           <a:lnRef idx="2">
@@ -8160,7 +14394,7 @@
     </p:spTree>
     <p:extLst>
       <p:ext uri="{BB962C8B-B14F-4D97-AF65-F5344CB8AC3E}">
-        <p14:creationId xmlns:p14="http://schemas.microsoft.com/office/powerpoint/2010/main" val="562065975"/>
+        <p14:creationId xmlns:p14="http://schemas.microsoft.com/office/powerpoint/2010/main" val="3134517466"/>
       </p:ext>
     </p:extLst>
   </p:cSld>
@@ -8170,7 +14404,7 @@
 </p:sld>
 </file>
 
-<file path=ppt/slides/slide3.xml><?xml version="1.0" encoding="utf-8"?>
+<file path=ppt/slides/slide4.xml><?xml version="1.0" encoding="utf-8"?>
 <p:sld xmlns:a="http://schemas.openxmlformats.org/drawingml/2006/main" xmlns:r="http://schemas.openxmlformats.org/officeDocument/2006/relationships" xmlns:p="http://schemas.openxmlformats.org/presentationml/2006/main">
   <p:cSld>
     <p:spTree>
@@ -10952,7 +17186,7 @@
 </p:sld>
 </file>
 
-<file path=ppt/slides/slide4.xml><?xml version="1.0" encoding="utf-8"?>
+<file path=ppt/slides/slide5.xml><?xml version="1.0" encoding="utf-8"?>
 <p:sld xmlns:a="http://schemas.openxmlformats.org/drawingml/2006/main" xmlns:r="http://schemas.openxmlformats.org/officeDocument/2006/relationships" xmlns:p="http://schemas.openxmlformats.org/presentationml/2006/main">
   <p:cSld>
     <p:spTree>
@@ -11100,7 +17334,7 @@
 </p:sld>
 </file>
 
-<file path=ppt/slides/slide5.xml><?xml version="1.0" encoding="utf-8"?>
+<file path=ppt/slides/slide6.xml><?xml version="1.0" encoding="utf-8"?>
 <p:sld xmlns:a="http://schemas.openxmlformats.org/drawingml/2006/main" xmlns:r="http://schemas.openxmlformats.org/officeDocument/2006/relationships" xmlns:p="http://schemas.openxmlformats.org/presentationml/2006/main">
   <p:cSld>
     <p:spTree>
